--- a/slides/slides_day2.pptx
+++ b/slides/slides_day2.pptx
@@ -5,7 +5,7 @@
     <p:sldMasterId id="2147483660" r:id="rId1"/>
   </p:sldMasterIdLst>
   <p:notesMasterIdLst>
-    <p:notesMasterId r:id="rId61"/>
+    <p:notesMasterId r:id="rId59"/>
   </p:notesMasterIdLst>
   <p:sldIdLst>
     <p:sldId id="256" r:id="rId2"/>
@@ -19,54 +19,52 @@
     <p:sldId id="339" r:id="rId10"/>
     <p:sldId id="405" r:id="rId11"/>
     <p:sldId id="340" r:id="rId12"/>
-    <p:sldId id="341" r:id="rId13"/>
-    <p:sldId id="406" r:id="rId14"/>
-    <p:sldId id="408" r:id="rId15"/>
-    <p:sldId id="385" r:id="rId16"/>
-    <p:sldId id="342" r:id="rId17"/>
-    <p:sldId id="343" r:id="rId18"/>
-    <p:sldId id="344" r:id="rId19"/>
-    <p:sldId id="345" r:id="rId20"/>
-    <p:sldId id="346" r:id="rId21"/>
-    <p:sldId id="357" r:id="rId22"/>
-    <p:sldId id="356" r:id="rId23"/>
-    <p:sldId id="347" r:id="rId24"/>
-    <p:sldId id="349" r:id="rId25"/>
-    <p:sldId id="350" r:id="rId26"/>
-    <p:sldId id="351" r:id="rId27"/>
-    <p:sldId id="348" r:id="rId28"/>
-    <p:sldId id="352" r:id="rId29"/>
-    <p:sldId id="355" r:id="rId30"/>
-    <p:sldId id="353" r:id="rId31"/>
-    <p:sldId id="382" r:id="rId32"/>
-    <p:sldId id="359" r:id="rId33"/>
-    <p:sldId id="360" r:id="rId34"/>
-    <p:sldId id="354" r:id="rId35"/>
-    <p:sldId id="364" r:id="rId36"/>
-    <p:sldId id="358" r:id="rId37"/>
-    <p:sldId id="368" r:id="rId38"/>
-    <p:sldId id="365" r:id="rId39"/>
-    <p:sldId id="369" r:id="rId40"/>
-    <p:sldId id="370" r:id="rId41"/>
-    <p:sldId id="371" r:id="rId42"/>
-    <p:sldId id="372" r:id="rId43"/>
-    <p:sldId id="373" r:id="rId44"/>
-    <p:sldId id="374" r:id="rId45"/>
-    <p:sldId id="375" r:id="rId46"/>
-    <p:sldId id="379" r:id="rId47"/>
-    <p:sldId id="376" r:id="rId48"/>
-    <p:sldId id="377" r:id="rId49"/>
-    <p:sldId id="378" r:id="rId50"/>
-    <p:sldId id="391" r:id="rId51"/>
-    <p:sldId id="395" r:id="rId52"/>
-    <p:sldId id="392" r:id="rId53"/>
-    <p:sldId id="398" r:id="rId54"/>
-    <p:sldId id="381" r:id="rId55"/>
-    <p:sldId id="386" r:id="rId56"/>
-    <p:sldId id="387" r:id="rId57"/>
-    <p:sldId id="388" r:id="rId58"/>
-    <p:sldId id="399" r:id="rId59"/>
-    <p:sldId id="383" r:id="rId60"/>
+    <p:sldId id="408" r:id="rId13"/>
+    <p:sldId id="385" r:id="rId14"/>
+    <p:sldId id="342" r:id="rId15"/>
+    <p:sldId id="343" r:id="rId16"/>
+    <p:sldId id="344" r:id="rId17"/>
+    <p:sldId id="345" r:id="rId18"/>
+    <p:sldId id="346" r:id="rId19"/>
+    <p:sldId id="357" r:id="rId20"/>
+    <p:sldId id="356" r:id="rId21"/>
+    <p:sldId id="347" r:id="rId22"/>
+    <p:sldId id="349" r:id="rId23"/>
+    <p:sldId id="350" r:id="rId24"/>
+    <p:sldId id="351" r:id="rId25"/>
+    <p:sldId id="348" r:id="rId26"/>
+    <p:sldId id="352" r:id="rId27"/>
+    <p:sldId id="355" r:id="rId28"/>
+    <p:sldId id="353" r:id="rId29"/>
+    <p:sldId id="382" r:id="rId30"/>
+    <p:sldId id="359" r:id="rId31"/>
+    <p:sldId id="360" r:id="rId32"/>
+    <p:sldId id="354" r:id="rId33"/>
+    <p:sldId id="364" r:id="rId34"/>
+    <p:sldId id="358" r:id="rId35"/>
+    <p:sldId id="368" r:id="rId36"/>
+    <p:sldId id="365" r:id="rId37"/>
+    <p:sldId id="369" r:id="rId38"/>
+    <p:sldId id="370" r:id="rId39"/>
+    <p:sldId id="371" r:id="rId40"/>
+    <p:sldId id="372" r:id="rId41"/>
+    <p:sldId id="373" r:id="rId42"/>
+    <p:sldId id="374" r:id="rId43"/>
+    <p:sldId id="375" r:id="rId44"/>
+    <p:sldId id="379" r:id="rId45"/>
+    <p:sldId id="376" r:id="rId46"/>
+    <p:sldId id="377" r:id="rId47"/>
+    <p:sldId id="378" r:id="rId48"/>
+    <p:sldId id="391" r:id="rId49"/>
+    <p:sldId id="395" r:id="rId50"/>
+    <p:sldId id="392" r:id="rId51"/>
+    <p:sldId id="398" r:id="rId52"/>
+    <p:sldId id="381" r:id="rId53"/>
+    <p:sldId id="386" r:id="rId54"/>
+    <p:sldId id="387" r:id="rId55"/>
+    <p:sldId id="388" r:id="rId56"/>
+    <p:sldId id="399" r:id="rId57"/>
+    <p:sldId id="383" r:id="rId58"/>
   </p:sldIdLst>
   <p:sldSz cx="9144000" cy="6858000" type="screen4x3"/>
   <p:notesSz cx="6858000" cy="9144000"/>
@@ -4555,7 +4553,7 @@
     </p:spTree>
     <p:extLst>
       <p:ext uri="{BB962C8B-B14F-4D97-AF65-F5344CB8AC3E}">
-        <p14:creationId xmlns:p14="http://schemas.microsoft.com/office/powerpoint/2010/main" val="3457954296"/>
+        <p14:creationId xmlns:p14="http://schemas.microsoft.com/office/powerpoint/2010/main" val="630817641"/>
       </p:ext>
     </p:extLst>
   </p:cSld>
@@ -4592,144 +4590,28 @@
             <p:ph type="title"/>
           </p:nvPr>
         </p:nvSpPr>
-        <p:spPr/>
+        <p:spPr>
+          <a:xfrm>
+            <a:off x="2230714" y="3087537"/>
+            <a:ext cx="4688183" cy="692215"/>
+          </a:xfrm>
+        </p:spPr>
         <p:txBody>
           <a:bodyPr/>
           <a:lstStyle/>
           <a:p>
             <a:r>
               <a:rPr lang="en-US" dirty="0" smtClean="0"/>
-              <a:t>Common dictionary methods</a:t>
+              <a:t>exercise break</a:t>
             </a:r>
             <a:endParaRPr lang="en-US" dirty="0"/>
-          </a:p>
-        </p:txBody>
-      </p:sp>
-      <p:sp>
-        <p:nvSpPr>
-          <p:cNvPr id="4" name="TextBox 3"/>
-          <p:cNvSpPr txBox="1"/>
-          <p:nvPr/>
-        </p:nvSpPr>
-        <p:spPr>
-          <a:xfrm>
-            <a:off x="265716" y="1632754"/>
-            <a:ext cx="8158734" cy="2308324"/>
-          </a:xfrm>
-          <a:prstGeom prst="rect">
-            <a:avLst/>
-          </a:prstGeom>
-          <a:noFill/>
-        </p:spPr>
-        <p:txBody>
-          <a:bodyPr wrap="square" rtlCol="0">
-            <a:spAutoFit/>
-          </a:bodyPr>
-          <a:lstStyle/>
-          <a:p>
-            <a:r>
-              <a:rPr lang="en-US" dirty="0" smtClean="0">
-                <a:latin typeface="Monaco"/>
-                <a:cs typeface="Monaco"/>
-              </a:rPr>
-              <a:t># Define a dictionary</a:t>
-            </a:r>
-          </a:p>
-          <a:p>
-            <a:r>
-              <a:rPr lang="en-US" dirty="0" smtClean="0">
-                <a:latin typeface="Monaco"/>
-                <a:cs typeface="Monaco"/>
-              </a:rPr>
-              <a:t>medals = {"gold": "first", "silver": "second", "bronze": "third"}</a:t>
-            </a:r>
-          </a:p>
-          <a:p>
-            <a:endParaRPr lang="en-US" dirty="0" smtClean="0">
-              <a:latin typeface="Monaco"/>
-              <a:cs typeface="Monaco"/>
-            </a:endParaRPr>
-          </a:p>
-          <a:p>
-            <a:endParaRPr lang="en-US" dirty="0" smtClean="0">
-              <a:latin typeface="Monaco"/>
-              <a:cs typeface="Monaco"/>
-            </a:endParaRPr>
-          </a:p>
-          <a:p>
-            <a:r>
-              <a:rPr lang="en-US" dirty="0" smtClean="0">
-                <a:latin typeface="Monaco"/>
-                <a:cs typeface="Monaco"/>
-              </a:rPr>
-              <a:t># The </a:t>
-            </a:r>
-            <a:r>
-              <a:rPr lang="en-US" i="1" dirty="0" smtClean="0">
-                <a:latin typeface="Monaco"/>
-                <a:cs typeface="Monaco"/>
-              </a:rPr>
-              <a:t>.keys()</a:t>
-            </a:r>
-            <a:r>
-              <a:rPr lang="en-US" dirty="0" smtClean="0">
-                <a:latin typeface="Monaco"/>
-                <a:cs typeface="Monaco"/>
-              </a:rPr>
-              <a:t> method returns a list of dictionary keys</a:t>
-            </a:r>
-          </a:p>
-          <a:p>
-            <a:r>
-              <a:rPr lang="en-US" dirty="0" smtClean="0">
-                <a:latin typeface="Monaco"/>
-                <a:cs typeface="Monaco"/>
-              </a:rPr>
-              <a:t>print </a:t>
-            </a:r>
-            <a:r>
-              <a:rPr lang="en-US" dirty="0" err="1" smtClean="0">
-                <a:latin typeface="Monaco"/>
-                <a:cs typeface="Monaco"/>
-              </a:rPr>
-              <a:t>medals.keys</a:t>
-            </a:r>
-            <a:r>
-              <a:rPr lang="en-US" dirty="0" smtClean="0">
-                <a:latin typeface="Monaco"/>
-                <a:cs typeface="Monaco"/>
-              </a:rPr>
-              <a:t>()</a:t>
-            </a:r>
-          </a:p>
-          <a:p>
-            <a:r>
-              <a:rPr lang="en-US" dirty="0">
-                <a:solidFill>
-                  <a:srgbClr val="A6A6A6"/>
-                </a:solidFill>
-                <a:latin typeface="Monaco"/>
-                <a:cs typeface="Monaco"/>
-              </a:rPr>
-              <a:t>	['bronze', 'silver', 'gold'</a:t>
-            </a:r>
-            <a:r>
-              <a:rPr lang="en-US" dirty="0" smtClean="0">
-                <a:solidFill>
-                  <a:srgbClr val="A6A6A6"/>
-                </a:solidFill>
-                <a:latin typeface="Monaco"/>
-                <a:cs typeface="Monaco"/>
-              </a:rPr>
-              <a:t>]</a:t>
-            </a:r>
           </a:p>
         </p:txBody>
       </p:sp>
     </p:spTree>
     <p:extLst>
       <p:ext uri="{BB962C8B-B14F-4D97-AF65-F5344CB8AC3E}">
-        <p14:creationId xmlns:p14="http://schemas.microsoft.com/office/powerpoint/2010/main" val="630817641"/>
+        <p14:creationId xmlns:p14="http://schemas.microsoft.com/office/powerpoint/2010/main" val="4207585177"/>
       </p:ext>
     </p:extLst>
   </p:cSld>
@@ -4773,370 +4655,6 @@
           <a:p>
             <a:r>
               <a:rPr lang="en-US" dirty="0" smtClean="0"/>
-              <a:t>Common dictionary methods</a:t>
-            </a:r>
-            <a:endParaRPr lang="en-US" dirty="0"/>
-          </a:p>
-        </p:txBody>
-      </p:sp>
-      <p:sp>
-        <p:nvSpPr>
-          <p:cNvPr id="4" name="TextBox 3"/>
-          <p:cNvSpPr txBox="1"/>
-          <p:nvPr/>
-        </p:nvSpPr>
-        <p:spPr>
-          <a:xfrm>
-            <a:off x="265716" y="1632754"/>
-            <a:ext cx="8158734" cy="3693319"/>
-          </a:xfrm>
-          <a:prstGeom prst="rect">
-            <a:avLst/>
-          </a:prstGeom>
-          <a:noFill/>
-        </p:spPr>
-        <p:txBody>
-          <a:bodyPr wrap="square" rtlCol="0">
-            <a:spAutoFit/>
-          </a:bodyPr>
-          <a:lstStyle/>
-          <a:p>
-            <a:r>
-              <a:rPr lang="en-US" dirty="0" smtClean="0">
-                <a:latin typeface="Monaco"/>
-                <a:cs typeface="Monaco"/>
-              </a:rPr>
-              <a:t># Define a dictionary</a:t>
-            </a:r>
-          </a:p>
-          <a:p>
-            <a:r>
-              <a:rPr lang="en-US" dirty="0" smtClean="0">
-                <a:latin typeface="Monaco"/>
-                <a:cs typeface="Monaco"/>
-              </a:rPr>
-              <a:t>medals = {"gold": "first", "silver": "second", "bronze": "third"}</a:t>
-            </a:r>
-          </a:p>
-          <a:p>
-            <a:endParaRPr lang="en-US" dirty="0" smtClean="0">
-              <a:latin typeface="Monaco"/>
-              <a:cs typeface="Monaco"/>
-            </a:endParaRPr>
-          </a:p>
-          <a:p>
-            <a:endParaRPr lang="en-US" dirty="0" smtClean="0">
-              <a:latin typeface="Monaco"/>
-              <a:cs typeface="Monaco"/>
-            </a:endParaRPr>
-          </a:p>
-          <a:p>
-            <a:r>
-              <a:rPr lang="en-US" dirty="0" smtClean="0">
-                <a:latin typeface="Monaco"/>
-                <a:cs typeface="Monaco"/>
-              </a:rPr>
-              <a:t># The </a:t>
-            </a:r>
-            <a:r>
-              <a:rPr lang="en-US" i="1" dirty="0" smtClean="0">
-                <a:latin typeface="Monaco"/>
-                <a:cs typeface="Monaco"/>
-              </a:rPr>
-              <a:t>.keys()</a:t>
-            </a:r>
-            <a:r>
-              <a:rPr lang="en-US" dirty="0" smtClean="0">
-                <a:latin typeface="Monaco"/>
-                <a:cs typeface="Monaco"/>
-              </a:rPr>
-              <a:t> method returns a list of dictionary keys</a:t>
-            </a:r>
-          </a:p>
-          <a:p>
-            <a:r>
-              <a:rPr lang="en-US" dirty="0" smtClean="0">
-                <a:latin typeface="Monaco"/>
-                <a:cs typeface="Monaco"/>
-              </a:rPr>
-              <a:t>print </a:t>
-            </a:r>
-            <a:r>
-              <a:rPr lang="en-US" dirty="0" err="1" smtClean="0">
-                <a:latin typeface="Monaco"/>
-                <a:cs typeface="Monaco"/>
-              </a:rPr>
-              <a:t>medals.keys</a:t>
-            </a:r>
-            <a:r>
-              <a:rPr lang="en-US" dirty="0" smtClean="0">
-                <a:latin typeface="Monaco"/>
-                <a:cs typeface="Monaco"/>
-              </a:rPr>
-              <a:t>()</a:t>
-            </a:r>
-          </a:p>
-          <a:p>
-            <a:r>
-              <a:rPr lang="en-US" dirty="0">
-                <a:solidFill>
-                  <a:srgbClr val="A6A6A6"/>
-                </a:solidFill>
-                <a:latin typeface="Monaco"/>
-                <a:cs typeface="Monaco"/>
-              </a:rPr>
-              <a:t>	['bronze', 'silver', 'gold'</a:t>
-            </a:r>
-            <a:r>
-              <a:rPr lang="en-US" dirty="0" smtClean="0">
-                <a:solidFill>
-                  <a:srgbClr val="A6A6A6"/>
-                </a:solidFill>
-                <a:latin typeface="Monaco"/>
-                <a:cs typeface="Monaco"/>
-              </a:rPr>
-              <a:t>]</a:t>
-            </a:r>
-          </a:p>
-          <a:p>
-            <a:endParaRPr lang="en-US" dirty="0" smtClean="0">
-              <a:solidFill>
-                <a:schemeClr val="bg1">
-                  <a:lumMod val="65000"/>
-                </a:schemeClr>
-              </a:solidFill>
-              <a:latin typeface="Monaco"/>
-              <a:cs typeface="Monaco"/>
-            </a:endParaRPr>
-          </a:p>
-          <a:p>
-            <a:endParaRPr lang="en-US" dirty="0">
-              <a:solidFill>
-                <a:schemeClr val="bg1">
-                  <a:lumMod val="65000"/>
-                </a:schemeClr>
-              </a:solidFill>
-              <a:latin typeface="Monaco"/>
-              <a:cs typeface="Monaco"/>
-            </a:endParaRPr>
-          </a:p>
-          <a:p>
-            <a:r>
-              <a:rPr lang="en-US" dirty="0">
-                <a:latin typeface="Monaco"/>
-                <a:cs typeface="Monaco"/>
-              </a:rPr>
-              <a:t># The </a:t>
-            </a:r>
-            <a:r>
-              <a:rPr lang="en-US" i="1" dirty="0" smtClean="0">
-                <a:latin typeface="Monaco"/>
-                <a:cs typeface="Monaco"/>
-              </a:rPr>
-              <a:t>.values(</a:t>
-            </a:r>
-            <a:r>
-              <a:rPr lang="en-US" i="1" dirty="0">
-                <a:latin typeface="Monaco"/>
-                <a:cs typeface="Monaco"/>
-              </a:rPr>
-              <a:t>)</a:t>
-            </a:r>
-            <a:r>
-              <a:rPr lang="en-US" dirty="0">
-                <a:latin typeface="Monaco"/>
-                <a:cs typeface="Monaco"/>
-              </a:rPr>
-              <a:t> method returns a list of dictionary </a:t>
-            </a:r>
-            <a:r>
-              <a:rPr lang="en-US" dirty="0" smtClean="0">
-                <a:latin typeface="Monaco"/>
-                <a:cs typeface="Monaco"/>
-              </a:rPr>
-              <a:t>values</a:t>
-            </a:r>
-            <a:endParaRPr lang="en-US" dirty="0">
-              <a:latin typeface="Monaco"/>
-              <a:cs typeface="Monaco"/>
-            </a:endParaRPr>
-          </a:p>
-          <a:p>
-            <a:r>
-              <a:rPr lang="en-US" dirty="0">
-                <a:latin typeface="Monaco"/>
-                <a:cs typeface="Monaco"/>
-              </a:rPr>
-              <a:t>print </a:t>
-            </a:r>
-            <a:r>
-              <a:rPr lang="en-US" dirty="0" err="1" smtClean="0">
-                <a:latin typeface="Monaco"/>
-                <a:cs typeface="Monaco"/>
-              </a:rPr>
-              <a:t>medals.values</a:t>
-            </a:r>
-            <a:r>
-              <a:rPr lang="en-US" dirty="0" smtClean="0">
-                <a:latin typeface="Monaco"/>
-                <a:cs typeface="Monaco"/>
-              </a:rPr>
-              <a:t>(</a:t>
-            </a:r>
-            <a:r>
-              <a:rPr lang="en-US" dirty="0">
-                <a:latin typeface="Monaco"/>
-                <a:cs typeface="Monaco"/>
-              </a:rPr>
-              <a:t>)</a:t>
-            </a:r>
-          </a:p>
-          <a:p>
-            <a:r>
-              <a:rPr lang="en-US" dirty="0" smtClean="0">
-                <a:solidFill>
-                  <a:srgbClr val="A6A6A6"/>
-                </a:solidFill>
-                <a:latin typeface="Monaco"/>
-                <a:cs typeface="Monaco"/>
-              </a:rPr>
-              <a:t>	</a:t>
-            </a:r>
-            <a:r>
-              <a:rPr lang="en-US" dirty="0">
-                <a:solidFill>
-                  <a:srgbClr val="A6A6A6"/>
-                </a:solidFill>
-                <a:latin typeface="Monaco"/>
-                <a:cs typeface="Monaco"/>
-              </a:rPr>
-              <a:t>['third', 'second', 'first'</a:t>
-            </a:r>
-            <a:r>
-              <a:rPr lang="en-US" dirty="0" smtClean="0">
-                <a:solidFill>
-                  <a:srgbClr val="A6A6A6"/>
-                </a:solidFill>
-                <a:latin typeface="Monaco"/>
-                <a:cs typeface="Monaco"/>
-              </a:rPr>
-              <a:t>]</a:t>
-            </a:r>
-            <a:endParaRPr lang="en-US" dirty="0">
-              <a:solidFill>
-                <a:srgbClr val="A6A6A6"/>
-              </a:solidFill>
-              <a:latin typeface="Monaco"/>
-              <a:cs typeface="Monaco"/>
-            </a:endParaRPr>
-          </a:p>
-        </p:txBody>
-      </p:sp>
-    </p:spTree>
-    <p:extLst>
-      <p:ext uri="{BB962C8B-B14F-4D97-AF65-F5344CB8AC3E}">
-        <p14:creationId xmlns:p14="http://schemas.microsoft.com/office/powerpoint/2010/main" val="630817641"/>
-      </p:ext>
-    </p:extLst>
-  </p:cSld>
-  <p:clrMapOvr>
-    <a:masterClrMapping/>
-  </p:clrMapOvr>
-</p:sld>
-</file>
-
-<file path=ppt/slides/slide15.xml><?xml version="1.0" encoding="utf-8"?>
-<p:sld xmlns:a="http://schemas.openxmlformats.org/drawingml/2006/main" xmlns:r="http://schemas.openxmlformats.org/officeDocument/2006/relationships" xmlns:p="http://schemas.openxmlformats.org/presentationml/2006/main">
-  <p:cSld>
-    <p:spTree>
-      <p:nvGrpSpPr>
-        <p:cNvPr id="1" name=""/>
-        <p:cNvGrpSpPr/>
-        <p:nvPr/>
-      </p:nvGrpSpPr>
-      <p:grpSpPr>
-        <a:xfrm>
-          <a:off x="0" y="0"/>
-          <a:ext cx="0" cy="0"/>
-          <a:chOff x="0" y="0"/>
-          <a:chExt cx="0" cy="0"/>
-        </a:xfrm>
-      </p:grpSpPr>
-      <p:sp>
-        <p:nvSpPr>
-          <p:cNvPr id="2" name="Title 1"/>
-          <p:cNvSpPr>
-            <a:spLocks noGrp="1"/>
-          </p:cNvSpPr>
-          <p:nvPr>
-            <p:ph type="title"/>
-          </p:nvPr>
-        </p:nvSpPr>
-        <p:spPr>
-          <a:xfrm>
-            <a:off x="2230714" y="3087537"/>
-            <a:ext cx="4688183" cy="692215"/>
-          </a:xfrm>
-        </p:spPr>
-        <p:txBody>
-          <a:bodyPr/>
-          <a:lstStyle/>
-          <a:p>
-            <a:r>
-              <a:rPr lang="en-US" dirty="0" smtClean="0"/>
-              <a:t>exercise break</a:t>
-            </a:r>
-            <a:endParaRPr lang="en-US" dirty="0"/>
-          </a:p>
-        </p:txBody>
-      </p:sp>
-    </p:spTree>
-    <p:extLst>
-      <p:ext uri="{BB962C8B-B14F-4D97-AF65-F5344CB8AC3E}">
-        <p14:creationId xmlns:p14="http://schemas.microsoft.com/office/powerpoint/2010/main" val="4207585177"/>
-      </p:ext>
-    </p:extLst>
-  </p:cSld>
-  <p:clrMapOvr>
-    <a:masterClrMapping/>
-  </p:clrMapOvr>
-</p:sld>
-</file>
-
-<file path=ppt/slides/slide16.xml><?xml version="1.0" encoding="utf-8"?>
-<p:sld xmlns:a="http://schemas.openxmlformats.org/drawingml/2006/main" xmlns:r="http://schemas.openxmlformats.org/officeDocument/2006/relationships" xmlns:p="http://schemas.openxmlformats.org/presentationml/2006/main">
-  <p:cSld>
-    <p:spTree>
-      <p:nvGrpSpPr>
-        <p:cNvPr id="1" name=""/>
-        <p:cNvGrpSpPr/>
-        <p:nvPr/>
-      </p:nvGrpSpPr>
-      <p:grpSpPr>
-        <a:xfrm>
-          <a:off x="0" y="0"/>
-          <a:ext cx="0" cy="0"/>
-          <a:chOff x="0" y="0"/>
-          <a:chExt cx="0" cy="0"/>
-        </a:xfrm>
-      </p:grpSpPr>
-      <p:sp>
-        <p:nvSpPr>
-          <p:cNvPr id="2" name="Title 1"/>
-          <p:cNvSpPr>
-            <a:spLocks noGrp="1"/>
-          </p:cNvSpPr>
-          <p:nvPr>
-            <p:ph type="title"/>
-          </p:nvPr>
-        </p:nvSpPr>
-        <p:spPr/>
-        <p:txBody>
-          <a:bodyPr/>
-          <a:lstStyle/>
-          <a:p>
-            <a:r>
-              <a:rPr lang="en-US" dirty="0" smtClean="0"/>
               <a:t>logical evaluations and iterations</a:t>
             </a:r>
             <a:endParaRPr lang="en-US" dirty="0"/>
@@ -5156,7 +4674,7 @@
 </p:sld>
 </file>
 
-<file path=ppt/slides/slide17.xml><?xml version="1.0" encoding="utf-8"?>
+<file path=ppt/slides/slide15.xml><?xml version="1.0" encoding="utf-8"?>
 <p:sld xmlns:a="http://schemas.openxmlformats.org/drawingml/2006/main" xmlns:r="http://schemas.openxmlformats.org/officeDocument/2006/relationships" xmlns:p="http://schemas.openxmlformats.org/presentationml/2006/main">
   <p:cSld>
     <p:spTree>
@@ -5493,6 +5011,439 @@
 </p:sld>
 </file>
 
+<file path=ppt/slides/slide16.xml><?xml version="1.0" encoding="utf-8"?>
+<p:sld xmlns:a="http://schemas.openxmlformats.org/drawingml/2006/main" xmlns:r="http://schemas.openxmlformats.org/officeDocument/2006/relationships" xmlns:p="http://schemas.openxmlformats.org/presentationml/2006/main">
+  <p:cSld>
+    <p:spTree>
+      <p:nvGrpSpPr>
+        <p:cNvPr id="1" name=""/>
+        <p:cNvGrpSpPr/>
+        <p:nvPr/>
+      </p:nvGrpSpPr>
+      <p:grpSpPr>
+        <a:xfrm>
+          <a:off x="0" y="0"/>
+          <a:ext cx="0" cy="0"/>
+          <a:chOff x="0" y="0"/>
+          <a:chExt cx="0" cy="0"/>
+        </a:xfrm>
+      </p:grpSpPr>
+      <p:sp>
+        <p:nvSpPr>
+          <p:cNvPr id="2" name="Title 1"/>
+          <p:cNvSpPr>
+            <a:spLocks noGrp="1"/>
+          </p:cNvSpPr>
+          <p:nvPr>
+            <p:ph type="title"/>
+          </p:nvPr>
+        </p:nvSpPr>
+        <p:spPr/>
+        <p:txBody>
+          <a:bodyPr/>
+          <a:lstStyle/>
+          <a:p>
+            <a:r>
+              <a:rPr lang="en-US" dirty="0" smtClean="0"/>
+              <a:t>performing logical comparisons</a:t>
+            </a:r>
+            <a:endParaRPr lang="en-US" dirty="0"/>
+          </a:p>
+        </p:txBody>
+      </p:sp>
+      <p:sp>
+        <p:nvSpPr>
+          <p:cNvPr id="4" name="TextBox 3"/>
+          <p:cNvSpPr txBox="1"/>
+          <p:nvPr/>
+        </p:nvSpPr>
+        <p:spPr>
+          <a:xfrm>
+            <a:off x="265716" y="1632754"/>
+            <a:ext cx="8158734" cy="4524316"/>
+          </a:xfrm>
+          <a:prstGeom prst="rect">
+            <a:avLst/>
+          </a:prstGeom>
+          <a:noFill/>
+        </p:spPr>
+        <p:txBody>
+          <a:bodyPr wrap="square" rtlCol="0">
+            <a:spAutoFit/>
+          </a:bodyPr>
+          <a:lstStyle/>
+          <a:p>
+            <a:r>
+              <a:rPr lang="en-US" dirty="0" smtClean="0">
+                <a:latin typeface="Monaco"/>
+                <a:cs typeface="Monaco"/>
+              </a:rPr>
+              <a:t>a = 6</a:t>
+            </a:r>
+          </a:p>
+          <a:p>
+            <a:r>
+              <a:rPr lang="en-US" dirty="0" smtClean="0">
+                <a:latin typeface="Monaco"/>
+                <a:cs typeface="Monaco"/>
+              </a:rPr>
+              <a:t>b = 120</a:t>
+            </a:r>
+          </a:p>
+          <a:p>
+            <a:r>
+              <a:rPr lang="en-US" dirty="0" smtClean="0">
+                <a:latin typeface="Monaco"/>
+                <a:cs typeface="Monaco"/>
+              </a:rPr>
+              <a:t>print b &gt; a</a:t>
+            </a:r>
+          </a:p>
+          <a:p>
+            <a:r>
+              <a:rPr lang="en-US" dirty="0">
+                <a:solidFill>
+                  <a:srgbClr val="A6A6A6"/>
+                </a:solidFill>
+                <a:latin typeface="Monaco"/>
+                <a:cs typeface="Monaco"/>
+              </a:rPr>
+              <a:t>	</a:t>
+            </a:r>
+            <a:r>
+              <a:rPr lang="en-US" dirty="0" smtClean="0">
+                <a:solidFill>
+                  <a:srgbClr val="A6A6A6"/>
+                </a:solidFill>
+                <a:latin typeface="Monaco"/>
+                <a:cs typeface="Monaco"/>
+              </a:rPr>
+              <a:t>True</a:t>
+            </a:r>
+          </a:p>
+          <a:p>
+            <a:endParaRPr lang="en-US" dirty="0" smtClean="0">
+              <a:latin typeface="Monaco"/>
+              <a:cs typeface="Monaco"/>
+            </a:endParaRPr>
+          </a:p>
+          <a:p>
+            <a:r>
+              <a:rPr lang="en-US" dirty="0" smtClean="0">
+                <a:latin typeface="Monaco"/>
+                <a:cs typeface="Monaco"/>
+              </a:rPr>
+              <a:t>print 6 == 6</a:t>
+            </a:r>
+          </a:p>
+          <a:p>
+            <a:r>
+              <a:rPr lang="en-US" dirty="0">
+                <a:solidFill>
+                  <a:srgbClr val="A6A6A6"/>
+                </a:solidFill>
+                <a:latin typeface="Monaco"/>
+                <a:cs typeface="Monaco"/>
+              </a:rPr>
+              <a:t>	</a:t>
+            </a:r>
+            <a:r>
+              <a:rPr lang="en-US" dirty="0" smtClean="0">
+                <a:solidFill>
+                  <a:srgbClr val="A6A6A6"/>
+                </a:solidFill>
+                <a:latin typeface="Monaco"/>
+                <a:cs typeface="Monaco"/>
+              </a:rPr>
+              <a:t>True</a:t>
+            </a:r>
+          </a:p>
+          <a:p>
+            <a:endParaRPr lang="en-US" dirty="0" smtClean="0">
+              <a:latin typeface="Monaco"/>
+              <a:cs typeface="Monaco"/>
+            </a:endParaRPr>
+          </a:p>
+          <a:p>
+            <a:r>
+              <a:rPr lang="en-US" dirty="0" smtClean="0">
+                <a:latin typeface="Monaco"/>
+                <a:cs typeface="Monaco"/>
+              </a:rPr>
+              <a:t>print 7 != "this isn't even a number"</a:t>
+            </a:r>
+          </a:p>
+          <a:p>
+            <a:r>
+              <a:rPr lang="en-US" dirty="0">
+                <a:solidFill>
+                  <a:srgbClr val="A6A6A6"/>
+                </a:solidFill>
+                <a:latin typeface="Monaco"/>
+                <a:cs typeface="Monaco"/>
+              </a:rPr>
+              <a:t>	</a:t>
+            </a:r>
+            <a:r>
+              <a:rPr lang="en-US" dirty="0" smtClean="0">
+                <a:solidFill>
+                  <a:srgbClr val="A6A6A6"/>
+                </a:solidFill>
+                <a:latin typeface="Monaco"/>
+                <a:cs typeface="Monaco"/>
+              </a:rPr>
+              <a:t>True</a:t>
+            </a:r>
+            <a:endParaRPr lang="en-US" dirty="0">
+              <a:solidFill>
+                <a:srgbClr val="A6A6A6"/>
+              </a:solidFill>
+              <a:latin typeface="Monaco"/>
+              <a:cs typeface="Monaco"/>
+            </a:endParaRPr>
+          </a:p>
+          <a:p>
+            <a:endParaRPr lang="en-US" dirty="0" smtClean="0">
+              <a:latin typeface="Monaco"/>
+              <a:cs typeface="Monaco"/>
+            </a:endParaRPr>
+          </a:p>
+          <a:p>
+            <a:r>
+              <a:rPr lang="en-US" dirty="0" smtClean="0">
+                <a:latin typeface="Monaco"/>
+                <a:cs typeface="Monaco"/>
+              </a:rPr>
+              <a:t>c = 1.2345</a:t>
+            </a:r>
+            <a:endParaRPr lang="en-US" dirty="0">
+              <a:latin typeface="Monaco"/>
+              <a:cs typeface="Monaco"/>
+            </a:endParaRPr>
+          </a:p>
+          <a:p>
+            <a:r>
+              <a:rPr lang="en-US" dirty="0" smtClean="0">
+                <a:latin typeface="Monaco"/>
+                <a:cs typeface="Monaco"/>
+              </a:rPr>
+              <a:t>print -99 &gt;= c</a:t>
+            </a:r>
+          </a:p>
+          <a:p>
+            <a:r>
+              <a:rPr lang="en-US" dirty="0">
+                <a:latin typeface="Monaco"/>
+                <a:cs typeface="Monaco"/>
+              </a:rPr>
+              <a:t>	</a:t>
+            </a:r>
+            <a:r>
+              <a:rPr lang="en-US" dirty="0" smtClean="0">
+                <a:solidFill>
+                  <a:srgbClr val="A6A6A6"/>
+                </a:solidFill>
+                <a:latin typeface="Monaco"/>
+                <a:cs typeface="Monaco"/>
+              </a:rPr>
+              <a:t>False</a:t>
+            </a:r>
+          </a:p>
+          <a:p>
+            <a:r>
+              <a:rPr lang="en-US" dirty="0">
+                <a:solidFill>
+                  <a:srgbClr val="A6A6A6"/>
+                </a:solidFill>
+                <a:latin typeface="Monaco"/>
+                <a:cs typeface="Monaco"/>
+              </a:rPr>
+              <a:t>	</a:t>
+            </a:r>
+            <a:endParaRPr lang="en-US" dirty="0" smtClean="0">
+              <a:solidFill>
+                <a:srgbClr val="A6A6A6"/>
+              </a:solidFill>
+              <a:latin typeface="Monaco"/>
+              <a:cs typeface="Monaco"/>
+            </a:endParaRPr>
+          </a:p>
+          <a:p>
+            <a:endParaRPr lang="en-US" dirty="0">
+              <a:solidFill>
+                <a:srgbClr val="A6A6A6"/>
+              </a:solidFill>
+              <a:latin typeface="Monaco"/>
+              <a:cs typeface="Monaco"/>
+            </a:endParaRPr>
+          </a:p>
+        </p:txBody>
+      </p:sp>
+    </p:spTree>
+    <p:extLst>
+      <p:ext uri="{BB962C8B-B14F-4D97-AF65-F5344CB8AC3E}">
+        <p14:creationId xmlns:p14="http://schemas.microsoft.com/office/powerpoint/2010/main" val="2935389993"/>
+      </p:ext>
+    </p:extLst>
+  </p:cSld>
+  <p:clrMapOvr>
+    <a:masterClrMapping/>
+  </p:clrMapOvr>
+</p:sld>
+</file>
+
+<file path=ppt/slides/slide17.xml><?xml version="1.0" encoding="utf-8"?>
+<p:sld xmlns:a="http://schemas.openxmlformats.org/drawingml/2006/main" xmlns:r="http://schemas.openxmlformats.org/officeDocument/2006/relationships" xmlns:p="http://schemas.openxmlformats.org/presentationml/2006/main">
+  <p:cSld>
+    <p:spTree>
+      <p:nvGrpSpPr>
+        <p:cNvPr id="1" name=""/>
+        <p:cNvGrpSpPr/>
+        <p:nvPr/>
+      </p:nvGrpSpPr>
+      <p:grpSpPr>
+        <a:xfrm>
+          <a:off x="0" y="0"/>
+          <a:ext cx="0" cy="0"/>
+          <a:chOff x="0" y="0"/>
+          <a:chExt cx="0" cy="0"/>
+        </a:xfrm>
+      </p:grpSpPr>
+      <p:sp>
+        <p:nvSpPr>
+          <p:cNvPr id="2" name="Title 1"/>
+          <p:cNvSpPr>
+            <a:spLocks noGrp="1"/>
+          </p:cNvSpPr>
+          <p:nvPr>
+            <p:ph type="title"/>
+          </p:nvPr>
+        </p:nvSpPr>
+        <p:spPr/>
+        <p:txBody>
+          <a:bodyPr/>
+          <a:lstStyle/>
+          <a:p>
+            <a:r>
+              <a:rPr lang="en-US" dirty="0" smtClean="0"/>
+              <a:t>combining logical statements</a:t>
+            </a:r>
+            <a:endParaRPr lang="en-US" dirty="0"/>
+          </a:p>
+        </p:txBody>
+      </p:sp>
+      <p:sp>
+        <p:nvSpPr>
+          <p:cNvPr id="3" name="Content Placeholder 2"/>
+          <p:cNvSpPr>
+            <a:spLocks noGrp="1"/>
+          </p:cNvSpPr>
+          <p:nvPr>
+            <p:ph idx="1"/>
+          </p:nvPr>
+        </p:nvSpPr>
+        <p:spPr/>
+        <p:txBody>
+          <a:bodyPr/>
+          <a:lstStyle/>
+          <a:p>
+            <a:pPr marL="457200" indent="-457200">
+              <a:buFont typeface="Arial"/>
+              <a:buChar char="•"/>
+            </a:pPr>
+            <a:r>
+              <a:rPr lang="en-US" dirty="0" smtClean="0"/>
+              <a:t>Use the Python operators </a:t>
+            </a:r>
+            <a:r>
+              <a:rPr lang="en-US" dirty="0" smtClean="0">
+                <a:latin typeface="Monaco"/>
+                <a:cs typeface="Monaco"/>
+              </a:rPr>
+              <a:t>and</a:t>
+            </a:r>
+            <a:r>
+              <a:rPr lang="en-US" dirty="0" smtClean="0"/>
+              <a:t> and </a:t>
+            </a:r>
+            <a:r>
+              <a:rPr lang="en-US" dirty="0" smtClean="0">
+                <a:latin typeface="Monaco"/>
+                <a:cs typeface="Monaco"/>
+              </a:rPr>
+              <a:t>or</a:t>
+            </a:r>
+            <a:r>
+              <a:rPr lang="en-US" dirty="0" smtClean="0"/>
+              <a:t> to combine logical statements</a:t>
+            </a:r>
+          </a:p>
+          <a:p>
+            <a:pPr marL="914400" lvl="1" indent="-457200">
+              <a:buFont typeface="Arial"/>
+              <a:buChar char="•"/>
+            </a:pPr>
+            <a:r>
+              <a:rPr lang="en-US" dirty="0" smtClean="0">
+                <a:latin typeface="Monaco"/>
+                <a:cs typeface="Monaco"/>
+              </a:rPr>
+              <a:t>and</a:t>
+            </a:r>
+            <a:r>
+              <a:rPr lang="en-US" dirty="0" smtClean="0"/>
+              <a:t>: </a:t>
+            </a:r>
+            <a:r>
+              <a:rPr lang="en-US" i="1" dirty="0" smtClean="0"/>
+              <a:t>both</a:t>
+            </a:r>
+            <a:r>
+              <a:rPr lang="en-US" dirty="0" smtClean="0"/>
+              <a:t> conditions must be True</a:t>
+            </a:r>
+          </a:p>
+          <a:p>
+            <a:pPr marL="914400" lvl="1" indent="-457200">
+              <a:buFont typeface="Arial"/>
+              <a:buChar char="•"/>
+            </a:pPr>
+            <a:r>
+              <a:rPr lang="en-US" dirty="0" smtClean="0">
+                <a:latin typeface="Monaco"/>
+                <a:cs typeface="Monaco"/>
+              </a:rPr>
+              <a:t>or</a:t>
+            </a:r>
+            <a:r>
+              <a:rPr lang="en-US" dirty="0" smtClean="0"/>
+              <a:t>:  </a:t>
+            </a:r>
+            <a:r>
+              <a:rPr lang="en-US" i="1" dirty="0" smtClean="0"/>
+              <a:t>only one</a:t>
+            </a:r>
+            <a:r>
+              <a:rPr lang="en-US" dirty="0" smtClean="0"/>
+              <a:t> condition must be True</a:t>
+            </a:r>
+            <a:endParaRPr lang="en-US" dirty="0"/>
+          </a:p>
+        </p:txBody>
+      </p:sp>
+    </p:spTree>
+    <p:extLst>
+      <p:ext uri="{BB962C8B-B14F-4D97-AF65-F5344CB8AC3E}">
+        <p14:creationId xmlns:p14="http://schemas.microsoft.com/office/powerpoint/2010/main" val="2442189817"/>
+      </p:ext>
+    </p:extLst>
+  </p:cSld>
+  <p:clrMapOvr>
+    <a:masterClrMapping/>
+  </p:clrMapOvr>
+</p:sld>
+</file>
+
 <file path=ppt/slides/slide18.xml><?xml version="1.0" encoding="utf-8"?>
 <p:sld xmlns:a="http://schemas.openxmlformats.org/drawingml/2006/main" xmlns:r="http://schemas.openxmlformats.org/officeDocument/2006/relationships" xmlns:p="http://schemas.openxmlformats.org/presentationml/2006/main">
   <p:cSld>
@@ -5527,560 +5478,6 @@
           <a:p>
             <a:r>
               <a:rPr lang="en-US" dirty="0" smtClean="0"/>
-              <a:t>performing logical comparisons</a:t>
-            </a:r>
-            <a:endParaRPr lang="en-US" dirty="0"/>
-          </a:p>
-        </p:txBody>
-      </p:sp>
-      <p:sp>
-        <p:nvSpPr>
-          <p:cNvPr id="4" name="TextBox 3"/>
-          <p:cNvSpPr txBox="1"/>
-          <p:nvPr/>
-        </p:nvSpPr>
-        <p:spPr>
-          <a:xfrm>
-            <a:off x="265716" y="1632754"/>
-            <a:ext cx="8158734" cy="4524316"/>
-          </a:xfrm>
-          <a:prstGeom prst="rect">
-            <a:avLst/>
-          </a:prstGeom>
-          <a:noFill/>
-        </p:spPr>
-        <p:txBody>
-          <a:bodyPr wrap="square" rtlCol="0">
-            <a:spAutoFit/>
-          </a:bodyPr>
-          <a:lstStyle/>
-          <a:p>
-            <a:r>
-              <a:rPr lang="en-US" dirty="0" smtClean="0">
-                <a:latin typeface="Monaco"/>
-                <a:cs typeface="Monaco"/>
-              </a:rPr>
-              <a:t>a = 6</a:t>
-            </a:r>
-          </a:p>
-          <a:p>
-            <a:r>
-              <a:rPr lang="en-US" dirty="0" smtClean="0">
-                <a:latin typeface="Monaco"/>
-                <a:cs typeface="Monaco"/>
-              </a:rPr>
-              <a:t>b = 120</a:t>
-            </a:r>
-          </a:p>
-          <a:p>
-            <a:r>
-              <a:rPr lang="en-US" dirty="0" smtClean="0">
-                <a:latin typeface="Monaco"/>
-                <a:cs typeface="Monaco"/>
-              </a:rPr>
-              <a:t>print b &gt; a</a:t>
-            </a:r>
-          </a:p>
-          <a:p>
-            <a:r>
-              <a:rPr lang="en-US" dirty="0">
-                <a:solidFill>
-                  <a:srgbClr val="A6A6A6"/>
-                </a:solidFill>
-                <a:latin typeface="Monaco"/>
-                <a:cs typeface="Monaco"/>
-              </a:rPr>
-              <a:t>	</a:t>
-            </a:r>
-            <a:r>
-              <a:rPr lang="en-US" dirty="0" smtClean="0">
-                <a:solidFill>
-                  <a:srgbClr val="A6A6A6"/>
-                </a:solidFill>
-                <a:latin typeface="Monaco"/>
-                <a:cs typeface="Monaco"/>
-              </a:rPr>
-              <a:t>True</a:t>
-            </a:r>
-          </a:p>
-          <a:p>
-            <a:endParaRPr lang="en-US" dirty="0" smtClean="0">
-              <a:latin typeface="Monaco"/>
-              <a:cs typeface="Monaco"/>
-            </a:endParaRPr>
-          </a:p>
-          <a:p>
-            <a:r>
-              <a:rPr lang="en-US" dirty="0" smtClean="0">
-                <a:latin typeface="Monaco"/>
-                <a:cs typeface="Monaco"/>
-              </a:rPr>
-              <a:t>print 6 == 6</a:t>
-            </a:r>
-          </a:p>
-          <a:p>
-            <a:r>
-              <a:rPr lang="en-US" dirty="0">
-                <a:solidFill>
-                  <a:srgbClr val="A6A6A6"/>
-                </a:solidFill>
-                <a:latin typeface="Monaco"/>
-                <a:cs typeface="Monaco"/>
-              </a:rPr>
-              <a:t>	</a:t>
-            </a:r>
-            <a:r>
-              <a:rPr lang="en-US" dirty="0" smtClean="0">
-                <a:solidFill>
-                  <a:srgbClr val="A6A6A6"/>
-                </a:solidFill>
-                <a:latin typeface="Monaco"/>
-                <a:cs typeface="Monaco"/>
-              </a:rPr>
-              <a:t>True</a:t>
-            </a:r>
-          </a:p>
-          <a:p>
-            <a:endParaRPr lang="en-US" dirty="0" smtClean="0">
-              <a:latin typeface="Monaco"/>
-              <a:cs typeface="Monaco"/>
-            </a:endParaRPr>
-          </a:p>
-          <a:p>
-            <a:r>
-              <a:rPr lang="en-US" dirty="0" smtClean="0">
-                <a:latin typeface="Monaco"/>
-                <a:cs typeface="Monaco"/>
-              </a:rPr>
-              <a:t>print 7 != "this isn't even a number"</a:t>
-            </a:r>
-          </a:p>
-          <a:p>
-            <a:r>
-              <a:rPr lang="en-US" dirty="0">
-                <a:solidFill>
-                  <a:srgbClr val="A6A6A6"/>
-                </a:solidFill>
-                <a:latin typeface="Monaco"/>
-                <a:cs typeface="Monaco"/>
-              </a:rPr>
-              <a:t>	</a:t>
-            </a:r>
-            <a:r>
-              <a:rPr lang="en-US" dirty="0" smtClean="0">
-                <a:solidFill>
-                  <a:srgbClr val="A6A6A6"/>
-                </a:solidFill>
-                <a:latin typeface="Monaco"/>
-                <a:cs typeface="Monaco"/>
-              </a:rPr>
-              <a:t>True</a:t>
-            </a:r>
-            <a:endParaRPr lang="en-US" dirty="0">
-              <a:solidFill>
-                <a:srgbClr val="A6A6A6"/>
-              </a:solidFill>
-              <a:latin typeface="Monaco"/>
-              <a:cs typeface="Monaco"/>
-            </a:endParaRPr>
-          </a:p>
-          <a:p>
-            <a:endParaRPr lang="en-US" dirty="0" smtClean="0">
-              <a:latin typeface="Monaco"/>
-              <a:cs typeface="Monaco"/>
-            </a:endParaRPr>
-          </a:p>
-          <a:p>
-            <a:r>
-              <a:rPr lang="en-US" dirty="0" smtClean="0">
-                <a:latin typeface="Monaco"/>
-                <a:cs typeface="Monaco"/>
-              </a:rPr>
-              <a:t>c = 1.2345</a:t>
-            </a:r>
-            <a:endParaRPr lang="en-US" dirty="0">
-              <a:latin typeface="Monaco"/>
-              <a:cs typeface="Monaco"/>
-            </a:endParaRPr>
-          </a:p>
-          <a:p>
-            <a:r>
-              <a:rPr lang="en-US" dirty="0" smtClean="0">
-                <a:latin typeface="Monaco"/>
-                <a:cs typeface="Monaco"/>
-              </a:rPr>
-              <a:t>print -99 &gt;= c</a:t>
-            </a:r>
-          </a:p>
-          <a:p>
-            <a:r>
-              <a:rPr lang="en-US" dirty="0">
-                <a:latin typeface="Monaco"/>
-                <a:cs typeface="Monaco"/>
-              </a:rPr>
-              <a:t>	</a:t>
-            </a:r>
-            <a:r>
-              <a:rPr lang="en-US" dirty="0" smtClean="0">
-                <a:solidFill>
-                  <a:srgbClr val="A6A6A6"/>
-                </a:solidFill>
-                <a:latin typeface="Monaco"/>
-                <a:cs typeface="Monaco"/>
-              </a:rPr>
-              <a:t>False</a:t>
-            </a:r>
-          </a:p>
-          <a:p>
-            <a:r>
-              <a:rPr lang="en-US" dirty="0">
-                <a:solidFill>
-                  <a:srgbClr val="A6A6A6"/>
-                </a:solidFill>
-                <a:latin typeface="Monaco"/>
-                <a:cs typeface="Monaco"/>
-              </a:rPr>
-              <a:t>	</a:t>
-            </a:r>
-            <a:endParaRPr lang="en-US" dirty="0" smtClean="0">
-              <a:solidFill>
-                <a:srgbClr val="A6A6A6"/>
-              </a:solidFill>
-              <a:latin typeface="Monaco"/>
-              <a:cs typeface="Monaco"/>
-            </a:endParaRPr>
-          </a:p>
-          <a:p>
-            <a:endParaRPr lang="en-US" dirty="0">
-              <a:solidFill>
-                <a:srgbClr val="A6A6A6"/>
-              </a:solidFill>
-              <a:latin typeface="Monaco"/>
-              <a:cs typeface="Monaco"/>
-            </a:endParaRPr>
-          </a:p>
-        </p:txBody>
-      </p:sp>
-    </p:spTree>
-    <p:extLst>
-      <p:ext uri="{BB962C8B-B14F-4D97-AF65-F5344CB8AC3E}">
-        <p14:creationId xmlns:p14="http://schemas.microsoft.com/office/powerpoint/2010/main" val="2935389993"/>
-      </p:ext>
-    </p:extLst>
-  </p:cSld>
-  <p:clrMapOvr>
-    <a:masterClrMapping/>
-  </p:clrMapOvr>
-</p:sld>
-</file>
-
-<file path=ppt/slides/slide19.xml><?xml version="1.0" encoding="utf-8"?>
-<p:sld xmlns:a="http://schemas.openxmlformats.org/drawingml/2006/main" xmlns:r="http://schemas.openxmlformats.org/officeDocument/2006/relationships" xmlns:p="http://schemas.openxmlformats.org/presentationml/2006/main">
-  <p:cSld>
-    <p:spTree>
-      <p:nvGrpSpPr>
-        <p:cNvPr id="1" name=""/>
-        <p:cNvGrpSpPr/>
-        <p:nvPr/>
-      </p:nvGrpSpPr>
-      <p:grpSpPr>
-        <a:xfrm>
-          <a:off x="0" y="0"/>
-          <a:ext cx="0" cy="0"/>
-          <a:chOff x="0" y="0"/>
-          <a:chExt cx="0" cy="0"/>
-        </a:xfrm>
-      </p:grpSpPr>
-      <p:sp>
-        <p:nvSpPr>
-          <p:cNvPr id="2" name="Title 1"/>
-          <p:cNvSpPr>
-            <a:spLocks noGrp="1"/>
-          </p:cNvSpPr>
-          <p:nvPr>
-            <p:ph type="title"/>
-          </p:nvPr>
-        </p:nvSpPr>
-        <p:spPr/>
-        <p:txBody>
-          <a:bodyPr/>
-          <a:lstStyle/>
-          <a:p>
-            <a:r>
-              <a:rPr lang="en-US" dirty="0" smtClean="0"/>
-              <a:t>combining logical statements</a:t>
-            </a:r>
-            <a:endParaRPr lang="en-US" dirty="0"/>
-          </a:p>
-        </p:txBody>
-      </p:sp>
-      <p:sp>
-        <p:nvSpPr>
-          <p:cNvPr id="3" name="Content Placeholder 2"/>
-          <p:cNvSpPr>
-            <a:spLocks noGrp="1"/>
-          </p:cNvSpPr>
-          <p:nvPr>
-            <p:ph idx="1"/>
-          </p:nvPr>
-        </p:nvSpPr>
-        <p:spPr/>
-        <p:txBody>
-          <a:bodyPr/>
-          <a:lstStyle/>
-          <a:p>
-            <a:pPr marL="457200" indent="-457200">
-              <a:buFont typeface="Arial"/>
-              <a:buChar char="•"/>
-            </a:pPr>
-            <a:r>
-              <a:rPr lang="en-US" dirty="0" smtClean="0"/>
-              <a:t>Use the Python operators </a:t>
-            </a:r>
-            <a:r>
-              <a:rPr lang="en-US" dirty="0" smtClean="0">
-                <a:latin typeface="Monaco"/>
-                <a:cs typeface="Monaco"/>
-              </a:rPr>
-              <a:t>and</a:t>
-            </a:r>
-            <a:r>
-              <a:rPr lang="en-US" dirty="0" smtClean="0"/>
-              <a:t> and </a:t>
-            </a:r>
-            <a:r>
-              <a:rPr lang="en-US" dirty="0" smtClean="0">
-                <a:latin typeface="Monaco"/>
-                <a:cs typeface="Monaco"/>
-              </a:rPr>
-              <a:t>or</a:t>
-            </a:r>
-            <a:r>
-              <a:rPr lang="en-US" dirty="0" smtClean="0"/>
-              <a:t> to combine logical statements</a:t>
-            </a:r>
-          </a:p>
-          <a:p>
-            <a:pPr marL="914400" lvl="1" indent="-457200">
-              <a:buFont typeface="Arial"/>
-              <a:buChar char="•"/>
-            </a:pPr>
-            <a:r>
-              <a:rPr lang="en-US" dirty="0" smtClean="0">
-                <a:latin typeface="Monaco"/>
-                <a:cs typeface="Monaco"/>
-              </a:rPr>
-              <a:t>and</a:t>
-            </a:r>
-            <a:r>
-              <a:rPr lang="en-US" dirty="0" smtClean="0"/>
-              <a:t>: </a:t>
-            </a:r>
-            <a:r>
-              <a:rPr lang="en-US" i="1" dirty="0" smtClean="0"/>
-              <a:t>both</a:t>
-            </a:r>
-            <a:r>
-              <a:rPr lang="en-US" dirty="0" smtClean="0"/>
-              <a:t> conditions must be True</a:t>
-            </a:r>
-          </a:p>
-          <a:p>
-            <a:pPr marL="914400" lvl="1" indent="-457200">
-              <a:buFont typeface="Arial"/>
-              <a:buChar char="•"/>
-            </a:pPr>
-            <a:r>
-              <a:rPr lang="en-US" dirty="0" smtClean="0">
-                <a:latin typeface="Monaco"/>
-                <a:cs typeface="Monaco"/>
-              </a:rPr>
-              <a:t>or</a:t>
-            </a:r>
-            <a:r>
-              <a:rPr lang="en-US" dirty="0" smtClean="0"/>
-              <a:t>:  </a:t>
-            </a:r>
-            <a:r>
-              <a:rPr lang="en-US" i="1" dirty="0" smtClean="0"/>
-              <a:t>only one</a:t>
-            </a:r>
-            <a:r>
-              <a:rPr lang="en-US" dirty="0" smtClean="0"/>
-              <a:t> condition must be True</a:t>
-            </a:r>
-            <a:endParaRPr lang="en-US" dirty="0"/>
-          </a:p>
-        </p:txBody>
-      </p:sp>
-    </p:spTree>
-    <p:extLst>
-      <p:ext uri="{BB962C8B-B14F-4D97-AF65-F5344CB8AC3E}">
-        <p14:creationId xmlns:p14="http://schemas.microsoft.com/office/powerpoint/2010/main" val="2442189817"/>
-      </p:ext>
-    </p:extLst>
-  </p:cSld>
-  <p:clrMapOvr>
-    <a:masterClrMapping/>
-  </p:clrMapOvr>
-</p:sld>
-</file>
-
-<file path=ppt/slides/slide2.xml><?xml version="1.0" encoding="utf-8"?>
-<p:sld xmlns:a="http://schemas.openxmlformats.org/drawingml/2006/main" xmlns:r="http://schemas.openxmlformats.org/officeDocument/2006/relationships" xmlns:p="http://schemas.openxmlformats.org/presentationml/2006/main">
-  <p:cSld>
-    <p:spTree>
-      <p:nvGrpSpPr>
-        <p:cNvPr id="1" name=""/>
-        <p:cNvGrpSpPr/>
-        <p:nvPr/>
-      </p:nvGrpSpPr>
-      <p:grpSpPr>
-        <a:xfrm>
-          <a:off x="0" y="0"/>
-          <a:ext cx="0" cy="0"/>
-          <a:chOff x="0" y="0"/>
-          <a:chExt cx="0" cy="0"/>
-        </a:xfrm>
-      </p:grpSpPr>
-      <p:sp>
-        <p:nvSpPr>
-          <p:cNvPr id="2" name="Title 1"/>
-          <p:cNvSpPr>
-            <a:spLocks noGrp="1"/>
-          </p:cNvSpPr>
-          <p:nvPr>
-            <p:ph type="title"/>
-          </p:nvPr>
-        </p:nvSpPr>
-        <p:spPr/>
-        <p:txBody>
-          <a:bodyPr/>
-          <a:lstStyle/>
-          <a:p>
-            <a:r>
-              <a:rPr lang="en-US" dirty="0" smtClean="0"/>
-              <a:t>another data type: dictionaries</a:t>
-            </a:r>
-            <a:endParaRPr lang="en-US" dirty="0"/>
-          </a:p>
-        </p:txBody>
-      </p:sp>
-      <p:sp>
-        <p:nvSpPr>
-          <p:cNvPr id="3" name="Content Placeholder 2"/>
-          <p:cNvSpPr>
-            <a:spLocks noGrp="1"/>
-          </p:cNvSpPr>
-          <p:nvPr>
-            <p:ph idx="1"/>
-          </p:nvPr>
-        </p:nvSpPr>
-        <p:spPr/>
-        <p:txBody>
-          <a:bodyPr/>
-          <a:lstStyle/>
-          <a:p>
-            <a:pPr marL="457200" indent="-457200">
-              <a:buFont typeface="Arial"/>
-              <a:buChar char="•"/>
-            </a:pPr>
-            <a:r>
-              <a:rPr lang="en-US" dirty="0" smtClean="0"/>
-              <a:t>Dictionaries are defined with braces: </a:t>
-            </a:r>
-            <a:r>
-              <a:rPr lang="en-US" dirty="0" smtClean="0">
-                <a:latin typeface="Monaco"/>
-                <a:cs typeface="Monaco"/>
-              </a:rPr>
-              <a:t>{}</a:t>
-            </a:r>
-          </a:p>
-          <a:p>
-            <a:pPr marL="914400" lvl="1" indent="-457200">
-              <a:buFont typeface="Arial"/>
-              <a:buChar char="•"/>
-            </a:pPr>
-            <a:r>
-              <a:rPr lang="en-US" dirty="0" smtClean="0"/>
-              <a:t>Contain </a:t>
-            </a:r>
-            <a:r>
-              <a:rPr lang="en-US" dirty="0" err="1" smtClean="0">
-                <a:latin typeface="Monaco"/>
-                <a:cs typeface="Monaco"/>
-              </a:rPr>
-              <a:t>key:value</a:t>
-            </a:r>
-            <a:r>
-              <a:rPr lang="en-US" dirty="0" smtClean="0"/>
-              <a:t> pairs</a:t>
-            </a:r>
-          </a:p>
-          <a:p>
-            <a:pPr marL="914400" lvl="1" indent="-457200">
-              <a:buFont typeface="Arial"/>
-              <a:buChar char="•"/>
-            </a:pPr>
-            <a:r>
-              <a:rPr lang="en-US" dirty="0" smtClean="0"/>
-              <a:t>Known in other contexts as "associative arrays"</a:t>
-            </a:r>
-            <a:endParaRPr lang="en-US" dirty="0"/>
-          </a:p>
-          <a:p>
-            <a:endParaRPr lang="en-US" dirty="0"/>
-          </a:p>
-        </p:txBody>
-      </p:sp>
-    </p:spTree>
-    <p:extLst>
-      <p:ext uri="{BB962C8B-B14F-4D97-AF65-F5344CB8AC3E}">
-        <p14:creationId xmlns:p14="http://schemas.microsoft.com/office/powerpoint/2010/main" val="2214839457"/>
-      </p:ext>
-    </p:extLst>
-  </p:cSld>
-  <p:clrMapOvr>
-    <a:masterClrMapping/>
-  </p:clrMapOvr>
-</p:sld>
-</file>
-
-<file path=ppt/slides/slide20.xml><?xml version="1.0" encoding="utf-8"?>
-<p:sld xmlns:a="http://schemas.openxmlformats.org/drawingml/2006/main" xmlns:r="http://schemas.openxmlformats.org/officeDocument/2006/relationships" xmlns:p="http://schemas.openxmlformats.org/presentationml/2006/main">
-  <p:cSld>
-    <p:spTree>
-      <p:nvGrpSpPr>
-        <p:cNvPr id="1" name=""/>
-        <p:cNvGrpSpPr/>
-        <p:nvPr/>
-      </p:nvGrpSpPr>
-      <p:grpSpPr>
-        <a:xfrm>
-          <a:off x="0" y="0"/>
-          <a:ext cx="0" cy="0"/>
-          <a:chOff x="0" y="0"/>
-          <a:chExt cx="0" cy="0"/>
-        </a:xfrm>
-      </p:grpSpPr>
-      <p:sp>
-        <p:nvSpPr>
-          <p:cNvPr id="2" name="Title 1"/>
-          <p:cNvSpPr>
-            <a:spLocks noGrp="1"/>
-          </p:cNvSpPr>
-          <p:nvPr>
-            <p:ph type="title"/>
-          </p:nvPr>
-        </p:nvSpPr>
-        <p:spPr/>
-        <p:txBody>
-          <a:bodyPr/>
-          <a:lstStyle/>
-          <a:p>
-            <a:r>
-              <a:rPr lang="en-US" dirty="0" smtClean="0"/>
               <a:t>combining logical statements</a:t>
             </a:r>
             <a:endParaRPr lang="en-US" dirty="0"/>
@@ -6409,7 +5806,7 @@
 </p:sld>
 </file>
 
-<file path=ppt/slides/slide21.xml><?xml version="1.0" encoding="utf-8"?>
+<file path=ppt/slides/slide19.xml><?xml version="1.0" encoding="utf-8"?>
 <p:sld xmlns:a="http://schemas.openxmlformats.org/drawingml/2006/main" xmlns:r="http://schemas.openxmlformats.org/officeDocument/2006/relationships" xmlns:p="http://schemas.openxmlformats.org/presentationml/2006/main">
   <p:cSld>
     <p:spTree>
@@ -6492,7 +5889,128 @@
 </p:sld>
 </file>
 
-<file path=ppt/slides/slide22.xml><?xml version="1.0" encoding="utf-8"?>
+<file path=ppt/slides/slide2.xml><?xml version="1.0" encoding="utf-8"?>
+<p:sld xmlns:a="http://schemas.openxmlformats.org/drawingml/2006/main" xmlns:r="http://schemas.openxmlformats.org/officeDocument/2006/relationships" xmlns:p="http://schemas.openxmlformats.org/presentationml/2006/main">
+  <p:cSld>
+    <p:spTree>
+      <p:nvGrpSpPr>
+        <p:cNvPr id="1" name=""/>
+        <p:cNvGrpSpPr/>
+        <p:nvPr/>
+      </p:nvGrpSpPr>
+      <p:grpSpPr>
+        <a:xfrm>
+          <a:off x="0" y="0"/>
+          <a:ext cx="0" cy="0"/>
+          <a:chOff x="0" y="0"/>
+          <a:chExt cx="0" cy="0"/>
+        </a:xfrm>
+      </p:grpSpPr>
+      <p:sp>
+        <p:nvSpPr>
+          <p:cNvPr id="2" name="Title 1"/>
+          <p:cNvSpPr>
+            <a:spLocks noGrp="1"/>
+          </p:cNvSpPr>
+          <p:nvPr>
+            <p:ph type="title"/>
+          </p:nvPr>
+        </p:nvSpPr>
+        <p:spPr/>
+        <p:txBody>
+          <a:bodyPr/>
+          <a:lstStyle/>
+          <a:p>
+            <a:r>
+              <a:rPr lang="en-US" dirty="0" smtClean="0"/>
+              <a:t>another data type: dictionaries</a:t>
+            </a:r>
+            <a:endParaRPr lang="en-US" dirty="0"/>
+          </a:p>
+        </p:txBody>
+      </p:sp>
+      <p:sp>
+        <p:nvSpPr>
+          <p:cNvPr id="3" name="Content Placeholder 2"/>
+          <p:cNvSpPr>
+            <a:spLocks noGrp="1"/>
+          </p:cNvSpPr>
+          <p:nvPr>
+            <p:ph idx="1"/>
+          </p:nvPr>
+        </p:nvSpPr>
+        <p:spPr/>
+        <p:txBody>
+          <a:bodyPr/>
+          <a:lstStyle/>
+          <a:p>
+            <a:pPr marL="457200" indent="-457200">
+              <a:buFont typeface="Arial"/>
+              <a:buChar char="•"/>
+            </a:pPr>
+            <a:r>
+              <a:rPr lang="en-US" dirty="0" smtClean="0"/>
+              <a:t>Dictionaries are defined with braces: </a:t>
+            </a:r>
+            <a:r>
+              <a:rPr lang="en-US" dirty="0" smtClean="0">
+                <a:latin typeface="Monaco"/>
+                <a:cs typeface="Monaco"/>
+              </a:rPr>
+              <a:t>{}</a:t>
+            </a:r>
+          </a:p>
+          <a:p>
+            <a:pPr marL="914400" lvl="1" indent="-457200">
+              <a:buFont typeface="Arial"/>
+              <a:buChar char="•"/>
+            </a:pPr>
+            <a:r>
+              <a:rPr lang="en-US" dirty="0" smtClean="0"/>
+              <a:t>Contain </a:t>
+            </a:r>
+            <a:r>
+              <a:rPr lang="en-US" dirty="0" err="1" smtClean="0">
+                <a:latin typeface="Monaco"/>
+                <a:cs typeface="Monaco"/>
+              </a:rPr>
+              <a:t>key:value</a:t>
+            </a:r>
+            <a:r>
+              <a:rPr lang="en-US" dirty="0" smtClean="0"/>
+              <a:t> pairs</a:t>
+            </a:r>
+          </a:p>
+          <a:p>
+            <a:pPr marL="914400" lvl="1" indent="-457200">
+              <a:buFont typeface="Arial"/>
+              <a:buChar char="•"/>
+            </a:pPr>
+            <a:r>
+              <a:rPr lang="en-US" dirty="0" smtClean="0"/>
+              <a:t>Known in other contexts as "associative arrays"</a:t>
+            </a:r>
+            <a:endParaRPr lang="en-US" dirty="0"/>
+          </a:p>
+          <a:p>
+            <a:endParaRPr lang="en-US" dirty="0"/>
+          </a:p>
+        </p:txBody>
+      </p:sp>
+    </p:spTree>
+    <p:extLst>
+      <p:ext uri="{BB962C8B-B14F-4D97-AF65-F5344CB8AC3E}">
+        <p14:creationId xmlns:p14="http://schemas.microsoft.com/office/powerpoint/2010/main" val="2214839457"/>
+      </p:ext>
+    </p:extLst>
+  </p:cSld>
+  <p:clrMapOvr>
+    <a:masterClrMapping/>
+  </p:clrMapOvr>
+</p:sld>
+</file>
+
+<file path=ppt/slides/slide20.xml><?xml version="1.0" encoding="utf-8"?>
 <p:sld xmlns:a="http://schemas.openxmlformats.org/drawingml/2006/main" xmlns:r="http://schemas.openxmlformats.org/officeDocument/2006/relationships" xmlns:p="http://schemas.openxmlformats.org/presentationml/2006/main">
   <p:cSld>
     <p:spTree>
@@ -6866,7 +6384,7 @@
 </p:sld>
 </file>
 
-<file path=ppt/slides/slide23.xml><?xml version="1.0" encoding="utf-8"?>
+<file path=ppt/slides/slide21.xml><?xml version="1.0" encoding="utf-8"?>
 <p:sld xmlns:a="http://schemas.openxmlformats.org/drawingml/2006/main" xmlns:r="http://schemas.openxmlformats.org/officeDocument/2006/relationships" xmlns:p="http://schemas.openxmlformats.org/presentationml/2006/main">
   <p:cSld>
     <p:spTree>
@@ -7330,7 +6848,7 @@
 </p:sld>
 </file>
 
-<file path=ppt/slides/slide24.xml><?xml version="1.0" encoding="utf-8"?>
+<file path=ppt/slides/slide22.xml><?xml version="1.0" encoding="utf-8"?>
 <p:sld xmlns:a="http://schemas.openxmlformats.org/drawingml/2006/main" xmlns:r="http://schemas.openxmlformats.org/officeDocument/2006/relationships" xmlns:p="http://schemas.openxmlformats.org/presentationml/2006/main">
   <p:cSld>
     <p:spTree>
@@ -7499,7 +7017,7 @@
 </p:sld>
 </file>
 
-<file path=ppt/slides/slide25.xml><?xml version="1.0" encoding="utf-8"?>
+<file path=ppt/slides/slide23.xml><?xml version="1.0" encoding="utf-8"?>
 <p:sld xmlns:a="http://schemas.openxmlformats.org/drawingml/2006/main" xmlns:r="http://schemas.openxmlformats.org/officeDocument/2006/relationships" xmlns:p="http://schemas.openxmlformats.org/presentationml/2006/main">
   <p:cSld>
     <p:spTree>
@@ -7988,7 +7506,7 @@
 </p:sld>
 </file>
 
-<file path=ppt/slides/slide26.xml><?xml version="1.0" encoding="utf-8"?>
+<file path=ppt/slides/slide24.xml><?xml version="1.0" encoding="utf-8"?>
 <p:sld xmlns:a="http://schemas.openxmlformats.org/drawingml/2006/main" xmlns:r="http://schemas.openxmlformats.org/officeDocument/2006/relationships" xmlns:p="http://schemas.openxmlformats.org/presentationml/2006/main">
   <p:cSld>
     <p:spTree>
@@ -8175,7 +7693,7 @@
 </p:sld>
 </file>
 
-<file path=ppt/slides/slide27.xml><?xml version="1.0" encoding="utf-8"?>
+<file path=ppt/slides/slide25.xml><?xml version="1.0" encoding="utf-8"?>
 <p:sld xmlns:a="http://schemas.openxmlformats.org/drawingml/2006/main" xmlns:r="http://schemas.openxmlformats.org/officeDocument/2006/relationships" xmlns:p="http://schemas.openxmlformats.org/presentationml/2006/main">
   <p:cSld>
     <p:spTree>
@@ -8787,7 +8305,7 @@
 </p:sld>
 </file>
 
-<file path=ppt/slides/slide28.xml><?xml version="1.0" encoding="utf-8"?>
+<file path=ppt/slides/slide26.xml><?xml version="1.0" encoding="utf-8"?>
 <p:sld xmlns:a="http://schemas.openxmlformats.org/drawingml/2006/main" xmlns:r="http://schemas.openxmlformats.org/officeDocument/2006/relationships" xmlns:p="http://schemas.openxmlformats.org/presentationml/2006/main">
   <p:cSld>
     <p:spTree>
@@ -8982,7 +8500,7 @@
 </p:sld>
 </file>
 
-<file path=ppt/slides/slide29.xml><?xml version="1.0" encoding="utf-8"?>
+<file path=ppt/slides/slide27.xml><?xml version="1.0" encoding="utf-8"?>
 <p:sld xmlns:a="http://schemas.openxmlformats.org/drawingml/2006/main" xmlns:r="http://schemas.openxmlformats.org/officeDocument/2006/relationships" xmlns:p="http://schemas.openxmlformats.org/presentationml/2006/main">
   <p:cSld>
     <p:spTree>
@@ -9231,6 +8749,270 @@
 </p:sld>
 </file>
 
+<file path=ppt/slides/slide28.xml><?xml version="1.0" encoding="utf-8"?>
+<p:sld xmlns:a="http://schemas.openxmlformats.org/drawingml/2006/main" xmlns:r="http://schemas.openxmlformats.org/officeDocument/2006/relationships" xmlns:p="http://schemas.openxmlformats.org/presentationml/2006/main">
+  <p:cSld>
+    <p:spTree>
+      <p:nvGrpSpPr>
+        <p:cNvPr id="1" name=""/>
+        <p:cNvGrpSpPr/>
+        <p:nvPr/>
+      </p:nvGrpSpPr>
+      <p:grpSpPr>
+        <a:xfrm>
+          <a:off x="0" y="0"/>
+          <a:ext cx="0" cy="0"/>
+          <a:chOff x="0" y="0"/>
+          <a:chExt cx="0" cy="0"/>
+        </a:xfrm>
+      </p:grpSpPr>
+      <p:sp>
+        <p:nvSpPr>
+          <p:cNvPr id="2" name="Title 1"/>
+          <p:cNvSpPr>
+            <a:spLocks noGrp="1"/>
+          </p:cNvSpPr>
+          <p:nvPr>
+            <p:ph type="title"/>
+          </p:nvPr>
+        </p:nvSpPr>
+        <p:spPr/>
+        <p:txBody>
+          <a:bodyPr>
+            <a:normAutofit/>
+          </a:bodyPr>
+          <a:lstStyle/>
+          <a:p>
+            <a:r>
+              <a:rPr lang="en-US" dirty="0" smtClean="0"/>
+              <a:t>if-elif-else statements</a:t>
+            </a:r>
+            <a:br>
+              <a:rPr lang="en-US" dirty="0" smtClean="0"/>
+            </a:br>
+            <a:endParaRPr lang="en-US" dirty="0"/>
+          </a:p>
+        </p:txBody>
+      </p:sp>
+      <p:pic>
+        <p:nvPicPr>
+          <p:cNvPr id="4" name="Picture 3" descr="if_elif_else_flowchart.pdf"/>
+          <p:cNvPicPr>
+            <a:picLocks noChangeAspect="1"/>
+          </p:cNvPicPr>
+          <p:nvPr/>
+        </p:nvPicPr>
+        <p:blipFill>
+          <a:blip r:embed="rId2">
+            <a:extLst>
+              <a:ext uri="{28A0092B-C50C-407E-A947-70E740481C1C}">
+                <a14:useLocalDpi xmlns:a14="http://schemas.microsoft.com/office/drawing/2010/main" val="0"/>
+              </a:ext>
+            </a:extLst>
+          </a:blip>
+          <a:stretch>
+            <a:fillRect/>
+          </a:stretch>
+        </p:blipFill>
+        <p:spPr>
+          <a:xfrm>
+            <a:off x="-752231" y="947615"/>
+            <a:ext cx="5529385" cy="5529385"/>
+          </a:xfrm>
+          <a:prstGeom prst="rect">
+            <a:avLst/>
+          </a:prstGeom>
+        </p:spPr>
+      </p:pic>
+      <p:sp>
+        <p:nvSpPr>
+          <p:cNvPr id="11" name="TextBox 10"/>
+          <p:cNvSpPr txBox="1"/>
+          <p:nvPr/>
+        </p:nvSpPr>
+        <p:spPr>
+          <a:xfrm>
+            <a:off x="4269154" y="2587397"/>
+            <a:ext cx="4874846" cy="2585323"/>
+          </a:xfrm>
+          <a:prstGeom prst="rect">
+            <a:avLst/>
+          </a:prstGeom>
+          <a:noFill/>
+        </p:spPr>
+        <p:txBody>
+          <a:bodyPr wrap="square" rtlCol="0">
+            <a:spAutoFit/>
+          </a:bodyPr>
+          <a:lstStyle/>
+          <a:p>
+            <a:r>
+              <a:rPr lang="en-US" dirty="0" smtClean="0">
+                <a:latin typeface="Monaco"/>
+                <a:cs typeface="Monaco"/>
+              </a:rPr>
+              <a:t># You don't need to end with else</a:t>
+            </a:r>
+          </a:p>
+          <a:p>
+            <a:r>
+              <a:rPr lang="en-US" dirty="0" smtClean="0">
+                <a:latin typeface="Monaco"/>
+                <a:cs typeface="Monaco"/>
+              </a:rPr>
+              <a:t>a = 7</a:t>
+            </a:r>
+          </a:p>
+          <a:p>
+            <a:r>
+              <a:rPr lang="en-US" dirty="0" smtClean="0">
+                <a:latin typeface="Monaco"/>
+                <a:cs typeface="Monaco"/>
+              </a:rPr>
+              <a:t>b = 5</a:t>
+            </a:r>
+          </a:p>
+          <a:p>
+            <a:r>
+              <a:rPr lang="en-US" dirty="0" smtClean="0">
+                <a:latin typeface="Monaco"/>
+                <a:cs typeface="Monaco"/>
+              </a:rPr>
+              <a:t>if a &gt; b:</a:t>
+            </a:r>
+          </a:p>
+          <a:p>
+            <a:r>
+              <a:rPr lang="en-US" dirty="0" smtClean="0">
+                <a:latin typeface="Monaco"/>
+                <a:cs typeface="Monaco"/>
+              </a:rPr>
+              <a:t>	print "a is bigger"</a:t>
+            </a:r>
+          </a:p>
+          <a:p>
+            <a:r>
+              <a:rPr lang="en-US" dirty="0" smtClean="0">
+                <a:latin typeface="Monaco"/>
+                <a:cs typeface="Monaco"/>
+              </a:rPr>
+              <a:t>elif a &lt; b:</a:t>
+            </a:r>
+          </a:p>
+          <a:p>
+            <a:r>
+              <a:rPr lang="en-US" dirty="0">
+                <a:latin typeface="Monaco"/>
+                <a:cs typeface="Monaco"/>
+              </a:rPr>
+              <a:t>	</a:t>
+            </a:r>
+            <a:r>
+              <a:rPr lang="en-US" dirty="0" smtClean="0">
+                <a:latin typeface="Monaco"/>
+                <a:cs typeface="Monaco"/>
+              </a:rPr>
+              <a:t>print "b is bigger"</a:t>
+            </a:r>
+          </a:p>
+          <a:p>
+            <a:r>
+              <a:rPr lang="en-US" dirty="0" smtClean="0">
+                <a:latin typeface="Monaco"/>
+                <a:cs typeface="Monaco"/>
+              </a:rPr>
+              <a:t>elif a == b:</a:t>
+            </a:r>
+          </a:p>
+          <a:p>
+            <a:r>
+              <a:rPr lang="en-US" dirty="0">
+                <a:latin typeface="Monaco"/>
+                <a:cs typeface="Monaco"/>
+              </a:rPr>
+              <a:t>	</a:t>
+            </a:r>
+            <a:r>
+              <a:rPr lang="en-US" dirty="0" smtClean="0">
+                <a:latin typeface="Monaco"/>
+                <a:cs typeface="Monaco"/>
+              </a:rPr>
+              <a:t>print "a is equal to b"</a:t>
+            </a:r>
+          </a:p>
+        </p:txBody>
+      </p:sp>
+    </p:spTree>
+    <p:extLst>
+      <p:ext uri="{BB962C8B-B14F-4D97-AF65-F5344CB8AC3E}">
+        <p14:creationId xmlns:p14="http://schemas.microsoft.com/office/powerpoint/2010/main" val="1016397014"/>
+      </p:ext>
+    </p:extLst>
+  </p:cSld>
+  <p:clrMapOvr>
+    <a:masterClrMapping/>
+  </p:clrMapOvr>
+</p:sld>
+</file>
+
+<file path=ppt/slides/slide29.xml><?xml version="1.0" encoding="utf-8"?>
+<p:sld xmlns:a="http://schemas.openxmlformats.org/drawingml/2006/main" xmlns:r="http://schemas.openxmlformats.org/officeDocument/2006/relationships" xmlns:p="http://schemas.openxmlformats.org/presentationml/2006/main">
+  <p:cSld>
+    <p:spTree>
+      <p:nvGrpSpPr>
+        <p:cNvPr id="1" name=""/>
+        <p:cNvGrpSpPr/>
+        <p:nvPr/>
+      </p:nvGrpSpPr>
+      <p:grpSpPr>
+        <a:xfrm>
+          <a:off x="0" y="0"/>
+          <a:ext cx="0" cy="0"/>
+          <a:chOff x="0" y="0"/>
+          <a:chExt cx="0" cy="0"/>
+        </a:xfrm>
+      </p:grpSpPr>
+      <p:sp>
+        <p:nvSpPr>
+          <p:cNvPr id="2" name="Title 1"/>
+          <p:cNvSpPr>
+            <a:spLocks noGrp="1"/>
+          </p:cNvSpPr>
+          <p:nvPr>
+            <p:ph type="title"/>
+          </p:nvPr>
+        </p:nvSpPr>
+        <p:spPr>
+          <a:xfrm>
+            <a:off x="2230714" y="3087537"/>
+            <a:ext cx="4688183" cy="692215"/>
+          </a:xfrm>
+        </p:spPr>
+        <p:txBody>
+          <a:bodyPr/>
+          <a:lstStyle/>
+          <a:p>
+            <a:r>
+              <a:rPr lang="en-US" dirty="0" smtClean="0"/>
+              <a:t>exercise break</a:t>
+            </a:r>
+            <a:endParaRPr lang="en-US" dirty="0"/>
+          </a:p>
+        </p:txBody>
+      </p:sp>
+    </p:spTree>
+    <p:extLst>
+      <p:ext uri="{BB962C8B-B14F-4D97-AF65-F5344CB8AC3E}">
+        <p14:creationId xmlns:p14="http://schemas.microsoft.com/office/powerpoint/2010/main" val="1637656586"/>
+      </p:ext>
+    </p:extLst>
+  </p:cSld>
+  <p:clrMapOvr>
+    <a:masterClrMapping/>
+  </p:clrMapOvr>
+</p:sld>
+</file>
+
 <file path=ppt/slides/slide3.xml><?xml version="1.0" encoding="utf-8"?>
 <p:sld xmlns:a="http://schemas.openxmlformats.org/drawingml/2006/main" xmlns:r="http://schemas.openxmlformats.org/officeDocument/2006/relationships" xmlns:p="http://schemas.openxmlformats.org/presentationml/2006/main">
   <p:cSld>
@@ -9459,174 +9241,57 @@
         </p:nvSpPr>
         <p:spPr/>
         <p:txBody>
+          <a:bodyPr/>
+          <a:lstStyle/>
+          <a:p>
+            <a:r>
+              <a:rPr lang="en-US" dirty="0" smtClean="0"/>
+              <a:t>iteration is our other control flow tool</a:t>
+            </a:r>
+            <a:endParaRPr lang="en-US" dirty="0"/>
+          </a:p>
+        </p:txBody>
+      </p:sp>
+      <p:sp>
+        <p:nvSpPr>
+          <p:cNvPr id="3" name="Content Placeholder 2"/>
+          <p:cNvSpPr>
+            <a:spLocks noGrp="1"/>
+          </p:cNvSpPr>
+          <p:nvPr>
+            <p:ph idx="1"/>
+          </p:nvPr>
+        </p:nvSpPr>
+        <p:spPr>
+          <a:xfrm>
+            <a:off x="457200" y="1752600"/>
+            <a:ext cx="8256954" cy="4373563"/>
+          </a:xfrm>
+        </p:spPr>
+        <p:txBody>
           <a:bodyPr>
             <a:normAutofit/>
           </a:bodyPr>
           <a:lstStyle/>
           <a:p>
+            <a:pPr marL="457200" indent="-457200">
+              <a:buFont typeface="Arial"/>
+              <a:buChar char="•"/>
+            </a:pPr>
             <a:r>
               <a:rPr lang="en-US" dirty="0" smtClean="0"/>
-              <a:t>if-elif-else statements</a:t>
-            </a:r>
-            <a:br>
-              <a:rPr lang="en-US" dirty="0" smtClean="0"/>
-            </a:br>
-            <a:endParaRPr lang="en-US" dirty="0"/>
-          </a:p>
-        </p:txBody>
-      </p:sp>
-      <p:pic>
-        <p:nvPicPr>
-          <p:cNvPr id="4" name="Picture 3" descr="if_elif_else_flowchart.pdf"/>
-          <p:cNvPicPr>
-            <a:picLocks noChangeAspect="1"/>
-          </p:cNvPicPr>
-          <p:nvPr/>
-        </p:nvPicPr>
-        <p:blipFill>
-          <a:blip r:embed="rId2">
-            <a:extLst>
-              <a:ext uri="{28A0092B-C50C-407E-A947-70E740481C1C}">
-                <a14:useLocalDpi xmlns:a14="http://schemas.microsoft.com/office/drawing/2010/main" val="0"/>
-              </a:ext>
-            </a:extLst>
-          </a:blip>
-          <a:stretch>
-            <a:fillRect/>
-          </a:stretch>
-        </p:blipFill>
-        <p:spPr>
-          <a:xfrm>
-            <a:off x="-752231" y="947615"/>
-            <a:ext cx="5529385" cy="5529385"/>
-          </a:xfrm>
-          <a:prstGeom prst="rect">
-            <a:avLst/>
-          </a:prstGeom>
-        </p:spPr>
-      </p:pic>
-      <p:sp>
-        <p:nvSpPr>
-          <p:cNvPr id="11" name="TextBox 10"/>
-          <p:cNvSpPr txBox="1"/>
-          <p:nvPr/>
-        </p:nvSpPr>
-        <p:spPr>
-          <a:xfrm>
-            <a:off x="4269154" y="2587397"/>
-            <a:ext cx="4874846" cy="2585323"/>
-          </a:xfrm>
-          <a:prstGeom prst="rect">
-            <a:avLst/>
-          </a:prstGeom>
-          <a:noFill/>
-        </p:spPr>
-        <p:txBody>
-          <a:bodyPr wrap="square" rtlCol="0">
-            <a:spAutoFit/>
-          </a:bodyPr>
-          <a:lstStyle/>
-          <a:p>
-            <a:r>
-              <a:rPr lang="en-US" dirty="0" smtClean="0">
-                <a:latin typeface="Monaco"/>
-                <a:cs typeface="Monaco"/>
-              </a:rPr>
-              <a:t># You don't need to end with else</a:t>
-            </a:r>
-          </a:p>
-          <a:p>
-            <a:r>
-              <a:rPr lang="en-US" dirty="0" smtClean="0">
-                <a:latin typeface="Monaco"/>
-                <a:cs typeface="Monaco"/>
-              </a:rPr>
-              <a:t>a = 7</a:t>
-            </a:r>
-          </a:p>
-          <a:p>
-            <a:r>
-              <a:rPr lang="en-US" dirty="0" smtClean="0">
-                <a:latin typeface="Monaco"/>
-                <a:cs typeface="Monaco"/>
-              </a:rPr>
-              <a:t>b = 5</a:t>
-            </a:r>
-          </a:p>
-          <a:p>
-            <a:r>
-              <a:rPr lang="en-US" dirty="0" smtClean="0">
-                <a:latin typeface="Monaco"/>
-                <a:cs typeface="Monaco"/>
-              </a:rPr>
-              <a:t>if a &gt; b:</a:t>
-            </a:r>
-          </a:p>
-          <a:p>
-            <a:r>
-              <a:rPr lang="en-US" dirty="0" smtClean="0">
-                <a:latin typeface="Monaco"/>
-                <a:cs typeface="Monaco"/>
-              </a:rPr>
-              <a:t>	print "a is bigger"</a:t>
-            </a:r>
-          </a:p>
-          <a:p>
-            <a:r>
-              <a:rPr lang="en-US" dirty="0" smtClean="0">
-                <a:latin typeface="Monaco"/>
-                <a:cs typeface="Monaco"/>
-              </a:rPr>
-              <a:t>elif a &lt; b:</a:t>
-            </a:r>
-          </a:p>
-          <a:p>
-            <a:r>
-              <a:rPr lang="en-US" dirty="0">
-                <a:latin typeface="Monaco"/>
-                <a:cs typeface="Monaco"/>
-              </a:rPr>
-              <a:t>	</a:t>
-            </a:r>
-            <a:r>
-              <a:rPr lang="en-US" dirty="0" smtClean="0">
-                <a:latin typeface="Monaco"/>
-                <a:cs typeface="Monaco"/>
-              </a:rPr>
-              <a:t>print "b is bigger"</a:t>
-            </a:r>
-          </a:p>
-          <a:p>
-            <a:r>
-              <a:rPr lang="en-US" dirty="0" smtClean="0">
-                <a:latin typeface="Monaco"/>
-                <a:cs typeface="Monaco"/>
-              </a:rPr>
-              <a:t>elif a == b:</a:t>
-            </a:r>
-          </a:p>
-          <a:p>
-            <a:r>
-              <a:rPr lang="en-US" dirty="0">
-                <a:latin typeface="Monaco"/>
-                <a:cs typeface="Monaco"/>
-              </a:rPr>
-              <a:t>	</a:t>
-            </a:r>
-            <a:r>
-              <a:rPr lang="en-US" dirty="0" smtClean="0">
-                <a:latin typeface="Monaco"/>
-                <a:cs typeface="Monaco"/>
-              </a:rPr>
-              <a:t>print "a is equal to b"</a:t>
-            </a:r>
+              <a:t>Iteration performs the same code repeatedly</a:t>
+            </a:r>
+          </a:p>
+          <a:p>
+            <a:endParaRPr lang="en-US" dirty="0" smtClean="0"/>
           </a:p>
         </p:txBody>
       </p:sp>
     </p:spTree>
     <p:extLst>
       <p:ext uri="{BB962C8B-B14F-4D97-AF65-F5344CB8AC3E}">
-        <p14:creationId xmlns:p14="http://schemas.microsoft.com/office/powerpoint/2010/main" val="1016397014"/>
+        <p14:creationId xmlns:p14="http://schemas.microsoft.com/office/powerpoint/2010/main" val="1201355029"/>
       </p:ext>
     </p:extLst>
   </p:cSld>
@@ -9663,153 +9328,6 @@
             <p:ph type="title"/>
           </p:nvPr>
         </p:nvSpPr>
-        <p:spPr>
-          <a:xfrm>
-            <a:off x="2230714" y="3087537"/>
-            <a:ext cx="4688183" cy="692215"/>
-          </a:xfrm>
-        </p:spPr>
-        <p:txBody>
-          <a:bodyPr/>
-          <a:lstStyle/>
-          <a:p>
-            <a:r>
-              <a:rPr lang="en-US" dirty="0" smtClean="0"/>
-              <a:t>exercise break</a:t>
-            </a:r>
-            <a:endParaRPr lang="en-US" dirty="0"/>
-          </a:p>
-        </p:txBody>
-      </p:sp>
-    </p:spTree>
-    <p:extLst>
-      <p:ext uri="{BB962C8B-B14F-4D97-AF65-F5344CB8AC3E}">
-        <p14:creationId xmlns:p14="http://schemas.microsoft.com/office/powerpoint/2010/main" val="1637656586"/>
-      </p:ext>
-    </p:extLst>
-  </p:cSld>
-  <p:clrMapOvr>
-    <a:masterClrMapping/>
-  </p:clrMapOvr>
-</p:sld>
-</file>
-
-<file path=ppt/slides/slide32.xml><?xml version="1.0" encoding="utf-8"?>
-<p:sld xmlns:a="http://schemas.openxmlformats.org/drawingml/2006/main" xmlns:r="http://schemas.openxmlformats.org/officeDocument/2006/relationships" xmlns:p="http://schemas.openxmlformats.org/presentationml/2006/main">
-  <p:cSld>
-    <p:spTree>
-      <p:nvGrpSpPr>
-        <p:cNvPr id="1" name=""/>
-        <p:cNvGrpSpPr/>
-        <p:nvPr/>
-      </p:nvGrpSpPr>
-      <p:grpSpPr>
-        <a:xfrm>
-          <a:off x="0" y="0"/>
-          <a:ext cx="0" cy="0"/>
-          <a:chOff x="0" y="0"/>
-          <a:chExt cx="0" cy="0"/>
-        </a:xfrm>
-      </p:grpSpPr>
-      <p:sp>
-        <p:nvSpPr>
-          <p:cNvPr id="2" name="Title 1"/>
-          <p:cNvSpPr>
-            <a:spLocks noGrp="1"/>
-          </p:cNvSpPr>
-          <p:nvPr>
-            <p:ph type="title"/>
-          </p:nvPr>
-        </p:nvSpPr>
-        <p:spPr/>
-        <p:txBody>
-          <a:bodyPr/>
-          <a:lstStyle/>
-          <a:p>
-            <a:r>
-              <a:rPr lang="en-US" dirty="0" smtClean="0"/>
-              <a:t>iteration is our other control flow tool</a:t>
-            </a:r>
-            <a:endParaRPr lang="en-US" dirty="0"/>
-          </a:p>
-        </p:txBody>
-      </p:sp>
-      <p:sp>
-        <p:nvSpPr>
-          <p:cNvPr id="3" name="Content Placeholder 2"/>
-          <p:cNvSpPr>
-            <a:spLocks noGrp="1"/>
-          </p:cNvSpPr>
-          <p:nvPr>
-            <p:ph idx="1"/>
-          </p:nvPr>
-        </p:nvSpPr>
-        <p:spPr>
-          <a:xfrm>
-            <a:off x="457200" y="1752600"/>
-            <a:ext cx="8256954" cy="4373563"/>
-          </a:xfrm>
-        </p:spPr>
-        <p:txBody>
-          <a:bodyPr>
-            <a:normAutofit/>
-          </a:bodyPr>
-          <a:lstStyle/>
-          <a:p>
-            <a:pPr marL="457200" indent="-457200">
-              <a:buFont typeface="Arial"/>
-              <a:buChar char="•"/>
-            </a:pPr>
-            <a:r>
-              <a:rPr lang="en-US" dirty="0" smtClean="0"/>
-              <a:t>Iteration performs the same code repeatedly</a:t>
-            </a:r>
-          </a:p>
-          <a:p>
-            <a:endParaRPr lang="en-US" dirty="0" smtClean="0"/>
-          </a:p>
-        </p:txBody>
-      </p:sp>
-    </p:spTree>
-    <p:extLst>
-      <p:ext uri="{BB962C8B-B14F-4D97-AF65-F5344CB8AC3E}">
-        <p14:creationId xmlns:p14="http://schemas.microsoft.com/office/powerpoint/2010/main" val="1201355029"/>
-      </p:ext>
-    </p:extLst>
-  </p:cSld>
-  <p:clrMapOvr>
-    <a:masterClrMapping/>
-  </p:clrMapOvr>
-</p:sld>
-</file>
-
-<file path=ppt/slides/slide33.xml><?xml version="1.0" encoding="utf-8"?>
-<p:sld xmlns:a="http://schemas.openxmlformats.org/drawingml/2006/main" xmlns:r="http://schemas.openxmlformats.org/officeDocument/2006/relationships" xmlns:p="http://schemas.openxmlformats.org/presentationml/2006/main">
-  <p:cSld>
-    <p:spTree>
-      <p:nvGrpSpPr>
-        <p:cNvPr id="1" name=""/>
-        <p:cNvGrpSpPr/>
-        <p:nvPr/>
-      </p:nvGrpSpPr>
-      <p:grpSpPr>
-        <a:xfrm>
-          <a:off x="0" y="0"/>
-          <a:ext cx="0" cy="0"/>
-          <a:chOff x="0" y="0"/>
-          <a:chExt cx="0" cy="0"/>
-        </a:xfrm>
-      </p:grpSpPr>
-      <p:sp>
-        <p:nvSpPr>
-          <p:cNvPr id="2" name="Title 1"/>
-          <p:cNvSpPr>
-            <a:spLocks noGrp="1"/>
-          </p:cNvSpPr>
-          <p:nvPr>
-            <p:ph type="title"/>
-          </p:nvPr>
-        </p:nvSpPr>
         <p:spPr/>
         <p:txBody>
           <a:bodyPr/>
@@ -9909,7 +9427,7 @@
 </p:sld>
 </file>
 
-<file path=ppt/slides/slide34.xml><?xml version="1.0" encoding="utf-8"?>
+<file path=ppt/slides/slide32.xml><?xml version="1.0" encoding="utf-8"?>
 <p:sld xmlns:a="http://schemas.openxmlformats.org/drawingml/2006/main" xmlns:r="http://schemas.openxmlformats.org/officeDocument/2006/relationships" xmlns:p="http://schemas.openxmlformats.org/presentationml/2006/main">
   <p:cSld>
     <p:spTree>
@@ -10080,7 +9598,7 @@
 </p:sld>
 </file>
 
-<file path=ppt/slides/slide35.xml><?xml version="1.0" encoding="utf-8"?>
+<file path=ppt/slides/slide33.xml><?xml version="1.0" encoding="utf-8"?>
 <p:sld xmlns:a="http://schemas.openxmlformats.org/drawingml/2006/main" xmlns:r="http://schemas.openxmlformats.org/officeDocument/2006/relationships" xmlns:p="http://schemas.openxmlformats.org/presentationml/2006/main">
   <p:cSld>
     <p:spTree>
@@ -10180,7 +9698,7 @@
 </p:sld>
 </file>
 
-<file path=ppt/slides/slide36.xml><?xml version="1.0" encoding="utf-8"?>
+<file path=ppt/slides/slide34.xml><?xml version="1.0" encoding="utf-8"?>
 <p:sld xmlns:a="http://schemas.openxmlformats.org/drawingml/2006/main" xmlns:r="http://schemas.openxmlformats.org/officeDocument/2006/relationships" xmlns:p="http://schemas.openxmlformats.org/presentationml/2006/main">
   <p:cSld>
     <p:spTree>
@@ -10507,7 +10025,7 @@
 </p:sld>
 </file>
 
-<file path=ppt/slides/slide37.xml><?xml version="1.0" encoding="utf-8"?>
+<file path=ppt/slides/slide35.xml><?xml version="1.0" encoding="utf-8"?>
 <p:sld xmlns:a="http://schemas.openxmlformats.org/drawingml/2006/main" xmlns:r="http://schemas.openxmlformats.org/officeDocument/2006/relationships" xmlns:p="http://schemas.openxmlformats.org/presentationml/2006/main">
   <p:cSld>
     <p:spTree>
@@ -10924,7 +10442,7 @@
 </p:sld>
 </file>
 
-<file path=ppt/slides/slide38.xml><?xml version="1.0" encoding="utf-8"?>
+<file path=ppt/slides/slide36.xml><?xml version="1.0" encoding="utf-8"?>
 <p:sld xmlns:a="http://schemas.openxmlformats.org/drawingml/2006/main" xmlns:r="http://schemas.openxmlformats.org/officeDocument/2006/relationships" xmlns:p="http://schemas.openxmlformats.org/presentationml/2006/main">
   <p:cSld>
     <p:spTree>
@@ -11386,7 +10904,7 @@
 </p:sld>
 </file>
 
-<file path=ppt/slides/slide39.xml><?xml version="1.0" encoding="utf-8"?>
+<file path=ppt/slides/slide37.xml><?xml version="1.0" encoding="utf-8"?>
 <p:sld xmlns:a="http://schemas.openxmlformats.org/drawingml/2006/main" xmlns:r="http://schemas.openxmlformats.org/officeDocument/2006/relationships" xmlns:p="http://schemas.openxmlformats.org/presentationml/2006/main">
   <p:cSld>
     <p:spTree>
@@ -11957,261 +11475,7 @@
 </p:sld>
 </file>
 
-<file path=ppt/slides/slide4.xml><?xml version="1.0" encoding="utf-8"?>
-<p:sld xmlns:a="http://schemas.openxmlformats.org/drawingml/2006/main" xmlns:r="http://schemas.openxmlformats.org/officeDocument/2006/relationships" xmlns:p="http://schemas.openxmlformats.org/presentationml/2006/main">
-  <p:cSld>
-    <p:spTree>
-      <p:nvGrpSpPr>
-        <p:cNvPr id="1" name=""/>
-        <p:cNvGrpSpPr/>
-        <p:nvPr/>
-      </p:nvGrpSpPr>
-      <p:grpSpPr>
-        <a:xfrm>
-          <a:off x="0" y="0"/>
-          <a:ext cx="0" cy="0"/>
-          <a:chOff x="0" y="0"/>
-          <a:chExt cx="0" cy="0"/>
-        </a:xfrm>
-      </p:grpSpPr>
-      <p:sp>
-        <p:nvSpPr>
-          <p:cNvPr id="2" name="Title 1"/>
-          <p:cNvSpPr>
-            <a:spLocks noGrp="1"/>
-          </p:cNvSpPr>
-          <p:nvPr>
-            <p:ph type="title"/>
-          </p:nvPr>
-        </p:nvSpPr>
-        <p:spPr/>
-        <p:txBody>
-          <a:bodyPr/>
-          <a:lstStyle/>
-          <a:p>
-            <a:r>
-              <a:rPr lang="en-US" dirty="0" smtClean="0"/>
-              <a:t>another data type: dictionaries</a:t>
-            </a:r>
-            <a:endParaRPr lang="en-US" dirty="0"/>
-          </a:p>
-        </p:txBody>
-      </p:sp>
-      <p:sp>
-        <p:nvSpPr>
-          <p:cNvPr id="3" name="Content Placeholder 2"/>
-          <p:cNvSpPr>
-            <a:spLocks noGrp="1"/>
-          </p:cNvSpPr>
-          <p:nvPr>
-            <p:ph idx="1"/>
-          </p:nvPr>
-        </p:nvSpPr>
-        <p:spPr/>
-        <p:txBody>
-          <a:bodyPr/>
-          <a:lstStyle/>
-          <a:p>
-            <a:pPr marL="457200" indent="-457200">
-              <a:buFont typeface="Arial"/>
-              <a:buChar char="•"/>
-            </a:pPr>
-            <a:r>
-              <a:rPr lang="en-US" dirty="0" smtClean="0"/>
-              <a:t>Dictionaries are defined with braces: </a:t>
-            </a:r>
-            <a:r>
-              <a:rPr lang="en-US" dirty="0" smtClean="0">
-                <a:latin typeface="Monaco"/>
-                <a:cs typeface="Monaco"/>
-              </a:rPr>
-              <a:t>{}</a:t>
-            </a:r>
-          </a:p>
-          <a:p>
-            <a:pPr marL="914400" lvl="1" indent="-457200">
-              <a:buFont typeface="Arial"/>
-              <a:buChar char="•"/>
-            </a:pPr>
-            <a:r>
-              <a:rPr lang="en-US" dirty="0" smtClean="0"/>
-              <a:t>Contain </a:t>
-            </a:r>
-            <a:r>
-              <a:rPr lang="en-US" dirty="0" err="1" smtClean="0">
-                <a:latin typeface="Monaco"/>
-                <a:cs typeface="Monaco"/>
-              </a:rPr>
-              <a:t>key:value</a:t>
-            </a:r>
-            <a:r>
-              <a:rPr lang="en-US" dirty="0" smtClean="0"/>
-              <a:t> pairs</a:t>
-            </a:r>
-          </a:p>
-          <a:p>
-            <a:pPr marL="914400" lvl="1" indent="-457200">
-              <a:buFont typeface="Arial"/>
-              <a:buChar char="•"/>
-            </a:pPr>
-            <a:r>
-              <a:rPr lang="en-US" dirty="0" smtClean="0"/>
-              <a:t>Known in other contexts as "associative arrays"</a:t>
-            </a:r>
-            <a:endParaRPr lang="en-US" dirty="0"/>
-          </a:p>
-          <a:p>
-            <a:endParaRPr lang="en-US" dirty="0"/>
-          </a:p>
-        </p:txBody>
-      </p:sp>
-      <p:sp>
-        <p:nvSpPr>
-          <p:cNvPr id="4" name="TextBox 3"/>
-          <p:cNvSpPr txBox="1"/>
-          <p:nvPr/>
-        </p:nvSpPr>
-        <p:spPr>
-          <a:xfrm>
-            <a:off x="457199" y="3463843"/>
-            <a:ext cx="8338444" cy="1477328"/>
-          </a:xfrm>
-          <a:prstGeom prst="rect">
-            <a:avLst/>
-          </a:prstGeom>
-          <a:noFill/>
-        </p:spPr>
-        <p:txBody>
-          <a:bodyPr wrap="square" rtlCol="0">
-            <a:spAutoFit/>
-          </a:bodyPr>
-          <a:lstStyle/>
-          <a:p>
-            <a:r>
-              <a:rPr lang="en-US" dirty="0" smtClean="0">
-                <a:latin typeface="Monaco"/>
-                <a:cs typeface="Monaco"/>
-              </a:rPr>
-              <a:t># Define a dictionary of names</a:t>
-            </a:r>
-          </a:p>
-          <a:p>
-            <a:r>
-              <a:rPr lang="en-US" dirty="0" smtClean="0">
-                <a:latin typeface="Monaco"/>
-                <a:cs typeface="Monaco"/>
-              </a:rPr>
-              <a:t>names = {"Stephanie": "Spielman", "</a:t>
-            </a:r>
-            <a:r>
-              <a:rPr lang="en-US" dirty="0" err="1" smtClean="0">
-                <a:latin typeface="Monaco"/>
-                <a:cs typeface="Monaco"/>
-              </a:rPr>
-              <a:t>Eleisha</a:t>
-            </a:r>
-            <a:r>
-              <a:rPr lang="en-US" dirty="0" smtClean="0">
-                <a:latin typeface="Monaco"/>
-                <a:cs typeface="Monaco"/>
-              </a:rPr>
-              <a:t>": "Jackson", 	"Claus": "</a:t>
-            </a:r>
-            <a:r>
-              <a:rPr lang="en-US" dirty="0" err="1" smtClean="0">
-                <a:latin typeface="Monaco"/>
-                <a:cs typeface="Monaco"/>
-              </a:rPr>
-              <a:t>Wilke</a:t>
-            </a:r>
-            <a:r>
-              <a:rPr lang="en-US" dirty="0" smtClean="0">
-                <a:latin typeface="Monaco"/>
-                <a:cs typeface="Monaco"/>
-              </a:rPr>
-              <a:t>"}</a:t>
-            </a:r>
-            <a:endParaRPr lang="en-US" dirty="0">
-              <a:latin typeface="Monaco"/>
-              <a:cs typeface="Monaco"/>
-            </a:endParaRPr>
-          </a:p>
-          <a:p>
-            <a:endParaRPr lang="en-US" dirty="0" smtClean="0">
-              <a:latin typeface="Monaco"/>
-              <a:cs typeface="Monaco"/>
-            </a:endParaRPr>
-          </a:p>
-          <a:p>
-            <a:r>
-              <a:rPr lang="en-US" dirty="0" smtClean="0">
-                <a:latin typeface="Monaco"/>
-                <a:cs typeface="Monaco"/>
-              </a:rPr>
-              <a:t> </a:t>
-            </a:r>
-          </a:p>
-        </p:txBody>
-      </p:sp>
-      <p:sp>
-        <p:nvSpPr>
-          <p:cNvPr id="5" name="Rectangle 4"/>
-          <p:cNvSpPr/>
-          <p:nvPr/>
-        </p:nvSpPr>
-        <p:spPr>
-          <a:xfrm>
-            <a:off x="1761248" y="3765274"/>
-            <a:ext cx="3177481" cy="283603"/>
-          </a:xfrm>
-          <a:prstGeom prst="rect">
-            <a:avLst/>
-          </a:prstGeom>
-          <a:noFill/>
-          <a:ln w="28575" cmpd="sng">
-            <a:solidFill>
-              <a:schemeClr val="accent2"/>
-            </a:solidFill>
-          </a:ln>
-          <a:effectLst/>
-        </p:spPr>
-        <p:style>
-          <a:lnRef idx="1">
-            <a:schemeClr val="accent1"/>
-          </a:lnRef>
-          <a:fillRef idx="3">
-            <a:schemeClr val="accent1"/>
-          </a:fillRef>
-          <a:effectRef idx="2">
-            <a:schemeClr val="accent1"/>
-          </a:effectRef>
-          <a:fontRef idx="minor">
-            <a:schemeClr val="lt1"/>
-          </a:fontRef>
-        </p:style>
-        <p:txBody>
-          <a:bodyPr rtlCol="0" anchor="ctr"/>
-          <a:lstStyle/>
-          <a:p>
-            <a:pPr algn="ctr"/>
-            <a:endParaRPr lang="en-US"/>
-          </a:p>
-        </p:txBody>
-      </p:sp>
-    </p:spTree>
-    <p:extLst>
-      <p:ext uri="{BB962C8B-B14F-4D97-AF65-F5344CB8AC3E}">
-        <p14:creationId xmlns:p14="http://schemas.microsoft.com/office/powerpoint/2010/main" val="3584717528"/>
-      </p:ext>
-    </p:extLst>
-  </p:cSld>
-  <p:clrMapOvr>
-    <a:masterClrMapping/>
-  </p:clrMapOvr>
-</p:sld>
-</file>
-
-<file path=ppt/slides/slide40.xml><?xml version="1.0" encoding="utf-8"?>
+<file path=ppt/slides/slide38.xml><?xml version="1.0" encoding="utf-8"?>
 <p:sld xmlns:a="http://schemas.openxmlformats.org/drawingml/2006/main" xmlns:r="http://schemas.openxmlformats.org/officeDocument/2006/relationships" xmlns:p="http://schemas.openxmlformats.org/presentationml/2006/main">
   <p:cSld>
     <p:spTree>
@@ -12612,7 +11876,7 @@
 </p:sld>
 </file>
 
-<file path=ppt/slides/slide41.xml><?xml version="1.0" encoding="utf-8"?>
+<file path=ppt/slides/slide39.xml><?xml version="1.0" encoding="utf-8"?>
 <p:sld xmlns:a="http://schemas.openxmlformats.org/drawingml/2006/main" xmlns:r="http://schemas.openxmlformats.org/officeDocument/2006/relationships" xmlns:p="http://schemas.openxmlformats.org/presentationml/2006/main">
   <p:cSld>
     <p:spTree>
@@ -13003,7 +12267,7 @@
 </p:sld>
 </file>
 
-<file path=ppt/slides/slide42.xml><?xml version="1.0" encoding="utf-8"?>
+<file path=ppt/slides/slide4.xml><?xml version="1.0" encoding="utf-8"?>
 <p:sld xmlns:a="http://schemas.openxmlformats.org/drawingml/2006/main" xmlns:r="http://schemas.openxmlformats.org/officeDocument/2006/relationships" xmlns:p="http://schemas.openxmlformats.org/presentationml/2006/main">
   <p:cSld>
     <p:spTree>
@@ -13037,8 +12301,76 @@
           <a:p>
             <a:r>
               <a:rPr lang="en-US" dirty="0" smtClean="0"/>
-              <a:t>iterating over lists Example: curving grades</a:t>
-            </a:r>
+              <a:t>another data type: dictionaries</a:t>
+            </a:r>
+            <a:endParaRPr lang="en-US" dirty="0"/>
+          </a:p>
+        </p:txBody>
+      </p:sp>
+      <p:sp>
+        <p:nvSpPr>
+          <p:cNvPr id="3" name="Content Placeholder 2"/>
+          <p:cNvSpPr>
+            <a:spLocks noGrp="1"/>
+          </p:cNvSpPr>
+          <p:nvPr>
+            <p:ph idx="1"/>
+          </p:nvPr>
+        </p:nvSpPr>
+        <p:spPr/>
+        <p:txBody>
+          <a:bodyPr/>
+          <a:lstStyle/>
+          <a:p>
+            <a:pPr marL="457200" indent="-457200">
+              <a:buFont typeface="Arial"/>
+              <a:buChar char="•"/>
+            </a:pPr>
+            <a:r>
+              <a:rPr lang="en-US" dirty="0" smtClean="0"/>
+              <a:t>Dictionaries are defined with braces: </a:t>
+            </a:r>
+            <a:r>
+              <a:rPr lang="en-US" dirty="0" smtClean="0">
+                <a:latin typeface="Monaco"/>
+                <a:cs typeface="Monaco"/>
+              </a:rPr>
+              <a:t>{}</a:t>
+            </a:r>
+          </a:p>
+          <a:p>
+            <a:pPr marL="914400" lvl="1" indent="-457200">
+              <a:buFont typeface="Arial"/>
+              <a:buChar char="•"/>
+            </a:pPr>
+            <a:r>
+              <a:rPr lang="en-US" dirty="0" smtClean="0"/>
+              <a:t>Contain </a:t>
+            </a:r>
+            <a:r>
+              <a:rPr lang="en-US" dirty="0" err="1" smtClean="0">
+                <a:latin typeface="Monaco"/>
+                <a:cs typeface="Monaco"/>
+              </a:rPr>
+              <a:t>key:value</a:t>
+            </a:r>
+            <a:r>
+              <a:rPr lang="en-US" dirty="0" smtClean="0"/>
+              <a:t> pairs</a:t>
+            </a:r>
+          </a:p>
+          <a:p>
+            <a:pPr marL="914400" lvl="1" indent="-457200">
+              <a:buFont typeface="Arial"/>
+              <a:buChar char="•"/>
+            </a:pPr>
+            <a:r>
+              <a:rPr lang="en-US" dirty="0" smtClean="0"/>
+              <a:t>Known in other contexts as "associative arrays"</a:t>
+            </a:r>
+            <a:endParaRPr lang="en-US" dirty="0"/>
+          </a:p>
+          <a:p>
             <a:endParaRPr lang="en-US" dirty="0"/>
           </a:p>
         </p:txBody>
@@ -13051,8 +12383,8 @@
         </p:nvSpPr>
         <p:spPr>
           <a:xfrm>
-            <a:off x="1684602" y="1786320"/>
-            <a:ext cx="5554399" cy="4801315"/>
+            <a:off x="457199" y="3463843"/>
+            <a:ext cx="8338444" cy="1477328"/>
           </a:xfrm>
           <a:prstGeom prst="rect">
             <a:avLst/>
@@ -13070,17 +12402,49 @@
                 <a:latin typeface="Monaco"/>
                 <a:cs typeface="Monaco"/>
               </a:rPr>
-              <a:t># List of grades</a:t>
-            </a:r>
-          </a:p>
-          <a:p>
-            <a:r>
-              <a:rPr lang="en-US" dirty="0" smtClean="0">
-                <a:latin typeface="Monaco"/>
-                <a:cs typeface="Monaco"/>
-              </a:rPr>
-              <a:t>grades = [88, 71, 74, 83, 57, 79, 66]</a:t>
-            </a:r>
+              <a:t># Define a dictionary of names</a:t>
+            </a:r>
+          </a:p>
+          <a:p>
+            <a:r>
+              <a:rPr lang="en-US" dirty="0" smtClean="0">
+                <a:latin typeface="Monaco"/>
+                <a:cs typeface="Monaco"/>
+              </a:rPr>
+              <a:t>names = {"Stephanie": "Spielman", "</a:t>
+            </a:r>
+            <a:r>
+              <a:rPr lang="en-US" dirty="0" err="1" smtClean="0">
+                <a:latin typeface="Monaco"/>
+                <a:cs typeface="Monaco"/>
+              </a:rPr>
+              <a:t>Eleisha</a:t>
+            </a:r>
+            <a:r>
+              <a:rPr lang="en-US" dirty="0" smtClean="0">
+                <a:latin typeface="Monaco"/>
+                <a:cs typeface="Monaco"/>
+              </a:rPr>
+              <a:t>": "Jackson", 	"Claus": "</a:t>
+            </a:r>
+            <a:r>
+              <a:rPr lang="en-US" dirty="0" err="1" smtClean="0">
+                <a:latin typeface="Monaco"/>
+                <a:cs typeface="Monaco"/>
+              </a:rPr>
+              <a:t>Wilke</a:t>
+            </a:r>
+            <a:r>
+              <a:rPr lang="en-US" dirty="0" smtClean="0">
+                <a:latin typeface="Monaco"/>
+                <a:cs typeface="Monaco"/>
+              </a:rPr>
+              <a:t>"}</a:t>
+            </a:r>
+            <a:endParaRPr lang="en-US" dirty="0">
+              <a:latin typeface="Monaco"/>
+              <a:cs typeface="Monaco"/>
+            </a:endParaRPr>
           </a:p>
           <a:p>
             <a:endParaRPr lang="en-US" dirty="0" smtClean="0">
@@ -13094,226 +12458,60 @@
                 <a:latin typeface="Monaco"/>
                 <a:cs typeface="Monaco"/>
               </a:rPr>
-              <a:t># Loop over the grades</a:t>
-            </a:r>
-          </a:p>
-          <a:p>
-            <a:r>
-              <a:rPr lang="en-US" dirty="0" smtClean="0">
-                <a:latin typeface="Monaco"/>
-                <a:cs typeface="Monaco"/>
-              </a:rPr>
-              <a:t>for </a:t>
-            </a:r>
-            <a:r>
-              <a:rPr lang="en-US" dirty="0" smtClean="0">
-                <a:solidFill>
-                  <a:srgbClr val="DC5924"/>
-                </a:solidFill>
-                <a:latin typeface="Monaco"/>
-                <a:cs typeface="Monaco"/>
-              </a:rPr>
-              <a:t>grade </a:t>
-            </a:r>
-            <a:r>
-              <a:rPr lang="en-US" dirty="0" smtClean="0">
-                <a:latin typeface="Monaco"/>
-                <a:cs typeface="Monaco"/>
-              </a:rPr>
-              <a:t>in </a:t>
-            </a:r>
-            <a:r>
-              <a:rPr lang="en-US" dirty="0" smtClean="0">
-                <a:solidFill>
-                  <a:schemeClr val="accent5"/>
-                </a:solidFill>
-                <a:latin typeface="Monaco"/>
-                <a:cs typeface="Monaco"/>
-              </a:rPr>
-              <a:t>grades</a:t>
-            </a:r>
-            <a:r>
-              <a:rPr lang="en-US" dirty="0" smtClean="0">
-                <a:latin typeface="Monaco"/>
-                <a:cs typeface="Monaco"/>
-              </a:rPr>
-              <a:t>:</a:t>
-            </a:r>
-          </a:p>
-          <a:p>
-            <a:r>
-              <a:rPr lang="en-US" dirty="0" smtClean="0">
-                <a:latin typeface="Monaco"/>
-                <a:cs typeface="Monaco"/>
-              </a:rPr>
-              <a:t>	print grade * 1.1</a:t>
-            </a:r>
-          </a:p>
-          <a:p>
-            <a:endParaRPr lang="en-US" dirty="0">
-              <a:latin typeface="Monaco"/>
-              <a:cs typeface="Monaco"/>
-            </a:endParaRPr>
-          </a:p>
-          <a:p>
-            <a:r>
-              <a:rPr lang="en-US" dirty="0" smtClean="0">
-                <a:solidFill>
-                  <a:schemeClr val="bg1">
-                    <a:lumMod val="65000"/>
-                  </a:schemeClr>
-                </a:solidFill>
-                <a:latin typeface="Monaco"/>
-                <a:cs typeface="Monaco"/>
-              </a:rPr>
-              <a:t>	</a:t>
-            </a:r>
-            <a:r>
-              <a:rPr lang="en-US" dirty="0">
-                <a:solidFill>
-                  <a:schemeClr val="bg1">
-                    <a:lumMod val="65000"/>
-                  </a:schemeClr>
-                </a:solidFill>
-                <a:latin typeface="Monaco"/>
-                <a:cs typeface="Monaco"/>
-              </a:rPr>
-              <a:t>96.8</a:t>
-            </a:r>
-          </a:p>
-          <a:p>
-            <a:pPr lvl="1"/>
-            <a:r>
-              <a:rPr lang="en-US" dirty="0">
-                <a:solidFill>
-                  <a:schemeClr val="bg1">
-                    <a:lumMod val="65000"/>
-                  </a:schemeClr>
-                </a:solidFill>
-                <a:latin typeface="Monaco"/>
-                <a:cs typeface="Monaco"/>
-              </a:rPr>
-              <a:t>78.1</a:t>
-            </a:r>
-          </a:p>
-          <a:p>
-            <a:pPr lvl="1"/>
-            <a:r>
-              <a:rPr lang="en-US" dirty="0">
-                <a:solidFill>
-                  <a:schemeClr val="bg1">
-                    <a:lumMod val="65000"/>
-                  </a:schemeClr>
-                </a:solidFill>
-                <a:latin typeface="Monaco"/>
-                <a:cs typeface="Monaco"/>
-              </a:rPr>
-              <a:t>81.4</a:t>
-            </a:r>
-          </a:p>
-          <a:p>
-            <a:pPr lvl="1"/>
-            <a:r>
-              <a:rPr lang="en-US" dirty="0">
-                <a:solidFill>
-                  <a:schemeClr val="bg1">
-                    <a:lumMod val="65000"/>
-                  </a:schemeClr>
-                </a:solidFill>
-                <a:latin typeface="Monaco"/>
-                <a:cs typeface="Monaco"/>
-              </a:rPr>
-              <a:t>91.3</a:t>
-            </a:r>
-          </a:p>
-          <a:p>
-            <a:pPr lvl="1"/>
-            <a:r>
-              <a:rPr lang="en-US" dirty="0">
-                <a:solidFill>
-                  <a:schemeClr val="bg1">
-                    <a:lumMod val="65000"/>
-                  </a:schemeClr>
-                </a:solidFill>
-                <a:latin typeface="Monaco"/>
-                <a:cs typeface="Monaco"/>
-              </a:rPr>
-              <a:t>62.7</a:t>
-            </a:r>
-          </a:p>
-          <a:p>
-            <a:pPr lvl="1"/>
-            <a:r>
-              <a:rPr lang="en-US" dirty="0">
-                <a:solidFill>
-                  <a:schemeClr val="bg1">
-                    <a:lumMod val="65000"/>
-                  </a:schemeClr>
-                </a:solidFill>
-                <a:latin typeface="Monaco"/>
-                <a:cs typeface="Monaco"/>
-              </a:rPr>
-              <a:t>86.9</a:t>
-            </a:r>
-          </a:p>
-          <a:p>
-            <a:pPr lvl="1"/>
-            <a:r>
-              <a:rPr lang="en-US" dirty="0">
-                <a:solidFill>
-                  <a:schemeClr val="bg1">
-                    <a:lumMod val="65000"/>
-                  </a:schemeClr>
-                </a:solidFill>
-                <a:latin typeface="Monaco"/>
-                <a:cs typeface="Monaco"/>
-              </a:rPr>
-              <a:t>72.6</a:t>
-            </a:r>
-            <a:endParaRPr lang="en-US" dirty="0" smtClean="0">
-              <a:solidFill>
-                <a:schemeClr val="bg1">
-                  <a:lumMod val="65000"/>
-                </a:schemeClr>
-              </a:solidFill>
-              <a:latin typeface="Monaco"/>
-              <a:cs typeface="Monaco"/>
-            </a:endParaRPr>
-          </a:p>
-          <a:p>
-            <a:endParaRPr lang="en-US" dirty="0">
-              <a:latin typeface="Monaco"/>
-              <a:cs typeface="Monaco"/>
-            </a:endParaRPr>
-          </a:p>
-          <a:p>
-            <a:r>
-              <a:rPr lang="en-US" dirty="0" smtClean="0">
-                <a:latin typeface="Monaco"/>
-                <a:cs typeface="Monaco"/>
-              </a:rPr>
-              <a:t>	</a:t>
-            </a:r>
-          </a:p>
-          <a:p>
-            <a:r>
-              <a:rPr lang="en-US" dirty="0">
-                <a:latin typeface="Monaco"/>
-                <a:cs typeface="Monaco"/>
-              </a:rPr>
-              <a:t>	</a:t>
-            </a:r>
-            <a:endParaRPr lang="en-US" dirty="0" smtClean="0">
-              <a:latin typeface="Monaco"/>
-              <a:cs typeface="Monaco"/>
-            </a:endParaRPr>
+              <a:t> </a:t>
+            </a:r>
+          </a:p>
+        </p:txBody>
+      </p:sp>
+      <p:sp>
+        <p:nvSpPr>
+          <p:cNvPr id="5" name="Rectangle 4"/>
+          <p:cNvSpPr/>
+          <p:nvPr/>
+        </p:nvSpPr>
+        <p:spPr>
+          <a:xfrm>
+            <a:off x="1761248" y="3765274"/>
+            <a:ext cx="3177481" cy="283603"/>
+          </a:xfrm>
+          <a:prstGeom prst="rect">
+            <a:avLst/>
+          </a:prstGeom>
+          <a:noFill/>
+          <a:ln w="28575" cmpd="sng">
+            <a:solidFill>
+              <a:schemeClr val="accent2"/>
+            </a:solidFill>
+          </a:ln>
+          <a:effectLst/>
+        </p:spPr>
+        <p:style>
+          <a:lnRef idx="1">
+            <a:schemeClr val="accent1"/>
+          </a:lnRef>
+          <a:fillRef idx="3">
+            <a:schemeClr val="accent1"/>
+          </a:fillRef>
+          <a:effectRef idx="2">
+            <a:schemeClr val="accent1"/>
+          </a:effectRef>
+          <a:fontRef idx="minor">
+            <a:schemeClr val="lt1"/>
+          </a:fontRef>
+        </p:style>
+        <p:txBody>
+          <a:bodyPr rtlCol="0" anchor="ctr"/>
+          <a:lstStyle/>
+          <a:p>
+            <a:pPr algn="ctr"/>
+            <a:endParaRPr lang="en-US"/>
           </a:p>
         </p:txBody>
       </p:sp>
     </p:spTree>
     <p:extLst>
       <p:ext uri="{BB962C8B-B14F-4D97-AF65-F5344CB8AC3E}">
-        <p14:creationId xmlns:p14="http://schemas.microsoft.com/office/powerpoint/2010/main" val="2585897502"/>
+        <p14:creationId xmlns:p14="http://schemas.microsoft.com/office/powerpoint/2010/main" val="3584717528"/>
       </p:ext>
     </p:extLst>
   </p:cSld>
@@ -13323,7 +12521,7 @@
 </p:sld>
 </file>
 
-<file path=ppt/slides/slide43.xml><?xml version="1.0" encoding="utf-8"?>
+<file path=ppt/slides/slide40.xml><?xml version="1.0" encoding="utf-8"?>
 <p:sld xmlns:a="http://schemas.openxmlformats.org/drawingml/2006/main" xmlns:r="http://schemas.openxmlformats.org/officeDocument/2006/relationships" xmlns:p="http://schemas.openxmlformats.org/presentationml/2006/main">
   <p:cSld>
     <p:spTree>
@@ -13372,6 +12570,326 @@
         <p:spPr>
           <a:xfrm>
             <a:off x="1684602" y="1786320"/>
+            <a:ext cx="5554399" cy="4801315"/>
+          </a:xfrm>
+          <a:prstGeom prst="rect">
+            <a:avLst/>
+          </a:prstGeom>
+          <a:noFill/>
+        </p:spPr>
+        <p:txBody>
+          <a:bodyPr wrap="square" rtlCol="0">
+            <a:spAutoFit/>
+          </a:bodyPr>
+          <a:lstStyle/>
+          <a:p>
+            <a:r>
+              <a:rPr lang="en-US" dirty="0" smtClean="0">
+                <a:latin typeface="Monaco"/>
+                <a:cs typeface="Monaco"/>
+              </a:rPr>
+              <a:t># List of grades</a:t>
+            </a:r>
+          </a:p>
+          <a:p>
+            <a:r>
+              <a:rPr lang="en-US" dirty="0" smtClean="0">
+                <a:latin typeface="Monaco"/>
+                <a:cs typeface="Monaco"/>
+              </a:rPr>
+              <a:t>grades = [88, 71, 74, 83, 57, 79, 66]</a:t>
+            </a:r>
+          </a:p>
+          <a:p>
+            <a:endParaRPr lang="en-US" dirty="0" smtClean="0">
+              <a:latin typeface="Monaco"/>
+              <a:cs typeface="Monaco"/>
+            </a:endParaRPr>
+          </a:p>
+          <a:p>
+            <a:r>
+              <a:rPr lang="en-US" dirty="0" smtClean="0">
+                <a:latin typeface="Monaco"/>
+                <a:cs typeface="Monaco"/>
+              </a:rPr>
+              <a:t># Loop over the grades</a:t>
+            </a:r>
+          </a:p>
+          <a:p>
+            <a:r>
+              <a:rPr lang="en-US" dirty="0" smtClean="0">
+                <a:latin typeface="Monaco"/>
+                <a:cs typeface="Monaco"/>
+              </a:rPr>
+              <a:t>for </a:t>
+            </a:r>
+            <a:r>
+              <a:rPr lang="en-US" dirty="0" smtClean="0">
+                <a:solidFill>
+                  <a:srgbClr val="DC5924"/>
+                </a:solidFill>
+                <a:latin typeface="Monaco"/>
+                <a:cs typeface="Monaco"/>
+              </a:rPr>
+              <a:t>grade </a:t>
+            </a:r>
+            <a:r>
+              <a:rPr lang="en-US" dirty="0" smtClean="0">
+                <a:latin typeface="Monaco"/>
+                <a:cs typeface="Monaco"/>
+              </a:rPr>
+              <a:t>in </a:t>
+            </a:r>
+            <a:r>
+              <a:rPr lang="en-US" dirty="0" smtClean="0">
+                <a:solidFill>
+                  <a:schemeClr val="accent5"/>
+                </a:solidFill>
+                <a:latin typeface="Monaco"/>
+                <a:cs typeface="Monaco"/>
+              </a:rPr>
+              <a:t>grades</a:t>
+            </a:r>
+            <a:r>
+              <a:rPr lang="en-US" dirty="0" smtClean="0">
+                <a:latin typeface="Monaco"/>
+                <a:cs typeface="Monaco"/>
+              </a:rPr>
+              <a:t>:</a:t>
+            </a:r>
+          </a:p>
+          <a:p>
+            <a:r>
+              <a:rPr lang="en-US" dirty="0" smtClean="0">
+                <a:latin typeface="Monaco"/>
+                <a:cs typeface="Monaco"/>
+              </a:rPr>
+              <a:t>	print grade * 1.1</a:t>
+            </a:r>
+          </a:p>
+          <a:p>
+            <a:endParaRPr lang="en-US" dirty="0">
+              <a:latin typeface="Monaco"/>
+              <a:cs typeface="Monaco"/>
+            </a:endParaRPr>
+          </a:p>
+          <a:p>
+            <a:r>
+              <a:rPr lang="en-US" dirty="0" smtClean="0">
+                <a:solidFill>
+                  <a:schemeClr val="bg1">
+                    <a:lumMod val="65000"/>
+                  </a:schemeClr>
+                </a:solidFill>
+                <a:latin typeface="Monaco"/>
+                <a:cs typeface="Monaco"/>
+              </a:rPr>
+              <a:t>	</a:t>
+            </a:r>
+            <a:r>
+              <a:rPr lang="en-US" dirty="0">
+                <a:solidFill>
+                  <a:schemeClr val="bg1">
+                    <a:lumMod val="65000"/>
+                  </a:schemeClr>
+                </a:solidFill>
+                <a:latin typeface="Monaco"/>
+                <a:cs typeface="Monaco"/>
+              </a:rPr>
+              <a:t>96.8</a:t>
+            </a:r>
+          </a:p>
+          <a:p>
+            <a:pPr lvl="1"/>
+            <a:r>
+              <a:rPr lang="en-US" dirty="0">
+                <a:solidFill>
+                  <a:schemeClr val="bg1">
+                    <a:lumMod val="65000"/>
+                  </a:schemeClr>
+                </a:solidFill>
+                <a:latin typeface="Monaco"/>
+                <a:cs typeface="Monaco"/>
+              </a:rPr>
+              <a:t>78.1</a:t>
+            </a:r>
+          </a:p>
+          <a:p>
+            <a:pPr lvl="1"/>
+            <a:r>
+              <a:rPr lang="en-US" dirty="0">
+                <a:solidFill>
+                  <a:schemeClr val="bg1">
+                    <a:lumMod val="65000"/>
+                  </a:schemeClr>
+                </a:solidFill>
+                <a:latin typeface="Monaco"/>
+                <a:cs typeface="Monaco"/>
+              </a:rPr>
+              <a:t>81.4</a:t>
+            </a:r>
+          </a:p>
+          <a:p>
+            <a:pPr lvl="1"/>
+            <a:r>
+              <a:rPr lang="en-US" dirty="0">
+                <a:solidFill>
+                  <a:schemeClr val="bg1">
+                    <a:lumMod val="65000"/>
+                  </a:schemeClr>
+                </a:solidFill>
+                <a:latin typeface="Monaco"/>
+                <a:cs typeface="Monaco"/>
+              </a:rPr>
+              <a:t>91.3</a:t>
+            </a:r>
+          </a:p>
+          <a:p>
+            <a:pPr lvl="1"/>
+            <a:r>
+              <a:rPr lang="en-US" dirty="0">
+                <a:solidFill>
+                  <a:schemeClr val="bg1">
+                    <a:lumMod val="65000"/>
+                  </a:schemeClr>
+                </a:solidFill>
+                <a:latin typeface="Monaco"/>
+                <a:cs typeface="Monaco"/>
+              </a:rPr>
+              <a:t>62.7</a:t>
+            </a:r>
+          </a:p>
+          <a:p>
+            <a:pPr lvl="1"/>
+            <a:r>
+              <a:rPr lang="en-US" dirty="0">
+                <a:solidFill>
+                  <a:schemeClr val="bg1">
+                    <a:lumMod val="65000"/>
+                  </a:schemeClr>
+                </a:solidFill>
+                <a:latin typeface="Monaco"/>
+                <a:cs typeface="Monaco"/>
+              </a:rPr>
+              <a:t>86.9</a:t>
+            </a:r>
+          </a:p>
+          <a:p>
+            <a:pPr lvl="1"/>
+            <a:r>
+              <a:rPr lang="en-US" dirty="0">
+                <a:solidFill>
+                  <a:schemeClr val="bg1">
+                    <a:lumMod val="65000"/>
+                  </a:schemeClr>
+                </a:solidFill>
+                <a:latin typeface="Monaco"/>
+                <a:cs typeface="Monaco"/>
+              </a:rPr>
+              <a:t>72.6</a:t>
+            </a:r>
+            <a:endParaRPr lang="en-US" dirty="0" smtClean="0">
+              <a:solidFill>
+                <a:schemeClr val="bg1">
+                  <a:lumMod val="65000"/>
+                </a:schemeClr>
+              </a:solidFill>
+              <a:latin typeface="Monaco"/>
+              <a:cs typeface="Monaco"/>
+            </a:endParaRPr>
+          </a:p>
+          <a:p>
+            <a:endParaRPr lang="en-US" dirty="0">
+              <a:latin typeface="Monaco"/>
+              <a:cs typeface="Monaco"/>
+            </a:endParaRPr>
+          </a:p>
+          <a:p>
+            <a:r>
+              <a:rPr lang="en-US" dirty="0" smtClean="0">
+                <a:latin typeface="Monaco"/>
+                <a:cs typeface="Monaco"/>
+              </a:rPr>
+              <a:t>	</a:t>
+            </a:r>
+          </a:p>
+          <a:p>
+            <a:r>
+              <a:rPr lang="en-US" dirty="0">
+                <a:latin typeface="Monaco"/>
+                <a:cs typeface="Monaco"/>
+              </a:rPr>
+              <a:t>	</a:t>
+            </a:r>
+            <a:endParaRPr lang="en-US" dirty="0" smtClean="0">
+              <a:latin typeface="Monaco"/>
+              <a:cs typeface="Monaco"/>
+            </a:endParaRPr>
+          </a:p>
+        </p:txBody>
+      </p:sp>
+    </p:spTree>
+    <p:extLst>
+      <p:ext uri="{BB962C8B-B14F-4D97-AF65-F5344CB8AC3E}">
+        <p14:creationId xmlns:p14="http://schemas.microsoft.com/office/powerpoint/2010/main" val="2585897502"/>
+      </p:ext>
+    </p:extLst>
+  </p:cSld>
+  <p:clrMapOvr>
+    <a:masterClrMapping/>
+  </p:clrMapOvr>
+</p:sld>
+</file>
+
+<file path=ppt/slides/slide41.xml><?xml version="1.0" encoding="utf-8"?>
+<p:sld xmlns:a="http://schemas.openxmlformats.org/drawingml/2006/main" xmlns:r="http://schemas.openxmlformats.org/officeDocument/2006/relationships" xmlns:p="http://schemas.openxmlformats.org/presentationml/2006/main">
+  <p:cSld>
+    <p:spTree>
+      <p:nvGrpSpPr>
+        <p:cNvPr id="1" name=""/>
+        <p:cNvGrpSpPr/>
+        <p:nvPr/>
+      </p:nvGrpSpPr>
+      <p:grpSpPr>
+        <a:xfrm>
+          <a:off x="0" y="0"/>
+          <a:ext cx="0" cy="0"/>
+          <a:chOff x="0" y="0"/>
+          <a:chExt cx="0" cy="0"/>
+        </a:xfrm>
+      </p:grpSpPr>
+      <p:sp>
+        <p:nvSpPr>
+          <p:cNvPr id="2" name="Title 1"/>
+          <p:cNvSpPr>
+            <a:spLocks noGrp="1"/>
+          </p:cNvSpPr>
+          <p:nvPr>
+            <p:ph type="title"/>
+          </p:nvPr>
+        </p:nvSpPr>
+        <p:spPr/>
+        <p:txBody>
+          <a:bodyPr/>
+          <a:lstStyle/>
+          <a:p>
+            <a:r>
+              <a:rPr lang="en-US" dirty="0" smtClean="0"/>
+              <a:t>iterating over lists Example: curving grades</a:t>
+            </a:r>
+            <a:endParaRPr lang="en-US" dirty="0"/>
+          </a:p>
+        </p:txBody>
+      </p:sp>
+      <p:sp>
+        <p:nvSpPr>
+          <p:cNvPr id="4" name="TextBox 3"/>
+          <p:cNvSpPr txBox="1"/>
+          <p:nvPr/>
+        </p:nvSpPr>
+        <p:spPr>
+          <a:xfrm>
+            <a:off x="1684602" y="1786320"/>
             <a:ext cx="6542176" cy="4247317"/>
           </a:xfrm>
           <a:prstGeom prst="rect">
@@ -13635,7 +13153,7 @@
 </p:sld>
 </file>
 
-<file path=ppt/slides/slide44.xml><?xml version="1.0" encoding="utf-8"?>
+<file path=ppt/slides/slide42.xml><?xml version="1.0" encoding="utf-8"?>
 <p:sld xmlns:a="http://schemas.openxmlformats.org/drawingml/2006/main" xmlns:r="http://schemas.openxmlformats.org/officeDocument/2006/relationships" xmlns:p="http://schemas.openxmlformats.org/presentationml/2006/main">
   <p:cSld>
     <p:spTree>
@@ -13992,6 +13510,902 @@
 </p:sld>
 </file>
 
+<file path=ppt/slides/slide43.xml><?xml version="1.0" encoding="utf-8"?>
+<p:sld xmlns:a="http://schemas.openxmlformats.org/drawingml/2006/main" xmlns:r="http://schemas.openxmlformats.org/officeDocument/2006/relationships" xmlns:p="http://schemas.openxmlformats.org/presentationml/2006/main">
+  <p:cSld>
+    <p:spTree>
+      <p:nvGrpSpPr>
+        <p:cNvPr id="1" name=""/>
+        <p:cNvGrpSpPr/>
+        <p:nvPr/>
+      </p:nvGrpSpPr>
+      <p:grpSpPr>
+        <a:xfrm>
+          <a:off x="0" y="0"/>
+          <a:ext cx="0" cy="0"/>
+          <a:chOff x="0" y="0"/>
+          <a:chExt cx="0" cy="0"/>
+        </a:xfrm>
+      </p:grpSpPr>
+      <p:sp>
+        <p:nvSpPr>
+          <p:cNvPr id="2" name="Title 1"/>
+          <p:cNvSpPr>
+            <a:spLocks noGrp="1"/>
+          </p:cNvSpPr>
+          <p:nvPr>
+            <p:ph type="title"/>
+          </p:nvPr>
+        </p:nvSpPr>
+        <p:spPr/>
+        <p:txBody>
+          <a:bodyPr/>
+          <a:lstStyle/>
+          <a:p>
+            <a:r>
+              <a:rPr lang="en-US" dirty="0" smtClean="0"/>
+              <a:t>but no hard-coding!!!</a:t>
+            </a:r>
+            <a:endParaRPr lang="en-US" dirty="0"/>
+          </a:p>
+        </p:txBody>
+      </p:sp>
+      <p:sp>
+        <p:nvSpPr>
+          <p:cNvPr id="5" name="TextBox 4"/>
+          <p:cNvSpPr txBox="1"/>
+          <p:nvPr/>
+        </p:nvSpPr>
+        <p:spPr>
+          <a:xfrm>
+            <a:off x="1684602" y="1786320"/>
+            <a:ext cx="6542176" cy="5078314"/>
+          </a:xfrm>
+          <a:prstGeom prst="rect">
+            <a:avLst/>
+          </a:prstGeom>
+          <a:noFill/>
+        </p:spPr>
+        <p:txBody>
+          <a:bodyPr wrap="square" rtlCol="0">
+            <a:spAutoFit/>
+          </a:bodyPr>
+          <a:lstStyle/>
+          <a:p>
+            <a:r>
+              <a:rPr lang="en-US" dirty="0" smtClean="0">
+                <a:latin typeface="Monaco"/>
+                <a:cs typeface="Monaco"/>
+              </a:rPr>
+              <a:t># List of grades</a:t>
+            </a:r>
+          </a:p>
+          <a:p>
+            <a:r>
+              <a:rPr lang="en-US" dirty="0" smtClean="0">
+                <a:latin typeface="Monaco"/>
+                <a:cs typeface="Monaco"/>
+              </a:rPr>
+              <a:t>grades = [88, 71, 74, 83, 57, 79, 66]</a:t>
+            </a:r>
+          </a:p>
+          <a:p>
+            <a:endParaRPr lang="en-US" dirty="0">
+              <a:latin typeface="Monaco"/>
+              <a:cs typeface="Monaco"/>
+            </a:endParaRPr>
+          </a:p>
+          <a:p>
+            <a:r>
+              <a:rPr lang="en-US" dirty="0" smtClean="0">
+                <a:latin typeface="Monaco"/>
+                <a:cs typeface="Monaco"/>
+              </a:rPr>
+              <a:t># Empty list of new grades to populate</a:t>
+            </a:r>
+          </a:p>
+          <a:p>
+            <a:r>
+              <a:rPr lang="en-US" dirty="0" smtClean="0">
+                <a:latin typeface="Monaco"/>
+                <a:cs typeface="Monaco"/>
+              </a:rPr>
+              <a:t>new_grades</a:t>
+            </a:r>
+            <a:r>
+              <a:rPr lang="en-US" dirty="0">
+                <a:latin typeface="Monaco"/>
+                <a:cs typeface="Monaco"/>
+              </a:rPr>
+              <a:t> </a:t>
+            </a:r>
+            <a:r>
+              <a:rPr lang="en-US" dirty="0" smtClean="0">
+                <a:latin typeface="Monaco"/>
+                <a:cs typeface="Monaco"/>
+              </a:rPr>
+              <a:t>= []</a:t>
+            </a:r>
+          </a:p>
+          <a:p>
+            <a:endParaRPr lang="en-US" dirty="0">
+              <a:latin typeface="Monaco"/>
+              <a:cs typeface="Monaco"/>
+            </a:endParaRPr>
+          </a:p>
+          <a:p>
+            <a:r>
+              <a:rPr lang="en-US" dirty="0" smtClean="0">
+                <a:latin typeface="Monaco"/>
+                <a:cs typeface="Monaco"/>
+              </a:rPr>
+              <a:t># Curving value</a:t>
+            </a:r>
+          </a:p>
+          <a:p>
+            <a:r>
+              <a:rPr lang="en-US" dirty="0" smtClean="0">
+                <a:latin typeface="Monaco"/>
+                <a:cs typeface="Monaco"/>
+              </a:rPr>
+              <a:t>curve = 1.1</a:t>
+            </a:r>
+          </a:p>
+          <a:p>
+            <a:endParaRPr lang="en-US" dirty="0" smtClean="0">
+              <a:latin typeface="Monaco"/>
+              <a:cs typeface="Monaco"/>
+            </a:endParaRPr>
+          </a:p>
+          <a:p>
+            <a:r>
+              <a:rPr lang="en-US" dirty="0" smtClean="0">
+                <a:latin typeface="Monaco"/>
+                <a:cs typeface="Monaco"/>
+              </a:rPr>
+              <a:t># Loop over the grades and save curved grade</a:t>
+            </a:r>
+          </a:p>
+          <a:p>
+            <a:r>
+              <a:rPr lang="en-US" dirty="0" smtClean="0">
+                <a:latin typeface="Monaco"/>
+                <a:cs typeface="Monaco"/>
+              </a:rPr>
+              <a:t>for grade in grades:</a:t>
+            </a:r>
+          </a:p>
+          <a:p>
+            <a:r>
+              <a:rPr lang="en-US" dirty="0" smtClean="0">
+                <a:latin typeface="Monaco"/>
+                <a:cs typeface="Monaco"/>
+              </a:rPr>
+              <a:t>	new = grade * </a:t>
+            </a:r>
+            <a:r>
+              <a:rPr lang="en-US" dirty="0" smtClean="0">
+                <a:solidFill>
+                  <a:schemeClr val="accent5"/>
+                </a:solidFill>
+                <a:latin typeface="Monaco"/>
+                <a:cs typeface="Monaco"/>
+              </a:rPr>
+              <a:t>curve</a:t>
+            </a:r>
+          </a:p>
+          <a:p>
+            <a:r>
+              <a:rPr lang="en-US" dirty="0" smtClean="0">
+                <a:latin typeface="Monaco"/>
+                <a:cs typeface="Monaco"/>
+              </a:rPr>
+              <a:t>	new_grades</a:t>
+            </a:r>
+            <a:r>
+              <a:rPr lang="en-US" dirty="0" smtClean="0">
+                <a:solidFill>
+                  <a:schemeClr val="accent5"/>
+                </a:solidFill>
+                <a:latin typeface="Monaco"/>
+                <a:cs typeface="Monaco"/>
+              </a:rPr>
+              <a:t>.append(new)</a:t>
+            </a:r>
+          </a:p>
+          <a:p>
+            <a:endParaRPr lang="en-US" dirty="0">
+              <a:latin typeface="Monaco"/>
+              <a:cs typeface="Monaco"/>
+            </a:endParaRPr>
+          </a:p>
+          <a:p>
+            <a:r>
+              <a:rPr lang="en-US" dirty="0" smtClean="0">
+                <a:latin typeface="Monaco"/>
+                <a:cs typeface="Monaco"/>
+              </a:rPr>
+              <a:t>print new_grades</a:t>
+            </a:r>
+            <a:endParaRPr lang="en-US" dirty="0">
+              <a:latin typeface="Monaco"/>
+              <a:cs typeface="Monaco"/>
+            </a:endParaRPr>
+          </a:p>
+          <a:p>
+            <a:r>
+              <a:rPr lang="en-US" dirty="0" smtClean="0">
+                <a:latin typeface="Monaco"/>
+                <a:cs typeface="Monaco"/>
+              </a:rPr>
+              <a:t>	</a:t>
+            </a:r>
+            <a:r>
+              <a:rPr lang="en-US" dirty="0">
+                <a:solidFill>
+                  <a:schemeClr val="bg1">
+                    <a:lumMod val="65000"/>
+                  </a:schemeClr>
+                </a:solidFill>
+                <a:latin typeface="Monaco"/>
+                <a:cs typeface="Monaco"/>
+              </a:rPr>
+              <a:t>[</a:t>
+            </a:r>
+            <a:r>
+              <a:rPr lang="en-US" dirty="0" smtClean="0">
+                <a:solidFill>
+                  <a:schemeClr val="bg1">
+                    <a:lumMod val="65000"/>
+                  </a:schemeClr>
+                </a:solidFill>
+                <a:latin typeface="Monaco"/>
+                <a:cs typeface="Monaco"/>
+              </a:rPr>
+              <a:t>96.8, 78.1, </a:t>
+            </a:r>
+            <a:r>
+              <a:rPr lang="en-US" dirty="0">
+                <a:solidFill>
+                  <a:schemeClr val="bg1">
+                    <a:lumMod val="65000"/>
+                  </a:schemeClr>
+                </a:solidFill>
+                <a:latin typeface="Monaco"/>
+                <a:cs typeface="Monaco"/>
+              </a:rPr>
+              <a:t>81.4, </a:t>
+            </a:r>
+            <a:r>
+              <a:rPr lang="en-US" dirty="0" smtClean="0">
+                <a:solidFill>
+                  <a:schemeClr val="bg1">
+                    <a:lumMod val="65000"/>
+                  </a:schemeClr>
+                </a:solidFill>
+                <a:latin typeface="Monaco"/>
+                <a:cs typeface="Monaco"/>
+              </a:rPr>
+              <a:t>91.3, </a:t>
+            </a:r>
+            <a:r>
+              <a:rPr lang="en-US" dirty="0">
+                <a:solidFill>
+                  <a:schemeClr val="bg1">
+                    <a:lumMod val="65000"/>
+                  </a:schemeClr>
+                </a:solidFill>
+                <a:latin typeface="Monaco"/>
+                <a:cs typeface="Monaco"/>
+              </a:rPr>
+              <a:t>62.7, 86.9, </a:t>
+            </a:r>
+            <a:r>
+              <a:rPr lang="en-US" dirty="0" smtClean="0">
+                <a:solidFill>
+                  <a:schemeClr val="bg1">
+                    <a:lumMod val="65000"/>
+                  </a:schemeClr>
+                </a:solidFill>
+                <a:latin typeface="Monaco"/>
+                <a:cs typeface="Monaco"/>
+              </a:rPr>
+              <a:t>72.6]</a:t>
+            </a:r>
+            <a:endParaRPr lang="en-US" dirty="0">
+              <a:solidFill>
+                <a:schemeClr val="bg1">
+                  <a:lumMod val="65000"/>
+                </a:schemeClr>
+              </a:solidFill>
+              <a:latin typeface="Monaco"/>
+              <a:cs typeface="Monaco"/>
+            </a:endParaRPr>
+          </a:p>
+          <a:p>
+            <a:endParaRPr lang="en-US" dirty="0" smtClean="0">
+              <a:latin typeface="Monaco"/>
+              <a:cs typeface="Monaco"/>
+            </a:endParaRPr>
+          </a:p>
+          <a:p>
+            <a:r>
+              <a:rPr lang="en-US" dirty="0">
+                <a:latin typeface="Monaco"/>
+                <a:cs typeface="Monaco"/>
+              </a:rPr>
+              <a:t>	</a:t>
+            </a:r>
+            <a:endParaRPr lang="en-US" dirty="0" smtClean="0">
+              <a:latin typeface="Monaco"/>
+              <a:cs typeface="Monaco"/>
+            </a:endParaRPr>
+          </a:p>
+        </p:txBody>
+      </p:sp>
+    </p:spTree>
+    <p:extLst>
+      <p:ext uri="{BB962C8B-B14F-4D97-AF65-F5344CB8AC3E}">
+        <p14:creationId xmlns:p14="http://schemas.microsoft.com/office/powerpoint/2010/main" val="2641733091"/>
+      </p:ext>
+    </p:extLst>
+  </p:cSld>
+  <p:clrMapOvr>
+    <a:masterClrMapping/>
+  </p:clrMapOvr>
+</p:sld>
+</file>
+
+<file path=ppt/slides/slide44.xml><?xml version="1.0" encoding="utf-8"?>
+<p:sld xmlns:a="http://schemas.openxmlformats.org/drawingml/2006/main" xmlns:r="http://schemas.openxmlformats.org/officeDocument/2006/relationships" xmlns:p="http://schemas.openxmlformats.org/presentationml/2006/main">
+  <p:cSld>
+    <p:spTree>
+      <p:nvGrpSpPr>
+        <p:cNvPr id="1" name=""/>
+        <p:cNvGrpSpPr/>
+        <p:nvPr/>
+      </p:nvGrpSpPr>
+      <p:grpSpPr>
+        <a:xfrm>
+          <a:off x="0" y="0"/>
+          <a:ext cx="0" cy="0"/>
+          <a:chOff x="0" y="0"/>
+          <a:chExt cx="0" cy="0"/>
+        </a:xfrm>
+      </p:grpSpPr>
+      <p:sp>
+        <p:nvSpPr>
+          <p:cNvPr id="2" name="Title 1"/>
+          <p:cNvSpPr>
+            <a:spLocks noGrp="1"/>
+          </p:cNvSpPr>
+          <p:nvPr>
+            <p:ph type="title"/>
+          </p:nvPr>
+        </p:nvSpPr>
+        <p:spPr/>
+        <p:txBody>
+          <a:bodyPr/>
+          <a:lstStyle/>
+          <a:p>
+            <a:r>
+              <a:rPr lang="en-US" dirty="0" smtClean="0"/>
+              <a:t>use a counter variable to keep track of loop</a:t>
+            </a:r>
+            <a:endParaRPr lang="en-US" dirty="0"/>
+          </a:p>
+        </p:txBody>
+      </p:sp>
+      <p:sp>
+        <p:nvSpPr>
+          <p:cNvPr id="4" name="TextBox 3"/>
+          <p:cNvSpPr txBox="1"/>
+          <p:nvPr/>
+        </p:nvSpPr>
+        <p:spPr>
+          <a:xfrm>
+            <a:off x="457199" y="1996025"/>
+            <a:ext cx="3221201" cy="2862323"/>
+          </a:xfrm>
+          <a:prstGeom prst="rect">
+            <a:avLst/>
+          </a:prstGeom>
+          <a:noFill/>
+        </p:spPr>
+        <p:txBody>
+          <a:bodyPr wrap="square" rtlCol="0">
+            <a:spAutoFit/>
+          </a:bodyPr>
+          <a:lstStyle/>
+          <a:p>
+            <a:r>
+              <a:rPr lang="en-US" dirty="0" smtClean="0">
+                <a:latin typeface="Monaco"/>
+                <a:cs typeface="Monaco"/>
+              </a:rPr>
+              <a:t>for grade in grades:</a:t>
+            </a:r>
+          </a:p>
+          <a:p>
+            <a:r>
+              <a:rPr lang="en-US" dirty="0" smtClean="0">
+                <a:latin typeface="Monaco"/>
+                <a:cs typeface="Monaco"/>
+              </a:rPr>
+              <a:t>	print grade * 1.1</a:t>
+            </a:r>
+          </a:p>
+          <a:p>
+            <a:endParaRPr lang="en-US" dirty="0">
+              <a:latin typeface="Monaco"/>
+              <a:cs typeface="Monaco"/>
+            </a:endParaRPr>
+          </a:p>
+          <a:p>
+            <a:r>
+              <a:rPr lang="en-US" dirty="0" smtClean="0">
+                <a:solidFill>
+                  <a:schemeClr val="bg1">
+                    <a:lumMod val="65000"/>
+                  </a:schemeClr>
+                </a:solidFill>
+                <a:latin typeface="Monaco"/>
+                <a:cs typeface="Monaco"/>
+              </a:rPr>
+              <a:t>	</a:t>
+            </a:r>
+            <a:r>
+              <a:rPr lang="en-US" dirty="0">
+                <a:solidFill>
+                  <a:schemeClr val="bg1">
+                    <a:lumMod val="65000"/>
+                  </a:schemeClr>
+                </a:solidFill>
+                <a:latin typeface="Monaco"/>
+                <a:cs typeface="Monaco"/>
+              </a:rPr>
+              <a:t>96.8</a:t>
+            </a:r>
+          </a:p>
+          <a:p>
+            <a:pPr lvl="1"/>
+            <a:r>
+              <a:rPr lang="en-US" dirty="0">
+                <a:solidFill>
+                  <a:schemeClr val="bg1">
+                    <a:lumMod val="65000"/>
+                  </a:schemeClr>
+                </a:solidFill>
+                <a:latin typeface="Monaco"/>
+                <a:cs typeface="Monaco"/>
+              </a:rPr>
+              <a:t>78.1</a:t>
+            </a:r>
+          </a:p>
+          <a:p>
+            <a:pPr lvl="1"/>
+            <a:r>
+              <a:rPr lang="en-US" dirty="0">
+                <a:solidFill>
+                  <a:schemeClr val="bg1">
+                    <a:lumMod val="65000"/>
+                  </a:schemeClr>
+                </a:solidFill>
+                <a:latin typeface="Monaco"/>
+                <a:cs typeface="Monaco"/>
+              </a:rPr>
+              <a:t>81.4</a:t>
+            </a:r>
+          </a:p>
+          <a:p>
+            <a:pPr lvl="1"/>
+            <a:r>
+              <a:rPr lang="en-US" dirty="0">
+                <a:solidFill>
+                  <a:schemeClr val="bg1">
+                    <a:lumMod val="65000"/>
+                  </a:schemeClr>
+                </a:solidFill>
+                <a:latin typeface="Monaco"/>
+                <a:cs typeface="Monaco"/>
+              </a:rPr>
+              <a:t>91.3</a:t>
+            </a:r>
+          </a:p>
+          <a:p>
+            <a:pPr lvl="1"/>
+            <a:r>
+              <a:rPr lang="en-US" dirty="0">
+                <a:solidFill>
+                  <a:schemeClr val="bg1">
+                    <a:lumMod val="65000"/>
+                  </a:schemeClr>
+                </a:solidFill>
+                <a:latin typeface="Monaco"/>
+                <a:cs typeface="Monaco"/>
+              </a:rPr>
+              <a:t>62.7</a:t>
+            </a:r>
+          </a:p>
+          <a:p>
+            <a:pPr lvl="1"/>
+            <a:r>
+              <a:rPr lang="en-US" dirty="0">
+                <a:solidFill>
+                  <a:schemeClr val="bg1">
+                    <a:lumMod val="65000"/>
+                  </a:schemeClr>
+                </a:solidFill>
+                <a:latin typeface="Monaco"/>
+                <a:cs typeface="Monaco"/>
+              </a:rPr>
+              <a:t>86.9</a:t>
+            </a:r>
+          </a:p>
+          <a:p>
+            <a:pPr lvl="1"/>
+            <a:r>
+              <a:rPr lang="en-US" dirty="0" smtClean="0">
+                <a:solidFill>
+                  <a:schemeClr val="bg1">
+                    <a:lumMod val="65000"/>
+                  </a:schemeClr>
+                </a:solidFill>
+                <a:latin typeface="Monaco"/>
+                <a:cs typeface="Monaco"/>
+              </a:rPr>
+              <a:t>72.6</a:t>
+            </a:r>
+            <a:endParaRPr lang="en-US" dirty="0" smtClean="0">
+              <a:latin typeface="Monaco"/>
+              <a:cs typeface="Monaco"/>
+            </a:endParaRPr>
+          </a:p>
+        </p:txBody>
+      </p:sp>
+      <p:sp>
+        <p:nvSpPr>
+          <p:cNvPr id="5" name="TextBox 4"/>
+          <p:cNvSpPr txBox="1"/>
+          <p:nvPr/>
+        </p:nvSpPr>
+        <p:spPr>
+          <a:xfrm>
+            <a:off x="4411026" y="1755154"/>
+            <a:ext cx="4237595" cy="4801315"/>
+          </a:xfrm>
+          <a:prstGeom prst="rect">
+            <a:avLst/>
+          </a:prstGeom>
+          <a:noFill/>
+        </p:spPr>
+        <p:txBody>
+          <a:bodyPr wrap="square" rtlCol="0">
+            <a:spAutoFit/>
+          </a:bodyPr>
+          <a:lstStyle/>
+          <a:p>
+            <a:r>
+              <a:rPr lang="en-US" dirty="0" smtClean="0">
+                <a:solidFill>
+                  <a:srgbClr val="DC5924"/>
+                </a:solidFill>
+                <a:latin typeface="Monaco"/>
+                <a:cs typeface="Monaco"/>
+              </a:rPr>
+              <a:t>i = 0 </a:t>
+            </a:r>
+          </a:p>
+          <a:p>
+            <a:r>
+              <a:rPr lang="en-US" dirty="0" smtClean="0">
+                <a:latin typeface="Monaco"/>
+                <a:cs typeface="Monaco"/>
+              </a:rPr>
+              <a:t>for grade in grades:</a:t>
+            </a:r>
+          </a:p>
+          <a:p>
+            <a:r>
+              <a:rPr lang="en-US" dirty="0">
+                <a:latin typeface="Monaco"/>
+                <a:cs typeface="Monaco"/>
+              </a:rPr>
+              <a:t>	</a:t>
+            </a:r>
+            <a:r>
+              <a:rPr lang="en-US" dirty="0" smtClean="0">
+                <a:latin typeface="Monaco"/>
+                <a:cs typeface="Monaco"/>
+              </a:rPr>
+              <a:t>print "Iteration " + </a:t>
+            </a:r>
+            <a:r>
+              <a:rPr lang="en-US" dirty="0" err="1" smtClean="0">
+                <a:latin typeface="Monaco"/>
+                <a:cs typeface="Monaco"/>
+              </a:rPr>
+              <a:t>str</a:t>
+            </a:r>
+            <a:r>
+              <a:rPr lang="en-US" dirty="0" smtClean="0">
+                <a:latin typeface="Monaco"/>
+                <a:cs typeface="Monaco"/>
+              </a:rPr>
+              <a:t>(i)</a:t>
+            </a:r>
+          </a:p>
+          <a:p>
+            <a:r>
+              <a:rPr lang="en-US" dirty="0" smtClean="0">
+                <a:latin typeface="Monaco"/>
+                <a:cs typeface="Monaco"/>
+              </a:rPr>
+              <a:t>	print grade * 1.1</a:t>
+            </a:r>
+          </a:p>
+          <a:p>
+            <a:r>
+              <a:rPr lang="en-US" dirty="0">
+                <a:solidFill>
+                  <a:srgbClr val="DC5924"/>
+                </a:solidFill>
+                <a:latin typeface="Monaco"/>
+                <a:cs typeface="Monaco"/>
+              </a:rPr>
+              <a:t>	</a:t>
+            </a:r>
+            <a:r>
+              <a:rPr lang="en-US" dirty="0" smtClean="0">
+                <a:solidFill>
+                  <a:srgbClr val="DC5924"/>
+                </a:solidFill>
+                <a:latin typeface="Monaco"/>
+                <a:cs typeface="Monaco"/>
+              </a:rPr>
+              <a:t>i += 1</a:t>
+            </a:r>
+          </a:p>
+          <a:p>
+            <a:endParaRPr lang="en-US" dirty="0">
+              <a:latin typeface="Monaco"/>
+              <a:cs typeface="Monaco"/>
+            </a:endParaRPr>
+          </a:p>
+          <a:p>
+            <a:pPr marL="0" lvl="1"/>
+            <a:r>
+              <a:rPr lang="en-US" dirty="0" smtClean="0">
+                <a:solidFill>
+                  <a:schemeClr val="bg1">
+                    <a:lumMod val="65000"/>
+                  </a:schemeClr>
+                </a:solidFill>
+                <a:latin typeface="Monaco"/>
+                <a:cs typeface="Monaco"/>
+              </a:rPr>
+              <a:t>	</a:t>
+            </a:r>
+            <a:r>
+              <a:rPr lang="en-US" dirty="0">
+                <a:solidFill>
+                  <a:schemeClr val="bg1">
+                    <a:lumMod val="65000"/>
+                  </a:schemeClr>
+                </a:solidFill>
+                <a:latin typeface="Monaco"/>
+                <a:cs typeface="Monaco"/>
+              </a:rPr>
+              <a:t>Iteration </a:t>
+            </a:r>
+            <a:r>
+              <a:rPr lang="en-US" dirty="0" smtClean="0">
+                <a:solidFill>
+                  <a:schemeClr val="bg1">
+                    <a:lumMod val="65000"/>
+                  </a:schemeClr>
+                </a:solidFill>
+                <a:latin typeface="Monaco"/>
+                <a:cs typeface="Monaco"/>
+              </a:rPr>
+              <a:t>0</a:t>
+            </a:r>
+            <a:endParaRPr lang="en-US" dirty="0">
+              <a:solidFill>
+                <a:schemeClr val="bg1">
+                  <a:lumMod val="65000"/>
+                </a:schemeClr>
+              </a:solidFill>
+              <a:latin typeface="Monaco"/>
+              <a:cs typeface="Monaco"/>
+            </a:endParaRPr>
+          </a:p>
+          <a:p>
+            <a:r>
+              <a:rPr lang="en-US" dirty="0" smtClean="0">
+                <a:solidFill>
+                  <a:schemeClr val="bg1">
+                    <a:lumMod val="65000"/>
+                  </a:schemeClr>
+                </a:solidFill>
+                <a:latin typeface="Monaco"/>
+                <a:cs typeface="Monaco"/>
+              </a:rPr>
+              <a:t>	96.8</a:t>
+            </a:r>
+            <a:endParaRPr lang="en-US" dirty="0">
+              <a:solidFill>
+                <a:schemeClr val="bg1">
+                  <a:lumMod val="65000"/>
+                </a:schemeClr>
+              </a:solidFill>
+              <a:latin typeface="Monaco"/>
+              <a:cs typeface="Monaco"/>
+            </a:endParaRPr>
+          </a:p>
+          <a:p>
+            <a:pPr lvl="1"/>
+            <a:r>
+              <a:rPr lang="en-US" dirty="0" smtClean="0">
+                <a:solidFill>
+                  <a:schemeClr val="bg1">
+                    <a:lumMod val="65000"/>
+                  </a:schemeClr>
+                </a:solidFill>
+                <a:latin typeface="Monaco"/>
+                <a:cs typeface="Monaco"/>
+              </a:rPr>
+              <a:t>Iteration 1</a:t>
+            </a:r>
+          </a:p>
+          <a:p>
+            <a:pPr lvl="1"/>
+            <a:r>
+              <a:rPr lang="en-US" dirty="0" smtClean="0">
+                <a:solidFill>
+                  <a:schemeClr val="bg1">
+                    <a:lumMod val="65000"/>
+                  </a:schemeClr>
+                </a:solidFill>
+                <a:latin typeface="Monaco"/>
+                <a:cs typeface="Monaco"/>
+              </a:rPr>
+              <a:t>78.1</a:t>
+            </a:r>
+          </a:p>
+          <a:p>
+            <a:pPr lvl="1"/>
+            <a:r>
+              <a:rPr lang="en-US" dirty="0" smtClean="0">
+                <a:solidFill>
+                  <a:schemeClr val="bg1">
+                    <a:lumMod val="65000"/>
+                  </a:schemeClr>
+                </a:solidFill>
+                <a:latin typeface="Monaco"/>
+                <a:cs typeface="Monaco"/>
+              </a:rPr>
+              <a:t>Iteration 2</a:t>
+            </a:r>
+            <a:endParaRPr lang="en-US" dirty="0">
+              <a:solidFill>
+                <a:schemeClr val="bg1">
+                  <a:lumMod val="65000"/>
+                </a:schemeClr>
+              </a:solidFill>
+              <a:latin typeface="Monaco"/>
+              <a:cs typeface="Monaco"/>
+            </a:endParaRPr>
+          </a:p>
+          <a:p>
+            <a:pPr lvl="1"/>
+            <a:r>
+              <a:rPr lang="en-US" dirty="0" smtClean="0">
+                <a:solidFill>
+                  <a:schemeClr val="bg1">
+                    <a:lumMod val="65000"/>
+                  </a:schemeClr>
+                </a:solidFill>
+                <a:latin typeface="Monaco"/>
+                <a:cs typeface="Monaco"/>
+              </a:rPr>
+              <a:t>81.4</a:t>
+            </a:r>
+          </a:p>
+          <a:p>
+            <a:pPr lvl="1"/>
+            <a:r>
+              <a:rPr lang="en-US" dirty="0" smtClean="0">
+                <a:solidFill>
+                  <a:schemeClr val="bg1">
+                    <a:lumMod val="65000"/>
+                  </a:schemeClr>
+                </a:solidFill>
+                <a:latin typeface="Monaco"/>
+                <a:cs typeface="Monaco"/>
+              </a:rPr>
+              <a:t>Iteration 3</a:t>
+            </a:r>
+          </a:p>
+          <a:p>
+            <a:pPr lvl="1"/>
+            <a:r>
+              <a:rPr lang="en-US" dirty="0" smtClean="0">
+                <a:solidFill>
+                  <a:schemeClr val="bg1">
+                    <a:lumMod val="65000"/>
+                  </a:schemeClr>
+                </a:solidFill>
+                <a:latin typeface="Monaco"/>
+                <a:cs typeface="Monaco"/>
+              </a:rPr>
+              <a:t>91.3</a:t>
+            </a:r>
+          </a:p>
+          <a:p>
+            <a:pPr lvl="1"/>
+            <a:r>
+              <a:rPr lang="en-US" dirty="0" smtClean="0">
+                <a:solidFill>
+                  <a:schemeClr val="bg1">
+                    <a:lumMod val="65000"/>
+                  </a:schemeClr>
+                </a:solidFill>
+                <a:latin typeface="Monaco"/>
+                <a:cs typeface="Monaco"/>
+              </a:rPr>
+              <a:t>Iteration 4</a:t>
+            </a:r>
+          </a:p>
+          <a:p>
+            <a:pPr lvl="1"/>
+            <a:r>
+              <a:rPr lang="en-US" dirty="0" smtClean="0">
+                <a:solidFill>
+                  <a:schemeClr val="bg1">
+                    <a:lumMod val="65000"/>
+                  </a:schemeClr>
+                </a:solidFill>
+                <a:latin typeface="Monaco"/>
+                <a:cs typeface="Monaco"/>
+              </a:rPr>
+              <a:t>62.7</a:t>
+            </a:r>
+          </a:p>
+          <a:p>
+            <a:pPr lvl="1"/>
+            <a:r>
+              <a:rPr lang="en-US" dirty="0" smtClean="0">
+                <a:solidFill>
+                  <a:schemeClr val="bg1">
+                    <a:lumMod val="65000"/>
+                  </a:schemeClr>
+                </a:solidFill>
+                <a:latin typeface="Monaco"/>
+                <a:cs typeface="Monaco"/>
+              </a:rPr>
+              <a:t>...</a:t>
+            </a:r>
+            <a:endParaRPr lang="en-US" dirty="0" smtClean="0">
+              <a:latin typeface="Monaco"/>
+              <a:cs typeface="Monaco"/>
+            </a:endParaRPr>
+          </a:p>
+        </p:txBody>
+      </p:sp>
+    </p:spTree>
+    <p:extLst>
+      <p:ext uri="{BB962C8B-B14F-4D97-AF65-F5344CB8AC3E}">
+        <p14:creationId xmlns:p14="http://schemas.microsoft.com/office/powerpoint/2010/main" val="1644715840"/>
+      </p:ext>
+    </p:extLst>
+  </p:cSld>
+  <p:clrMapOvr>
+    <a:masterClrMapping/>
+  </p:clrMapOvr>
+</p:sld>
+</file>
+
 <file path=ppt/slides/slide45.xml><?xml version="1.0" encoding="utf-8"?>
 <p:sld xmlns:a="http://schemas.openxmlformats.org/drawingml/2006/main" xmlns:r="http://schemas.openxmlformats.org/officeDocument/2006/relationships" xmlns:p="http://schemas.openxmlformats.org/presentationml/2006/main">
   <p:cSld>
@@ -14026,902 +14440,6 @@
           <a:p>
             <a:r>
               <a:rPr lang="en-US" dirty="0" smtClean="0"/>
-              <a:t>but no hard-coding!!!</a:t>
-            </a:r>
-            <a:endParaRPr lang="en-US" dirty="0"/>
-          </a:p>
-        </p:txBody>
-      </p:sp>
-      <p:sp>
-        <p:nvSpPr>
-          <p:cNvPr id="5" name="TextBox 4"/>
-          <p:cNvSpPr txBox="1"/>
-          <p:nvPr/>
-        </p:nvSpPr>
-        <p:spPr>
-          <a:xfrm>
-            <a:off x="1684602" y="1786320"/>
-            <a:ext cx="6542176" cy="5078314"/>
-          </a:xfrm>
-          <a:prstGeom prst="rect">
-            <a:avLst/>
-          </a:prstGeom>
-          <a:noFill/>
-        </p:spPr>
-        <p:txBody>
-          <a:bodyPr wrap="square" rtlCol="0">
-            <a:spAutoFit/>
-          </a:bodyPr>
-          <a:lstStyle/>
-          <a:p>
-            <a:r>
-              <a:rPr lang="en-US" dirty="0" smtClean="0">
-                <a:latin typeface="Monaco"/>
-                <a:cs typeface="Monaco"/>
-              </a:rPr>
-              <a:t># List of grades</a:t>
-            </a:r>
-          </a:p>
-          <a:p>
-            <a:r>
-              <a:rPr lang="en-US" dirty="0" smtClean="0">
-                <a:latin typeface="Monaco"/>
-                <a:cs typeface="Monaco"/>
-              </a:rPr>
-              <a:t>grades = [88, 71, 74, 83, 57, 79, 66]</a:t>
-            </a:r>
-          </a:p>
-          <a:p>
-            <a:endParaRPr lang="en-US" dirty="0">
-              <a:latin typeface="Monaco"/>
-              <a:cs typeface="Monaco"/>
-            </a:endParaRPr>
-          </a:p>
-          <a:p>
-            <a:r>
-              <a:rPr lang="en-US" dirty="0" smtClean="0">
-                <a:latin typeface="Monaco"/>
-                <a:cs typeface="Monaco"/>
-              </a:rPr>
-              <a:t># Empty list of new grades to populate</a:t>
-            </a:r>
-          </a:p>
-          <a:p>
-            <a:r>
-              <a:rPr lang="en-US" dirty="0" smtClean="0">
-                <a:latin typeface="Monaco"/>
-                <a:cs typeface="Monaco"/>
-              </a:rPr>
-              <a:t>new_grades</a:t>
-            </a:r>
-            <a:r>
-              <a:rPr lang="en-US" dirty="0">
-                <a:latin typeface="Monaco"/>
-                <a:cs typeface="Monaco"/>
-              </a:rPr>
-              <a:t> </a:t>
-            </a:r>
-            <a:r>
-              <a:rPr lang="en-US" dirty="0" smtClean="0">
-                <a:latin typeface="Monaco"/>
-                <a:cs typeface="Monaco"/>
-              </a:rPr>
-              <a:t>= []</a:t>
-            </a:r>
-          </a:p>
-          <a:p>
-            <a:endParaRPr lang="en-US" dirty="0">
-              <a:latin typeface="Monaco"/>
-              <a:cs typeface="Monaco"/>
-            </a:endParaRPr>
-          </a:p>
-          <a:p>
-            <a:r>
-              <a:rPr lang="en-US" dirty="0" smtClean="0">
-                <a:latin typeface="Monaco"/>
-                <a:cs typeface="Monaco"/>
-              </a:rPr>
-              <a:t># Curving value</a:t>
-            </a:r>
-          </a:p>
-          <a:p>
-            <a:r>
-              <a:rPr lang="en-US" dirty="0" smtClean="0">
-                <a:latin typeface="Monaco"/>
-                <a:cs typeface="Monaco"/>
-              </a:rPr>
-              <a:t>curve = 1.1</a:t>
-            </a:r>
-          </a:p>
-          <a:p>
-            <a:endParaRPr lang="en-US" dirty="0" smtClean="0">
-              <a:latin typeface="Monaco"/>
-              <a:cs typeface="Monaco"/>
-            </a:endParaRPr>
-          </a:p>
-          <a:p>
-            <a:r>
-              <a:rPr lang="en-US" dirty="0" smtClean="0">
-                <a:latin typeface="Monaco"/>
-                <a:cs typeface="Monaco"/>
-              </a:rPr>
-              <a:t># Loop over the grades and save curved grade</a:t>
-            </a:r>
-          </a:p>
-          <a:p>
-            <a:r>
-              <a:rPr lang="en-US" dirty="0" smtClean="0">
-                <a:latin typeface="Monaco"/>
-                <a:cs typeface="Monaco"/>
-              </a:rPr>
-              <a:t>for grade in grades:</a:t>
-            </a:r>
-          </a:p>
-          <a:p>
-            <a:r>
-              <a:rPr lang="en-US" dirty="0" smtClean="0">
-                <a:latin typeface="Monaco"/>
-                <a:cs typeface="Monaco"/>
-              </a:rPr>
-              <a:t>	new = grade * </a:t>
-            </a:r>
-            <a:r>
-              <a:rPr lang="en-US" dirty="0" smtClean="0">
-                <a:solidFill>
-                  <a:schemeClr val="accent5"/>
-                </a:solidFill>
-                <a:latin typeface="Monaco"/>
-                <a:cs typeface="Monaco"/>
-              </a:rPr>
-              <a:t>curve</a:t>
-            </a:r>
-          </a:p>
-          <a:p>
-            <a:r>
-              <a:rPr lang="en-US" dirty="0" smtClean="0">
-                <a:latin typeface="Monaco"/>
-                <a:cs typeface="Monaco"/>
-              </a:rPr>
-              <a:t>	new_grades</a:t>
-            </a:r>
-            <a:r>
-              <a:rPr lang="en-US" dirty="0" smtClean="0">
-                <a:solidFill>
-                  <a:schemeClr val="accent5"/>
-                </a:solidFill>
-                <a:latin typeface="Monaco"/>
-                <a:cs typeface="Monaco"/>
-              </a:rPr>
-              <a:t>.append(new)</a:t>
-            </a:r>
-          </a:p>
-          <a:p>
-            <a:endParaRPr lang="en-US" dirty="0">
-              <a:latin typeface="Monaco"/>
-              <a:cs typeface="Monaco"/>
-            </a:endParaRPr>
-          </a:p>
-          <a:p>
-            <a:r>
-              <a:rPr lang="en-US" dirty="0" smtClean="0">
-                <a:latin typeface="Monaco"/>
-                <a:cs typeface="Monaco"/>
-              </a:rPr>
-              <a:t>print new_grades</a:t>
-            </a:r>
-            <a:endParaRPr lang="en-US" dirty="0">
-              <a:latin typeface="Monaco"/>
-              <a:cs typeface="Monaco"/>
-            </a:endParaRPr>
-          </a:p>
-          <a:p>
-            <a:r>
-              <a:rPr lang="en-US" dirty="0" smtClean="0">
-                <a:latin typeface="Monaco"/>
-                <a:cs typeface="Monaco"/>
-              </a:rPr>
-              <a:t>	</a:t>
-            </a:r>
-            <a:r>
-              <a:rPr lang="en-US" dirty="0">
-                <a:solidFill>
-                  <a:schemeClr val="bg1">
-                    <a:lumMod val="65000"/>
-                  </a:schemeClr>
-                </a:solidFill>
-                <a:latin typeface="Monaco"/>
-                <a:cs typeface="Monaco"/>
-              </a:rPr>
-              <a:t>[</a:t>
-            </a:r>
-            <a:r>
-              <a:rPr lang="en-US" dirty="0" smtClean="0">
-                <a:solidFill>
-                  <a:schemeClr val="bg1">
-                    <a:lumMod val="65000"/>
-                  </a:schemeClr>
-                </a:solidFill>
-                <a:latin typeface="Monaco"/>
-                <a:cs typeface="Monaco"/>
-              </a:rPr>
-              <a:t>96.8, 78.1, </a:t>
-            </a:r>
-            <a:r>
-              <a:rPr lang="en-US" dirty="0">
-                <a:solidFill>
-                  <a:schemeClr val="bg1">
-                    <a:lumMod val="65000"/>
-                  </a:schemeClr>
-                </a:solidFill>
-                <a:latin typeface="Monaco"/>
-                <a:cs typeface="Monaco"/>
-              </a:rPr>
-              <a:t>81.4, </a:t>
-            </a:r>
-            <a:r>
-              <a:rPr lang="en-US" dirty="0" smtClean="0">
-                <a:solidFill>
-                  <a:schemeClr val="bg1">
-                    <a:lumMod val="65000"/>
-                  </a:schemeClr>
-                </a:solidFill>
-                <a:latin typeface="Monaco"/>
-                <a:cs typeface="Monaco"/>
-              </a:rPr>
-              <a:t>91.3, </a:t>
-            </a:r>
-            <a:r>
-              <a:rPr lang="en-US" dirty="0">
-                <a:solidFill>
-                  <a:schemeClr val="bg1">
-                    <a:lumMod val="65000"/>
-                  </a:schemeClr>
-                </a:solidFill>
-                <a:latin typeface="Monaco"/>
-                <a:cs typeface="Monaco"/>
-              </a:rPr>
-              <a:t>62.7, 86.9, </a:t>
-            </a:r>
-            <a:r>
-              <a:rPr lang="en-US" dirty="0" smtClean="0">
-                <a:solidFill>
-                  <a:schemeClr val="bg1">
-                    <a:lumMod val="65000"/>
-                  </a:schemeClr>
-                </a:solidFill>
-                <a:latin typeface="Monaco"/>
-                <a:cs typeface="Monaco"/>
-              </a:rPr>
-              <a:t>72.6]</a:t>
-            </a:r>
-            <a:endParaRPr lang="en-US" dirty="0">
-              <a:solidFill>
-                <a:schemeClr val="bg1">
-                  <a:lumMod val="65000"/>
-                </a:schemeClr>
-              </a:solidFill>
-              <a:latin typeface="Monaco"/>
-              <a:cs typeface="Monaco"/>
-            </a:endParaRPr>
-          </a:p>
-          <a:p>
-            <a:endParaRPr lang="en-US" dirty="0" smtClean="0">
-              <a:latin typeface="Monaco"/>
-              <a:cs typeface="Monaco"/>
-            </a:endParaRPr>
-          </a:p>
-          <a:p>
-            <a:r>
-              <a:rPr lang="en-US" dirty="0">
-                <a:latin typeface="Monaco"/>
-                <a:cs typeface="Monaco"/>
-              </a:rPr>
-              <a:t>	</a:t>
-            </a:r>
-            <a:endParaRPr lang="en-US" dirty="0" smtClean="0">
-              <a:latin typeface="Monaco"/>
-              <a:cs typeface="Monaco"/>
-            </a:endParaRPr>
-          </a:p>
-        </p:txBody>
-      </p:sp>
-    </p:spTree>
-    <p:extLst>
-      <p:ext uri="{BB962C8B-B14F-4D97-AF65-F5344CB8AC3E}">
-        <p14:creationId xmlns:p14="http://schemas.microsoft.com/office/powerpoint/2010/main" val="2641733091"/>
-      </p:ext>
-    </p:extLst>
-  </p:cSld>
-  <p:clrMapOvr>
-    <a:masterClrMapping/>
-  </p:clrMapOvr>
-</p:sld>
-</file>
-
-<file path=ppt/slides/slide46.xml><?xml version="1.0" encoding="utf-8"?>
-<p:sld xmlns:a="http://schemas.openxmlformats.org/drawingml/2006/main" xmlns:r="http://schemas.openxmlformats.org/officeDocument/2006/relationships" xmlns:p="http://schemas.openxmlformats.org/presentationml/2006/main">
-  <p:cSld>
-    <p:spTree>
-      <p:nvGrpSpPr>
-        <p:cNvPr id="1" name=""/>
-        <p:cNvGrpSpPr/>
-        <p:nvPr/>
-      </p:nvGrpSpPr>
-      <p:grpSpPr>
-        <a:xfrm>
-          <a:off x="0" y="0"/>
-          <a:ext cx="0" cy="0"/>
-          <a:chOff x="0" y="0"/>
-          <a:chExt cx="0" cy="0"/>
-        </a:xfrm>
-      </p:grpSpPr>
-      <p:sp>
-        <p:nvSpPr>
-          <p:cNvPr id="2" name="Title 1"/>
-          <p:cNvSpPr>
-            <a:spLocks noGrp="1"/>
-          </p:cNvSpPr>
-          <p:nvPr>
-            <p:ph type="title"/>
-          </p:nvPr>
-        </p:nvSpPr>
-        <p:spPr/>
-        <p:txBody>
-          <a:bodyPr/>
-          <a:lstStyle/>
-          <a:p>
-            <a:r>
-              <a:rPr lang="en-US" dirty="0" smtClean="0"/>
-              <a:t>use a counter variable to keep track of loop</a:t>
-            </a:r>
-            <a:endParaRPr lang="en-US" dirty="0"/>
-          </a:p>
-        </p:txBody>
-      </p:sp>
-      <p:sp>
-        <p:nvSpPr>
-          <p:cNvPr id="4" name="TextBox 3"/>
-          <p:cNvSpPr txBox="1"/>
-          <p:nvPr/>
-        </p:nvSpPr>
-        <p:spPr>
-          <a:xfrm>
-            <a:off x="457199" y="1996025"/>
-            <a:ext cx="3221201" cy="2862323"/>
-          </a:xfrm>
-          <a:prstGeom prst="rect">
-            <a:avLst/>
-          </a:prstGeom>
-          <a:noFill/>
-        </p:spPr>
-        <p:txBody>
-          <a:bodyPr wrap="square" rtlCol="0">
-            <a:spAutoFit/>
-          </a:bodyPr>
-          <a:lstStyle/>
-          <a:p>
-            <a:r>
-              <a:rPr lang="en-US" dirty="0" smtClean="0">
-                <a:latin typeface="Monaco"/>
-                <a:cs typeface="Monaco"/>
-              </a:rPr>
-              <a:t>for grade in grades:</a:t>
-            </a:r>
-          </a:p>
-          <a:p>
-            <a:r>
-              <a:rPr lang="en-US" dirty="0" smtClean="0">
-                <a:latin typeface="Monaco"/>
-                <a:cs typeface="Monaco"/>
-              </a:rPr>
-              <a:t>	print grade * 1.1</a:t>
-            </a:r>
-          </a:p>
-          <a:p>
-            <a:endParaRPr lang="en-US" dirty="0">
-              <a:latin typeface="Monaco"/>
-              <a:cs typeface="Monaco"/>
-            </a:endParaRPr>
-          </a:p>
-          <a:p>
-            <a:r>
-              <a:rPr lang="en-US" dirty="0" smtClean="0">
-                <a:solidFill>
-                  <a:schemeClr val="bg1">
-                    <a:lumMod val="65000"/>
-                  </a:schemeClr>
-                </a:solidFill>
-                <a:latin typeface="Monaco"/>
-                <a:cs typeface="Monaco"/>
-              </a:rPr>
-              <a:t>	</a:t>
-            </a:r>
-            <a:r>
-              <a:rPr lang="en-US" dirty="0">
-                <a:solidFill>
-                  <a:schemeClr val="bg1">
-                    <a:lumMod val="65000"/>
-                  </a:schemeClr>
-                </a:solidFill>
-                <a:latin typeface="Monaco"/>
-                <a:cs typeface="Monaco"/>
-              </a:rPr>
-              <a:t>96.8</a:t>
-            </a:r>
-          </a:p>
-          <a:p>
-            <a:pPr lvl="1"/>
-            <a:r>
-              <a:rPr lang="en-US" dirty="0">
-                <a:solidFill>
-                  <a:schemeClr val="bg1">
-                    <a:lumMod val="65000"/>
-                  </a:schemeClr>
-                </a:solidFill>
-                <a:latin typeface="Monaco"/>
-                <a:cs typeface="Monaco"/>
-              </a:rPr>
-              <a:t>78.1</a:t>
-            </a:r>
-          </a:p>
-          <a:p>
-            <a:pPr lvl="1"/>
-            <a:r>
-              <a:rPr lang="en-US" dirty="0">
-                <a:solidFill>
-                  <a:schemeClr val="bg1">
-                    <a:lumMod val="65000"/>
-                  </a:schemeClr>
-                </a:solidFill>
-                <a:latin typeface="Monaco"/>
-                <a:cs typeface="Monaco"/>
-              </a:rPr>
-              <a:t>81.4</a:t>
-            </a:r>
-          </a:p>
-          <a:p>
-            <a:pPr lvl="1"/>
-            <a:r>
-              <a:rPr lang="en-US" dirty="0">
-                <a:solidFill>
-                  <a:schemeClr val="bg1">
-                    <a:lumMod val="65000"/>
-                  </a:schemeClr>
-                </a:solidFill>
-                <a:latin typeface="Monaco"/>
-                <a:cs typeface="Monaco"/>
-              </a:rPr>
-              <a:t>91.3</a:t>
-            </a:r>
-          </a:p>
-          <a:p>
-            <a:pPr lvl="1"/>
-            <a:r>
-              <a:rPr lang="en-US" dirty="0">
-                <a:solidFill>
-                  <a:schemeClr val="bg1">
-                    <a:lumMod val="65000"/>
-                  </a:schemeClr>
-                </a:solidFill>
-                <a:latin typeface="Monaco"/>
-                <a:cs typeface="Monaco"/>
-              </a:rPr>
-              <a:t>62.7</a:t>
-            </a:r>
-          </a:p>
-          <a:p>
-            <a:pPr lvl="1"/>
-            <a:r>
-              <a:rPr lang="en-US" dirty="0">
-                <a:solidFill>
-                  <a:schemeClr val="bg1">
-                    <a:lumMod val="65000"/>
-                  </a:schemeClr>
-                </a:solidFill>
-                <a:latin typeface="Monaco"/>
-                <a:cs typeface="Monaco"/>
-              </a:rPr>
-              <a:t>86.9</a:t>
-            </a:r>
-          </a:p>
-          <a:p>
-            <a:pPr lvl="1"/>
-            <a:r>
-              <a:rPr lang="en-US" dirty="0" smtClean="0">
-                <a:solidFill>
-                  <a:schemeClr val="bg1">
-                    <a:lumMod val="65000"/>
-                  </a:schemeClr>
-                </a:solidFill>
-                <a:latin typeface="Monaco"/>
-                <a:cs typeface="Monaco"/>
-              </a:rPr>
-              <a:t>72.6</a:t>
-            </a:r>
-            <a:endParaRPr lang="en-US" dirty="0" smtClean="0">
-              <a:latin typeface="Monaco"/>
-              <a:cs typeface="Monaco"/>
-            </a:endParaRPr>
-          </a:p>
-        </p:txBody>
-      </p:sp>
-      <p:sp>
-        <p:nvSpPr>
-          <p:cNvPr id="5" name="TextBox 4"/>
-          <p:cNvSpPr txBox="1"/>
-          <p:nvPr/>
-        </p:nvSpPr>
-        <p:spPr>
-          <a:xfrm>
-            <a:off x="4411026" y="1755154"/>
-            <a:ext cx="4237595" cy="4801315"/>
-          </a:xfrm>
-          <a:prstGeom prst="rect">
-            <a:avLst/>
-          </a:prstGeom>
-          <a:noFill/>
-        </p:spPr>
-        <p:txBody>
-          <a:bodyPr wrap="square" rtlCol="0">
-            <a:spAutoFit/>
-          </a:bodyPr>
-          <a:lstStyle/>
-          <a:p>
-            <a:r>
-              <a:rPr lang="en-US" dirty="0" smtClean="0">
-                <a:solidFill>
-                  <a:srgbClr val="DC5924"/>
-                </a:solidFill>
-                <a:latin typeface="Monaco"/>
-                <a:cs typeface="Monaco"/>
-              </a:rPr>
-              <a:t>i = 0 </a:t>
-            </a:r>
-          </a:p>
-          <a:p>
-            <a:r>
-              <a:rPr lang="en-US" dirty="0" smtClean="0">
-                <a:latin typeface="Monaco"/>
-                <a:cs typeface="Monaco"/>
-              </a:rPr>
-              <a:t>for grade in grades:</a:t>
-            </a:r>
-          </a:p>
-          <a:p>
-            <a:r>
-              <a:rPr lang="en-US" dirty="0">
-                <a:latin typeface="Monaco"/>
-                <a:cs typeface="Monaco"/>
-              </a:rPr>
-              <a:t>	</a:t>
-            </a:r>
-            <a:r>
-              <a:rPr lang="en-US" dirty="0" smtClean="0">
-                <a:latin typeface="Monaco"/>
-                <a:cs typeface="Monaco"/>
-              </a:rPr>
-              <a:t>print "Iteration " + </a:t>
-            </a:r>
-            <a:r>
-              <a:rPr lang="en-US" dirty="0" err="1" smtClean="0">
-                <a:latin typeface="Monaco"/>
-                <a:cs typeface="Monaco"/>
-              </a:rPr>
-              <a:t>str</a:t>
-            </a:r>
-            <a:r>
-              <a:rPr lang="en-US" dirty="0" smtClean="0">
-                <a:latin typeface="Monaco"/>
-                <a:cs typeface="Monaco"/>
-              </a:rPr>
-              <a:t>(i)</a:t>
-            </a:r>
-          </a:p>
-          <a:p>
-            <a:r>
-              <a:rPr lang="en-US" dirty="0" smtClean="0">
-                <a:latin typeface="Monaco"/>
-                <a:cs typeface="Monaco"/>
-              </a:rPr>
-              <a:t>	print grade * 1.1</a:t>
-            </a:r>
-          </a:p>
-          <a:p>
-            <a:r>
-              <a:rPr lang="en-US" dirty="0">
-                <a:solidFill>
-                  <a:srgbClr val="DC5924"/>
-                </a:solidFill>
-                <a:latin typeface="Monaco"/>
-                <a:cs typeface="Monaco"/>
-              </a:rPr>
-              <a:t>	</a:t>
-            </a:r>
-            <a:r>
-              <a:rPr lang="en-US" dirty="0" smtClean="0">
-                <a:solidFill>
-                  <a:srgbClr val="DC5924"/>
-                </a:solidFill>
-                <a:latin typeface="Monaco"/>
-                <a:cs typeface="Monaco"/>
-              </a:rPr>
-              <a:t>i += 1</a:t>
-            </a:r>
-          </a:p>
-          <a:p>
-            <a:endParaRPr lang="en-US" dirty="0">
-              <a:latin typeface="Monaco"/>
-              <a:cs typeface="Monaco"/>
-            </a:endParaRPr>
-          </a:p>
-          <a:p>
-            <a:pPr marL="0" lvl="1"/>
-            <a:r>
-              <a:rPr lang="en-US" dirty="0" smtClean="0">
-                <a:solidFill>
-                  <a:schemeClr val="bg1">
-                    <a:lumMod val="65000"/>
-                  </a:schemeClr>
-                </a:solidFill>
-                <a:latin typeface="Monaco"/>
-                <a:cs typeface="Monaco"/>
-              </a:rPr>
-              <a:t>	</a:t>
-            </a:r>
-            <a:r>
-              <a:rPr lang="en-US" dirty="0">
-                <a:solidFill>
-                  <a:schemeClr val="bg1">
-                    <a:lumMod val="65000"/>
-                  </a:schemeClr>
-                </a:solidFill>
-                <a:latin typeface="Monaco"/>
-                <a:cs typeface="Monaco"/>
-              </a:rPr>
-              <a:t>Iteration </a:t>
-            </a:r>
-            <a:r>
-              <a:rPr lang="en-US" dirty="0" smtClean="0">
-                <a:solidFill>
-                  <a:schemeClr val="bg1">
-                    <a:lumMod val="65000"/>
-                  </a:schemeClr>
-                </a:solidFill>
-                <a:latin typeface="Monaco"/>
-                <a:cs typeface="Monaco"/>
-              </a:rPr>
-              <a:t>0</a:t>
-            </a:r>
-            <a:endParaRPr lang="en-US" dirty="0">
-              <a:solidFill>
-                <a:schemeClr val="bg1">
-                  <a:lumMod val="65000"/>
-                </a:schemeClr>
-              </a:solidFill>
-              <a:latin typeface="Monaco"/>
-              <a:cs typeface="Monaco"/>
-            </a:endParaRPr>
-          </a:p>
-          <a:p>
-            <a:r>
-              <a:rPr lang="en-US" dirty="0" smtClean="0">
-                <a:solidFill>
-                  <a:schemeClr val="bg1">
-                    <a:lumMod val="65000"/>
-                  </a:schemeClr>
-                </a:solidFill>
-                <a:latin typeface="Monaco"/>
-                <a:cs typeface="Monaco"/>
-              </a:rPr>
-              <a:t>	96.8</a:t>
-            </a:r>
-            <a:endParaRPr lang="en-US" dirty="0">
-              <a:solidFill>
-                <a:schemeClr val="bg1">
-                  <a:lumMod val="65000"/>
-                </a:schemeClr>
-              </a:solidFill>
-              <a:latin typeface="Monaco"/>
-              <a:cs typeface="Monaco"/>
-            </a:endParaRPr>
-          </a:p>
-          <a:p>
-            <a:pPr lvl="1"/>
-            <a:r>
-              <a:rPr lang="en-US" dirty="0" smtClean="0">
-                <a:solidFill>
-                  <a:schemeClr val="bg1">
-                    <a:lumMod val="65000"/>
-                  </a:schemeClr>
-                </a:solidFill>
-                <a:latin typeface="Monaco"/>
-                <a:cs typeface="Monaco"/>
-              </a:rPr>
-              <a:t>Iteration 1</a:t>
-            </a:r>
-          </a:p>
-          <a:p>
-            <a:pPr lvl="1"/>
-            <a:r>
-              <a:rPr lang="en-US" dirty="0" smtClean="0">
-                <a:solidFill>
-                  <a:schemeClr val="bg1">
-                    <a:lumMod val="65000"/>
-                  </a:schemeClr>
-                </a:solidFill>
-                <a:latin typeface="Monaco"/>
-                <a:cs typeface="Monaco"/>
-              </a:rPr>
-              <a:t>78.1</a:t>
-            </a:r>
-          </a:p>
-          <a:p>
-            <a:pPr lvl="1"/>
-            <a:r>
-              <a:rPr lang="en-US" dirty="0" smtClean="0">
-                <a:solidFill>
-                  <a:schemeClr val="bg1">
-                    <a:lumMod val="65000"/>
-                  </a:schemeClr>
-                </a:solidFill>
-                <a:latin typeface="Monaco"/>
-                <a:cs typeface="Monaco"/>
-              </a:rPr>
-              <a:t>Iteration 2</a:t>
-            </a:r>
-            <a:endParaRPr lang="en-US" dirty="0">
-              <a:solidFill>
-                <a:schemeClr val="bg1">
-                  <a:lumMod val="65000"/>
-                </a:schemeClr>
-              </a:solidFill>
-              <a:latin typeface="Monaco"/>
-              <a:cs typeface="Monaco"/>
-            </a:endParaRPr>
-          </a:p>
-          <a:p>
-            <a:pPr lvl="1"/>
-            <a:r>
-              <a:rPr lang="en-US" dirty="0" smtClean="0">
-                <a:solidFill>
-                  <a:schemeClr val="bg1">
-                    <a:lumMod val="65000"/>
-                  </a:schemeClr>
-                </a:solidFill>
-                <a:latin typeface="Monaco"/>
-                <a:cs typeface="Monaco"/>
-              </a:rPr>
-              <a:t>81.4</a:t>
-            </a:r>
-          </a:p>
-          <a:p>
-            <a:pPr lvl="1"/>
-            <a:r>
-              <a:rPr lang="en-US" dirty="0" smtClean="0">
-                <a:solidFill>
-                  <a:schemeClr val="bg1">
-                    <a:lumMod val="65000"/>
-                  </a:schemeClr>
-                </a:solidFill>
-                <a:latin typeface="Monaco"/>
-                <a:cs typeface="Monaco"/>
-              </a:rPr>
-              <a:t>Iteration 3</a:t>
-            </a:r>
-          </a:p>
-          <a:p>
-            <a:pPr lvl="1"/>
-            <a:r>
-              <a:rPr lang="en-US" dirty="0" smtClean="0">
-                <a:solidFill>
-                  <a:schemeClr val="bg1">
-                    <a:lumMod val="65000"/>
-                  </a:schemeClr>
-                </a:solidFill>
-                <a:latin typeface="Monaco"/>
-                <a:cs typeface="Monaco"/>
-              </a:rPr>
-              <a:t>91.3</a:t>
-            </a:r>
-          </a:p>
-          <a:p>
-            <a:pPr lvl="1"/>
-            <a:r>
-              <a:rPr lang="en-US" dirty="0" smtClean="0">
-                <a:solidFill>
-                  <a:schemeClr val="bg1">
-                    <a:lumMod val="65000"/>
-                  </a:schemeClr>
-                </a:solidFill>
-                <a:latin typeface="Monaco"/>
-                <a:cs typeface="Monaco"/>
-              </a:rPr>
-              <a:t>Iteration 4</a:t>
-            </a:r>
-          </a:p>
-          <a:p>
-            <a:pPr lvl="1"/>
-            <a:r>
-              <a:rPr lang="en-US" dirty="0" smtClean="0">
-                <a:solidFill>
-                  <a:schemeClr val="bg1">
-                    <a:lumMod val="65000"/>
-                  </a:schemeClr>
-                </a:solidFill>
-                <a:latin typeface="Monaco"/>
-                <a:cs typeface="Monaco"/>
-              </a:rPr>
-              <a:t>62.7</a:t>
-            </a:r>
-          </a:p>
-          <a:p>
-            <a:pPr lvl="1"/>
-            <a:r>
-              <a:rPr lang="en-US" dirty="0" smtClean="0">
-                <a:solidFill>
-                  <a:schemeClr val="bg1">
-                    <a:lumMod val="65000"/>
-                  </a:schemeClr>
-                </a:solidFill>
-                <a:latin typeface="Monaco"/>
-                <a:cs typeface="Monaco"/>
-              </a:rPr>
-              <a:t>...</a:t>
-            </a:r>
-            <a:endParaRPr lang="en-US" dirty="0" smtClean="0">
-              <a:latin typeface="Monaco"/>
-              <a:cs typeface="Monaco"/>
-            </a:endParaRPr>
-          </a:p>
-        </p:txBody>
-      </p:sp>
-    </p:spTree>
-    <p:extLst>
-      <p:ext uri="{BB962C8B-B14F-4D97-AF65-F5344CB8AC3E}">
-        <p14:creationId xmlns:p14="http://schemas.microsoft.com/office/powerpoint/2010/main" val="1644715840"/>
-      </p:ext>
-    </p:extLst>
-  </p:cSld>
-  <p:clrMapOvr>
-    <a:masterClrMapping/>
-  </p:clrMapOvr>
-</p:sld>
-</file>
-
-<file path=ppt/slides/slide47.xml><?xml version="1.0" encoding="utf-8"?>
-<p:sld xmlns:a="http://schemas.openxmlformats.org/drawingml/2006/main" xmlns:r="http://schemas.openxmlformats.org/officeDocument/2006/relationships" xmlns:p="http://schemas.openxmlformats.org/presentationml/2006/main">
-  <p:cSld>
-    <p:spTree>
-      <p:nvGrpSpPr>
-        <p:cNvPr id="1" name=""/>
-        <p:cNvGrpSpPr/>
-        <p:nvPr/>
-      </p:nvGrpSpPr>
-      <p:grpSpPr>
-        <a:xfrm>
-          <a:off x="0" y="0"/>
-          <a:ext cx="0" cy="0"/>
-          <a:chOff x="0" y="0"/>
-          <a:chExt cx="0" cy="0"/>
-        </a:xfrm>
-      </p:grpSpPr>
-      <p:sp>
-        <p:nvSpPr>
-          <p:cNvPr id="2" name="Title 1"/>
-          <p:cNvSpPr>
-            <a:spLocks noGrp="1"/>
-          </p:cNvSpPr>
-          <p:nvPr>
-            <p:ph type="title"/>
-          </p:nvPr>
-        </p:nvSpPr>
-        <p:spPr/>
-        <p:txBody>
-          <a:bodyPr/>
-          <a:lstStyle/>
-          <a:p>
-            <a:r>
-              <a:rPr lang="en-US" dirty="0" smtClean="0"/>
               <a:t>iterating a certain number of times</a:t>
             </a:r>
             <a:endParaRPr lang="en-US" dirty="0"/>
@@ -15142,7 +14660,7 @@
 </p:sld>
 </file>
 
-<file path=ppt/slides/slide48.xml><?xml version="1.0" encoding="utf-8"?>
+<file path=ppt/slides/slide46.xml><?xml version="1.0" encoding="utf-8"?>
 <p:sld xmlns:a="http://schemas.openxmlformats.org/drawingml/2006/main" xmlns:r="http://schemas.openxmlformats.org/officeDocument/2006/relationships" xmlns:p="http://schemas.openxmlformats.org/presentationml/2006/main">
   <p:cSld>
     <p:spTree>
@@ -15479,6 +14997,705 @@
 </p:sld>
 </file>
 
+<file path=ppt/slides/slide47.xml><?xml version="1.0" encoding="utf-8"?>
+<p:sld xmlns:a="http://schemas.openxmlformats.org/drawingml/2006/main" xmlns:r="http://schemas.openxmlformats.org/officeDocument/2006/relationships" xmlns:p="http://schemas.openxmlformats.org/presentationml/2006/main">
+  <p:cSld>
+    <p:spTree>
+      <p:nvGrpSpPr>
+        <p:cNvPr id="1" name=""/>
+        <p:cNvGrpSpPr/>
+        <p:nvPr/>
+      </p:nvGrpSpPr>
+      <p:grpSpPr>
+        <a:xfrm>
+          <a:off x="0" y="0"/>
+          <a:ext cx="0" cy="0"/>
+          <a:chOff x="0" y="0"/>
+          <a:chExt cx="0" cy="0"/>
+        </a:xfrm>
+      </p:grpSpPr>
+      <p:sp>
+        <p:nvSpPr>
+          <p:cNvPr id="2" name="Title 1"/>
+          <p:cNvSpPr>
+            <a:spLocks noGrp="1"/>
+          </p:cNvSpPr>
+          <p:nvPr>
+            <p:ph type="title"/>
+          </p:nvPr>
+        </p:nvSpPr>
+        <p:spPr/>
+        <p:txBody>
+          <a:bodyPr/>
+          <a:lstStyle/>
+          <a:p>
+            <a:r>
+              <a:rPr lang="en-US" dirty="0" smtClean="0"/>
+              <a:t>iterating a certain number of times</a:t>
+            </a:r>
+            <a:endParaRPr lang="en-US" dirty="0"/>
+          </a:p>
+        </p:txBody>
+      </p:sp>
+      <p:sp>
+        <p:nvSpPr>
+          <p:cNvPr id="5" name="TextBox 4"/>
+          <p:cNvSpPr txBox="1"/>
+          <p:nvPr/>
+        </p:nvSpPr>
+        <p:spPr>
+          <a:xfrm>
+            <a:off x="558329" y="2806230"/>
+            <a:ext cx="3221201" cy="2862323"/>
+          </a:xfrm>
+          <a:prstGeom prst="rect">
+            <a:avLst/>
+          </a:prstGeom>
+          <a:noFill/>
+        </p:spPr>
+        <p:txBody>
+          <a:bodyPr wrap="square" rtlCol="0">
+            <a:spAutoFit/>
+          </a:bodyPr>
+          <a:lstStyle/>
+          <a:p>
+            <a:r>
+              <a:rPr lang="en-US" dirty="0" smtClean="0">
+                <a:latin typeface="Monaco"/>
+                <a:cs typeface="Monaco"/>
+              </a:rPr>
+              <a:t>for grade in grades:</a:t>
+            </a:r>
+          </a:p>
+          <a:p>
+            <a:r>
+              <a:rPr lang="en-US" dirty="0" smtClean="0">
+                <a:latin typeface="Monaco"/>
+                <a:cs typeface="Monaco"/>
+              </a:rPr>
+              <a:t>	print grade * 1.1</a:t>
+            </a:r>
+          </a:p>
+          <a:p>
+            <a:endParaRPr lang="en-US" dirty="0">
+              <a:latin typeface="Monaco"/>
+              <a:cs typeface="Monaco"/>
+            </a:endParaRPr>
+          </a:p>
+          <a:p>
+            <a:r>
+              <a:rPr lang="en-US" dirty="0" smtClean="0">
+                <a:solidFill>
+                  <a:schemeClr val="bg1">
+                    <a:lumMod val="65000"/>
+                  </a:schemeClr>
+                </a:solidFill>
+                <a:latin typeface="Monaco"/>
+                <a:cs typeface="Monaco"/>
+              </a:rPr>
+              <a:t>	</a:t>
+            </a:r>
+            <a:r>
+              <a:rPr lang="en-US" dirty="0">
+                <a:solidFill>
+                  <a:schemeClr val="bg1">
+                    <a:lumMod val="65000"/>
+                  </a:schemeClr>
+                </a:solidFill>
+                <a:latin typeface="Monaco"/>
+                <a:cs typeface="Monaco"/>
+              </a:rPr>
+              <a:t>96.8</a:t>
+            </a:r>
+          </a:p>
+          <a:p>
+            <a:pPr lvl="1"/>
+            <a:r>
+              <a:rPr lang="en-US" dirty="0">
+                <a:solidFill>
+                  <a:schemeClr val="bg1">
+                    <a:lumMod val="65000"/>
+                  </a:schemeClr>
+                </a:solidFill>
+                <a:latin typeface="Monaco"/>
+                <a:cs typeface="Monaco"/>
+              </a:rPr>
+              <a:t>78.1</a:t>
+            </a:r>
+          </a:p>
+          <a:p>
+            <a:pPr lvl="1"/>
+            <a:r>
+              <a:rPr lang="en-US" dirty="0">
+                <a:solidFill>
+                  <a:schemeClr val="bg1">
+                    <a:lumMod val="65000"/>
+                  </a:schemeClr>
+                </a:solidFill>
+                <a:latin typeface="Monaco"/>
+                <a:cs typeface="Monaco"/>
+              </a:rPr>
+              <a:t>81.4</a:t>
+            </a:r>
+          </a:p>
+          <a:p>
+            <a:pPr lvl="1"/>
+            <a:r>
+              <a:rPr lang="en-US" dirty="0">
+                <a:solidFill>
+                  <a:schemeClr val="bg1">
+                    <a:lumMod val="65000"/>
+                  </a:schemeClr>
+                </a:solidFill>
+                <a:latin typeface="Monaco"/>
+                <a:cs typeface="Monaco"/>
+              </a:rPr>
+              <a:t>91.3</a:t>
+            </a:r>
+          </a:p>
+          <a:p>
+            <a:pPr lvl="1"/>
+            <a:r>
+              <a:rPr lang="en-US" dirty="0">
+                <a:solidFill>
+                  <a:schemeClr val="bg1">
+                    <a:lumMod val="65000"/>
+                  </a:schemeClr>
+                </a:solidFill>
+                <a:latin typeface="Monaco"/>
+                <a:cs typeface="Monaco"/>
+              </a:rPr>
+              <a:t>62.7</a:t>
+            </a:r>
+          </a:p>
+          <a:p>
+            <a:pPr lvl="1"/>
+            <a:r>
+              <a:rPr lang="en-US" dirty="0">
+                <a:solidFill>
+                  <a:schemeClr val="bg1">
+                    <a:lumMod val="65000"/>
+                  </a:schemeClr>
+                </a:solidFill>
+                <a:latin typeface="Monaco"/>
+                <a:cs typeface="Monaco"/>
+              </a:rPr>
+              <a:t>86.9</a:t>
+            </a:r>
+          </a:p>
+          <a:p>
+            <a:pPr lvl="1"/>
+            <a:r>
+              <a:rPr lang="en-US" dirty="0" smtClean="0">
+                <a:solidFill>
+                  <a:schemeClr val="bg1">
+                    <a:lumMod val="65000"/>
+                  </a:schemeClr>
+                </a:solidFill>
+                <a:latin typeface="Monaco"/>
+                <a:cs typeface="Monaco"/>
+              </a:rPr>
+              <a:t>72.6</a:t>
+            </a:r>
+            <a:endParaRPr lang="en-US" dirty="0" smtClean="0">
+              <a:latin typeface="Monaco"/>
+              <a:cs typeface="Monaco"/>
+            </a:endParaRPr>
+          </a:p>
+        </p:txBody>
+      </p:sp>
+      <p:sp>
+        <p:nvSpPr>
+          <p:cNvPr id="6" name="TextBox 5"/>
+          <p:cNvSpPr txBox="1"/>
+          <p:nvPr/>
+        </p:nvSpPr>
+        <p:spPr>
+          <a:xfrm>
+            <a:off x="1718776" y="1798949"/>
+            <a:ext cx="5736553" cy="923330"/>
+          </a:xfrm>
+          <a:prstGeom prst="rect">
+            <a:avLst/>
+          </a:prstGeom>
+          <a:noFill/>
+        </p:spPr>
+        <p:txBody>
+          <a:bodyPr wrap="square" rtlCol="0">
+            <a:spAutoFit/>
+          </a:bodyPr>
+          <a:lstStyle/>
+          <a:p>
+            <a:r>
+              <a:rPr lang="en-US" dirty="0">
+                <a:latin typeface="Monaco"/>
+                <a:cs typeface="Monaco"/>
+              </a:rPr>
+              <a:t># List of grades</a:t>
+            </a:r>
+          </a:p>
+          <a:p>
+            <a:r>
+              <a:rPr lang="en-US" dirty="0">
+                <a:latin typeface="Monaco"/>
+                <a:cs typeface="Monaco"/>
+              </a:rPr>
+              <a:t>grades = [88, 71, 74, 83, 57, 79, 66]</a:t>
+            </a:r>
+          </a:p>
+          <a:p>
+            <a:endParaRPr lang="en-US" dirty="0"/>
+          </a:p>
+        </p:txBody>
+      </p:sp>
+      <p:sp>
+        <p:nvSpPr>
+          <p:cNvPr id="7" name="TextBox 6"/>
+          <p:cNvSpPr txBox="1"/>
+          <p:nvPr/>
+        </p:nvSpPr>
+        <p:spPr>
+          <a:xfrm>
+            <a:off x="4315964" y="2806230"/>
+            <a:ext cx="4219579" cy="2862323"/>
+          </a:xfrm>
+          <a:prstGeom prst="rect">
+            <a:avLst/>
+          </a:prstGeom>
+          <a:noFill/>
+        </p:spPr>
+        <p:txBody>
+          <a:bodyPr wrap="square" rtlCol="0">
+            <a:spAutoFit/>
+          </a:bodyPr>
+          <a:lstStyle/>
+          <a:p>
+            <a:r>
+              <a:rPr lang="en-US" dirty="0" smtClean="0">
+                <a:latin typeface="Monaco"/>
+                <a:cs typeface="Monaco"/>
+              </a:rPr>
+              <a:t>for i in </a:t>
+            </a:r>
+            <a:r>
+              <a:rPr lang="en-US" dirty="0" smtClean="0">
+                <a:solidFill>
+                  <a:schemeClr val="accent5"/>
+                </a:solidFill>
+                <a:latin typeface="Monaco"/>
+                <a:cs typeface="Monaco"/>
+              </a:rPr>
+              <a:t>range(</a:t>
+            </a:r>
+            <a:r>
+              <a:rPr lang="en-US" dirty="0" err="1" smtClean="0">
+                <a:solidFill>
+                  <a:schemeClr val="accent5"/>
+                </a:solidFill>
+                <a:latin typeface="Monaco"/>
+                <a:cs typeface="Monaco"/>
+              </a:rPr>
+              <a:t>len</a:t>
+            </a:r>
+            <a:r>
+              <a:rPr lang="en-US" dirty="0" smtClean="0">
+                <a:solidFill>
+                  <a:schemeClr val="accent5"/>
+                </a:solidFill>
+                <a:latin typeface="Monaco"/>
+                <a:cs typeface="Monaco"/>
+              </a:rPr>
+              <a:t>(grades))</a:t>
+            </a:r>
+            <a:r>
+              <a:rPr lang="en-US" dirty="0" smtClean="0">
+                <a:latin typeface="Monaco"/>
+                <a:cs typeface="Monaco"/>
+              </a:rPr>
+              <a:t>:</a:t>
+            </a:r>
+          </a:p>
+          <a:p>
+            <a:r>
+              <a:rPr lang="en-US" dirty="0" smtClean="0">
+                <a:latin typeface="Monaco"/>
+                <a:cs typeface="Monaco"/>
+              </a:rPr>
+              <a:t>	print grades[i</a:t>
+            </a:r>
+            <a:r>
+              <a:rPr lang="en-US" dirty="0">
+                <a:latin typeface="Monaco"/>
+                <a:cs typeface="Monaco"/>
+              </a:rPr>
+              <a:t>]</a:t>
+            </a:r>
+            <a:r>
+              <a:rPr lang="en-US" dirty="0" smtClean="0">
+                <a:latin typeface="Monaco"/>
+                <a:cs typeface="Monaco"/>
+              </a:rPr>
+              <a:t> * 1.1</a:t>
+            </a:r>
+            <a:br>
+              <a:rPr lang="en-US" dirty="0" smtClean="0">
+                <a:latin typeface="Monaco"/>
+                <a:cs typeface="Monaco"/>
+              </a:rPr>
+            </a:br>
+            <a:endParaRPr lang="en-US" dirty="0">
+              <a:latin typeface="Monaco"/>
+              <a:cs typeface="Monaco"/>
+            </a:endParaRPr>
+          </a:p>
+          <a:p>
+            <a:r>
+              <a:rPr lang="en-US" dirty="0">
+                <a:solidFill>
+                  <a:schemeClr val="bg1">
+                    <a:lumMod val="65000"/>
+                  </a:schemeClr>
+                </a:solidFill>
+                <a:latin typeface="Monaco"/>
+                <a:cs typeface="Monaco"/>
+              </a:rPr>
+              <a:t>	96.8</a:t>
+            </a:r>
+          </a:p>
+          <a:p>
+            <a:pPr lvl="1"/>
+            <a:r>
+              <a:rPr lang="en-US" dirty="0">
+                <a:solidFill>
+                  <a:schemeClr val="bg1">
+                    <a:lumMod val="65000"/>
+                  </a:schemeClr>
+                </a:solidFill>
+                <a:latin typeface="Monaco"/>
+                <a:cs typeface="Monaco"/>
+              </a:rPr>
+              <a:t>78.1</a:t>
+            </a:r>
+          </a:p>
+          <a:p>
+            <a:pPr lvl="1"/>
+            <a:r>
+              <a:rPr lang="en-US" dirty="0">
+                <a:solidFill>
+                  <a:schemeClr val="bg1">
+                    <a:lumMod val="65000"/>
+                  </a:schemeClr>
+                </a:solidFill>
+                <a:latin typeface="Monaco"/>
+                <a:cs typeface="Monaco"/>
+              </a:rPr>
+              <a:t>81.4</a:t>
+            </a:r>
+          </a:p>
+          <a:p>
+            <a:pPr lvl="1"/>
+            <a:r>
+              <a:rPr lang="en-US" dirty="0">
+                <a:solidFill>
+                  <a:schemeClr val="bg1">
+                    <a:lumMod val="65000"/>
+                  </a:schemeClr>
+                </a:solidFill>
+                <a:latin typeface="Monaco"/>
+                <a:cs typeface="Monaco"/>
+              </a:rPr>
+              <a:t>91.3</a:t>
+            </a:r>
+          </a:p>
+          <a:p>
+            <a:pPr lvl="1"/>
+            <a:r>
+              <a:rPr lang="en-US" dirty="0">
+                <a:solidFill>
+                  <a:schemeClr val="bg1">
+                    <a:lumMod val="65000"/>
+                  </a:schemeClr>
+                </a:solidFill>
+                <a:latin typeface="Monaco"/>
+                <a:cs typeface="Monaco"/>
+              </a:rPr>
+              <a:t>62.7</a:t>
+            </a:r>
+          </a:p>
+          <a:p>
+            <a:pPr lvl="1"/>
+            <a:r>
+              <a:rPr lang="en-US" dirty="0">
+                <a:solidFill>
+                  <a:schemeClr val="bg1">
+                    <a:lumMod val="65000"/>
+                  </a:schemeClr>
+                </a:solidFill>
+                <a:latin typeface="Monaco"/>
+                <a:cs typeface="Monaco"/>
+              </a:rPr>
+              <a:t>86.9</a:t>
+            </a:r>
+          </a:p>
+          <a:p>
+            <a:pPr lvl="1"/>
+            <a:r>
+              <a:rPr lang="en-US" dirty="0" smtClean="0">
+                <a:solidFill>
+                  <a:schemeClr val="bg1">
+                    <a:lumMod val="65000"/>
+                  </a:schemeClr>
+                </a:solidFill>
+                <a:latin typeface="Monaco"/>
+                <a:cs typeface="Monaco"/>
+              </a:rPr>
+              <a:t>72.6</a:t>
+            </a:r>
+            <a:r>
+              <a:rPr lang="en-US" dirty="0" smtClean="0">
+                <a:latin typeface="Monaco"/>
+                <a:cs typeface="Monaco"/>
+              </a:rPr>
+              <a:t>	</a:t>
+            </a:r>
+          </a:p>
+        </p:txBody>
+      </p:sp>
+    </p:spTree>
+    <p:extLst>
+      <p:ext uri="{BB962C8B-B14F-4D97-AF65-F5344CB8AC3E}">
+        <p14:creationId xmlns:p14="http://schemas.microsoft.com/office/powerpoint/2010/main" val="3675497712"/>
+      </p:ext>
+    </p:extLst>
+  </p:cSld>
+  <p:clrMapOvr>
+    <a:masterClrMapping/>
+  </p:clrMapOvr>
+</p:sld>
+</file>
+
+<file path=ppt/slides/slide48.xml><?xml version="1.0" encoding="utf-8"?>
+<p:sld xmlns:a="http://schemas.openxmlformats.org/drawingml/2006/main" xmlns:r="http://schemas.openxmlformats.org/officeDocument/2006/relationships" xmlns:p="http://schemas.openxmlformats.org/presentationml/2006/main">
+  <p:cSld>
+    <p:spTree>
+      <p:nvGrpSpPr>
+        <p:cNvPr id="1" name=""/>
+        <p:cNvGrpSpPr/>
+        <p:nvPr/>
+      </p:nvGrpSpPr>
+      <p:grpSpPr>
+        <a:xfrm>
+          <a:off x="0" y="0"/>
+          <a:ext cx="0" cy="0"/>
+          <a:chOff x="0" y="0"/>
+          <a:chExt cx="0" cy="0"/>
+        </a:xfrm>
+      </p:grpSpPr>
+      <p:sp>
+        <p:nvSpPr>
+          <p:cNvPr id="2" name="Title 1"/>
+          <p:cNvSpPr>
+            <a:spLocks noGrp="1"/>
+          </p:cNvSpPr>
+          <p:nvPr>
+            <p:ph type="title"/>
+          </p:nvPr>
+        </p:nvSpPr>
+        <p:spPr/>
+        <p:txBody>
+          <a:bodyPr/>
+          <a:lstStyle/>
+          <a:p>
+            <a:r>
+              <a:rPr lang="en-US" dirty="0" smtClean="0"/>
+              <a:t>looping over strings</a:t>
+            </a:r>
+            <a:endParaRPr lang="en-US" dirty="0"/>
+          </a:p>
+        </p:txBody>
+      </p:sp>
+      <p:sp>
+        <p:nvSpPr>
+          <p:cNvPr id="4" name="TextBox 3"/>
+          <p:cNvSpPr txBox="1"/>
+          <p:nvPr/>
+        </p:nvSpPr>
+        <p:spPr>
+          <a:xfrm>
+            <a:off x="2342661" y="2036922"/>
+            <a:ext cx="3221201" cy="2585323"/>
+          </a:xfrm>
+          <a:prstGeom prst="rect">
+            <a:avLst/>
+          </a:prstGeom>
+          <a:noFill/>
+        </p:spPr>
+        <p:txBody>
+          <a:bodyPr wrap="square" rtlCol="0">
+            <a:spAutoFit/>
+          </a:bodyPr>
+          <a:lstStyle/>
+          <a:p>
+            <a:r>
+              <a:rPr lang="en-US" dirty="0" smtClean="0">
+                <a:latin typeface="Monaco"/>
+                <a:cs typeface="Monaco"/>
+              </a:rPr>
+              <a:t>for s in "python":</a:t>
+            </a:r>
+          </a:p>
+          <a:p>
+            <a:r>
+              <a:rPr lang="en-US" dirty="0" smtClean="0">
+                <a:latin typeface="Monaco"/>
+                <a:cs typeface="Monaco"/>
+              </a:rPr>
+              <a:t>	print </a:t>
+            </a:r>
+            <a:r>
+              <a:rPr lang="en-US" dirty="0">
+                <a:latin typeface="Monaco"/>
+                <a:cs typeface="Monaco"/>
+              </a:rPr>
+              <a:t>s</a:t>
+            </a:r>
+            <a:endParaRPr lang="en-US" dirty="0" smtClean="0">
+              <a:latin typeface="Monaco"/>
+              <a:cs typeface="Monaco"/>
+            </a:endParaRPr>
+          </a:p>
+          <a:p>
+            <a:endParaRPr lang="en-US" dirty="0">
+              <a:latin typeface="Monaco"/>
+              <a:cs typeface="Monaco"/>
+            </a:endParaRPr>
+          </a:p>
+          <a:p>
+            <a:r>
+              <a:rPr lang="en-US" dirty="0" smtClean="0">
+                <a:solidFill>
+                  <a:schemeClr val="bg1">
+                    <a:lumMod val="65000"/>
+                  </a:schemeClr>
+                </a:solidFill>
+                <a:latin typeface="Monaco"/>
+                <a:cs typeface="Monaco"/>
+              </a:rPr>
+              <a:t>	p</a:t>
+            </a:r>
+            <a:endParaRPr lang="en-US" dirty="0">
+              <a:solidFill>
+                <a:schemeClr val="bg1">
+                  <a:lumMod val="65000"/>
+                </a:schemeClr>
+              </a:solidFill>
+              <a:latin typeface="Monaco"/>
+              <a:cs typeface="Monaco"/>
+            </a:endParaRPr>
+          </a:p>
+          <a:p>
+            <a:pPr lvl="1"/>
+            <a:r>
+              <a:rPr lang="en-US" dirty="0">
+                <a:solidFill>
+                  <a:schemeClr val="bg1">
+                    <a:lumMod val="65000"/>
+                  </a:schemeClr>
+                </a:solidFill>
+                <a:latin typeface="Monaco"/>
+                <a:cs typeface="Monaco"/>
+              </a:rPr>
+              <a:t>y</a:t>
+            </a:r>
+          </a:p>
+          <a:p>
+            <a:pPr lvl="1"/>
+            <a:r>
+              <a:rPr lang="en-US" dirty="0" smtClean="0">
+                <a:solidFill>
+                  <a:schemeClr val="bg1">
+                    <a:lumMod val="65000"/>
+                  </a:schemeClr>
+                </a:solidFill>
+                <a:latin typeface="Monaco"/>
+                <a:cs typeface="Monaco"/>
+              </a:rPr>
+              <a:t>t</a:t>
+            </a:r>
+            <a:endParaRPr lang="en-US" dirty="0">
+              <a:solidFill>
+                <a:schemeClr val="bg1">
+                  <a:lumMod val="65000"/>
+                </a:schemeClr>
+              </a:solidFill>
+              <a:latin typeface="Monaco"/>
+              <a:cs typeface="Monaco"/>
+            </a:endParaRPr>
+          </a:p>
+          <a:p>
+            <a:pPr lvl="1"/>
+            <a:r>
+              <a:rPr lang="en-US" dirty="0">
+                <a:solidFill>
+                  <a:schemeClr val="bg1">
+                    <a:lumMod val="65000"/>
+                  </a:schemeClr>
+                </a:solidFill>
+                <a:latin typeface="Monaco"/>
+                <a:cs typeface="Monaco"/>
+              </a:rPr>
+              <a:t>h</a:t>
+            </a:r>
+          </a:p>
+          <a:p>
+            <a:pPr lvl="1"/>
+            <a:r>
+              <a:rPr lang="en-US" dirty="0">
+                <a:solidFill>
+                  <a:schemeClr val="bg1">
+                    <a:lumMod val="65000"/>
+                  </a:schemeClr>
+                </a:solidFill>
+                <a:latin typeface="Monaco"/>
+                <a:cs typeface="Monaco"/>
+              </a:rPr>
+              <a:t>o</a:t>
+            </a:r>
+          </a:p>
+          <a:p>
+            <a:pPr lvl="1"/>
+            <a:r>
+              <a:rPr lang="en-US" dirty="0" smtClean="0">
+                <a:solidFill>
+                  <a:schemeClr val="bg1">
+                    <a:lumMod val="65000"/>
+                  </a:schemeClr>
+                </a:solidFill>
+                <a:latin typeface="Monaco"/>
+                <a:cs typeface="Monaco"/>
+              </a:rPr>
+              <a:t>n</a:t>
+            </a:r>
+            <a:endParaRPr lang="en-US" dirty="0" smtClean="0">
+              <a:latin typeface="Monaco"/>
+              <a:cs typeface="Monaco"/>
+            </a:endParaRPr>
+          </a:p>
+        </p:txBody>
+      </p:sp>
+    </p:spTree>
+    <p:extLst>
+      <p:ext uri="{BB962C8B-B14F-4D97-AF65-F5344CB8AC3E}">
+        <p14:creationId xmlns:p14="http://schemas.microsoft.com/office/powerpoint/2010/main" val="2782538499"/>
+      </p:ext>
+    </p:extLst>
+  </p:cSld>
+  <p:clrMapOvr>
+    <a:masterClrMapping/>
+  </p:clrMapOvr>
+</p:sld>
+</file>
+
 <file path=ppt/slides/slide49.xml><?xml version="1.0" encoding="utf-8"?>
 <p:sld xmlns:a="http://schemas.openxmlformats.org/drawingml/2006/main" xmlns:r="http://schemas.openxmlformats.org/officeDocument/2006/relationships" xmlns:p="http://schemas.openxmlformats.org/presentationml/2006/main">
   <p:cSld>
@@ -15513,7 +15730,7 @@
           <a:p>
             <a:r>
               <a:rPr lang="en-US" dirty="0" smtClean="0"/>
-              <a:t>iterating a certain number of times</a:t>
+              <a:t>looping over dictionaries</a:t>
             </a:r>
             <a:endParaRPr lang="en-US" dirty="0"/>
           </a:p>
@@ -15521,14 +15738,14 @@
       </p:sp>
       <p:sp>
         <p:nvSpPr>
-          <p:cNvPr id="5" name="TextBox 4"/>
+          <p:cNvPr id="4" name="TextBox 3"/>
           <p:cNvSpPr txBox="1"/>
           <p:nvPr/>
         </p:nvSpPr>
         <p:spPr>
           <a:xfrm>
-            <a:off x="558329" y="2806230"/>
-            <a:ext cx="3221201" cy="2862323"/>
+            <a:off x="205154" y="2036922"/>
+            <a:ext cx="8733691" cy="923330"/>
           </a:xfrm>
           <a:prstGeom prst="rect">
             <a:avLst/>
@@ -15546,399 +15763,25 @@
                 <a:latin typeface="Monaco"/>
                 <a:cs typeface="Monaco"/>
               </a:rPr>
-              <a:t>for grade in grades:</a:t>
-            </a:r>
-          </a:p>
-          <a:p>
-            <a:r>
-              <a:rPr lang="en-US" dirty="0" smtClean="0">
-                <a:latin typeface="Monaco"/>
-                <a:cs typeface="Monaco"/>
-              </a:rPr>
-              <a:t>	print grade * 1.1</a:t>
-            </a:r>
-          </a:p>
-          <a:p>
-            <a:endParaRPr lang="en-US" dirty="0">
-              <a:latin typeface="Monaco"/>
-              <a:cs typeface="Monaco"/>
-            </a:endParaRPr>
-          </a:p>
-          <a:p>
-            <a:r>
-              <a:rPr lang="en-US" dirty="0" smtClean="0">
-                <a:solidFill>
-                  <a:schemeClr val="bg1">
-                    <a:lumMod val="65000"/>
-                  </a:schemeClr>
-                </a:solidFill>
-                <a:latin typeface="Monaco"/>
-                <a:cs typeface="Monaco"/>
-              </a:rPr>
-              <a:t>	</a:t>
-            </a:r>
-            <a:r>
-              <a:rPr lang="en-US" dirty="0">
-                <a:solidFill>
-                  <a:schemeClr val="bg1">
-                    <a:lumMod val="65000"/>
-                  </a:schemeClr>
-                </a:solidFill>
-                <a:latin typeface="Monaco"/>
-                <a:cs typeface="Monaco"/>
-              </a:rPr>
-              <a:t>96.8</a:t>
-            </a:r>
-          </a:p>
-          <a:p>
-            <a:pPr lvl="1"/>
-            <a:r>
-              <a:rPr lang="en-US" dirty="0">
-                <a:solidFill>
-                  <a:schemeClr val="bg1">
-                    <a:lumMod val="65000"/>
-                  </a:schemeClr>
-                </a:solidFill>
-                <a:latin typeface="Monaco"/>
-                <a:cs typeface="Monaco"/>
-              </a:rPr>
-              <a:t>78.1</a:t>
-            </a:r>
-          </a:p>
-          <a:p>
-            <a:pPr lvl="1"/>
-            <a:r>
-              <a:rPr lang="en-US" dirty="0">
-                <a:solidFill>
-                  <a:schemeClr val="bg1">
-                    <a:lumMod val="65000"/>
-                  </a:schemeClr>
-                </a:solidFill>
-                <a:latin typeface="Monaco"/>
-                <a:cs typeface="Monaco"/>
-              </a:rPr>
-              <a:t>81.4</a:t>
-            </a:r>
-          </a:p>
-          <a:p>
-            <a:pPr lvl="1"/>
-            <a:r>
-              <a:rPr lang="en-US" dirty="0">
-                <a:solidFill>
-                  <a:schemeClr val="bg1">
-                    <a:lumMod val="65000"/>
-                  </a:schemeClr>
-                </a:solidFill>
-                <a:latin typeface="Monaco"/>
-                <a:cs typeface="Monaco"/>
-              </a:rPr>
-              <a:t>91.3</a:t>
-            </a:r>
-          </a:p>
-          <a:p>
-            <a:pPr lvl="1"/>
-            <a:r>
-              <a:rPr lang="en-US" dirty="0">
-                <a:solidFill>
-                  <a:schemeClr val="bg1">
-                    <a:lumMod val="65000"/>
-                  </a:schemeClr>
-                </a:solidFill>
-                <a:latin typeface="Monaco"/>
-                <a:cs typeface="Monaco"/>
-              </a:rPr>
-              <a:t>62.7</a:t>
-            </a:r>
-          </a:p>
-          <a:p>
-            <a:pPr lvl="1"/>
-            <a:r>
-              <a:rPr lang="en-US" dirty="0">
-                <a:solidFill>
-                  <a:schemeClr val="bg1">
-                    <a:lumMod val="65000"/>
-                  </a:schemeClr>
-                </a:solidFill>
-                <a:latin typeface="Monaco"/>
-                <a:cs typeface="Monaco"/>
-              </a:rPr>
-              <a:t>86.9</a:t>
-            </a:r>
-          </a:p>
-          <a:p>
-            <a:pPr lvl="1"/>
-            <a:r>
-              <a:rPr lang="en-US" dirty="0" smtClean="0">
-                <a:solidFill>
-                  <a:schemeClr val="bg1">
-                    <a:lumMod val="65000"/>
-                  </a:schemeClr>
-                </a:solidFill>
-                <a:latin typeface="Monaco"/>
-                <a:cs typeface="Monaco"/>
-              </a:rPr>
-              <a:t>72.6</a:t>
-            </a:r>
-            <a:endParaRPr lang="en-US" dirty="0" smtClean="0">
-              <a:latin typeface="Monaco"/>
-              <a:cs typeface="Monaco"/>
-            </a:endParaRPr>
-          </a:p>
-        </p:txBody>
-      </p:sp>
-      <p:sp>
-        <p:nvSpPr>
-          <p:cNvPr id="6" name="TextBox 5"/>
-          <p:cNvSpPr txBox="1"/>
-          <p:nvPr/>
-        </p:nvSpPr>
-        <p:spPr>
-          <a:xfrm>
-            <a:off x="1718776" y="1798949"/>
-            <a:ext cx="5736553" cy="923330"/>
-          </a:xfrm>
-          <a:prstGeom prst="rect">
-            <a:avLst/>
-          </a:prstGeom>
-          <a:noFill/>
-        </p:spPr>
-        <p:txBody>
-          <a:bodyPr wrap="square" rtlCol="0">
-            <a:spAutoFit/>
-          </a:bodyPr>
-          <a:lstStyle/>
-          <a:p>
-            <a:r>
-              <a:rPr lang="en-US" dirty="0">
-                <a:latin typeface="Monaco"/>
-                <a:cs typeface="Monaco"/>
-              </a:rPr>
-              <a:t># List of grades</a:t>
-            </a:r>
-          </a:p>
-          <a:p>
-            <a:r>
-              <a:rPr lang="en-US" dirty="0">
-                <a:latin typeface="Monaco"/>
-                <a:cs typeface="Monaco"/>
-              </a:rPr>
-              <a:t>grades = [88, 71, 74, 83, 57, 79, 66]</a:t>
-            </a:r>
-          </a:p>
-          <a:p>
-            <a:endParaRPr lang="en-US" dirty="0"/>
-          </a:p>
-        </p:txBody>
-      </p:sp>
-      <p:sp>
-        <p:nvSpPr>
-          <p:cNvPr id="7" name="TextBox 6"/>
-          <p:cNvSpPr txBox="1"/>
-          <p:nvPr/>
-        </p:nvSpPr>
-        <p:spPr>
-          <a:xfrm>
-            <a:off x="4315964" y="2806230"/>
-            <a:ext cx="4219579" cy="2862323"/>
-          </a:xfrm>
-          <a:prstGeom prst="rect">
-            <a:avLst/>
-          </a:prstGeom>
-          <a:noFill/>
-        </p:spPr>
-        <p:txBody>
-          <a:bodyPr wrap="square" rtlCol="0">
-            <a:spAutoFit/>
-          </a:bodyPr>
-          <a:lstStyle/>
-          <a:p>
-            <a:r>
-              <a:rPr lang="en-US" dirty="0" smtClean="0">
-                <a:latin typeface="Monaco"/>
-                <a:cs typeface="Monaco"/>
-              </a:rPr>
-              <a:t>for i in </a:t>
-            </a:r>
-            <a:r>
-              <a:rPr lang="en-US" dirty="0" smtClean="0">
-                <a:solidFill>
-                  <a:schemeClr val="accent5"/>
-                </a:solidFill>
-                <a:latin typeface="Monaco"/>
-                <a:cs typeface="Monaco"/>
-              </a:rPr>
-              <a:t>range(</a:t>
-            </a:r>
-            <a:r>
-              <a:rPr lang="en-US" dirty="0" err="1" smtClean="0">
-                <a:solidFill>
-                  <a:schemeClr val="accent5"/>
-                </a:solidFill>
-                <a:latin typeface="Monaco"/>
-                <a:cs typeface="Monaco"/>
-              </a:rPr>
-              <a:t>len</a:t>
-            </a:r>
-            <a:r>
-              <a:rPr lang="en-US" dirty="0" smtClean="0">
-                <a:solidFill>
-                  <a:schemeClr val="accent5"/>
-                </a:solidFill>
-                <a:latin typeface="Monaco"/>
-                <a:cs typeface="Monaco"/>
-              </a:rPr>
-              <a:t>(grades))</a:t>
-            </a:r>
-            <a:r>
-              <a:rPr lang="en-US" dirty="0" smtClean="0">
-                <a:latin typeface="Monaco"/>
-                <a:cs typeface="Monaco"/>
-              </a:rPr>
-              <a:t>:</a:t>
-            </a:r>
-          </a:p>
-          <a:p>
-            <a:r>
-              <a:rPr lang="en-US" dirty="0" smtClean="0">
-                <a:latin typeface="Monaco"/>
-                <a:cs typeface="Monaco"/>
-              </a:rPr>
-              <a:t>	print grades[i</a:t>
-            </a:r>
-            <a:r>
-              <a:rPr lang="en-US" dirty="0">
-                <a:latin typeface="Monaco"/>
-                <a:cs typeface="Monaco"/>
-              </a:rPr>
-              <a:t>]</a:t>
-            </a:r>
-            <a:r>
-              <a:rPr lang="en-US" dirty="0" smtClean="0">
-                <a:latin typeface="Monaco"/>
-                <a:cs typeface="Monaco"/>
-              </a:rPr>
-              <a:t> * 1.1</a:t>
-            </a:r>
-            <a:br>
-              <a:rPr lang="en-US" dirty="0" smtClean="0">
-                <a:latin typeface="Monaco"/>
-                <a:cs typeface="Monaco"/>
-              </a:rPr>
-            </a:br>
-            <a:endParaRPr lang="en-US" dirty="0">
-              <a:latin typeface="Monaco"/>
-              <a:cs typeface="Monaco"/>
-            </a:endParaRPr>
-          </a:p>
-          <a:p>
-            <a:r>
-              <a:rPr lang="en-US" dirty="0">
-                <a:solidFill>
-                  <a:schemeClr val="bg1">
-                    <a:lumMod val="65000"/>
-                  </a:schemeClr>
-                </a:solidFill>
-                <a:latin typeface="Monaco"/>
-                <a:cs typeface="Monaco"/>
-              </a:rPr>
-              <a:t>	96.8</a:t>
-            </a:r>
-          </a:p>
-          <a:p>
-            <a:pPr lvl="1"/>
-            <a:r>
-              <a:rPr lang="en-US" dirty="0">
-                <a:solidFill>
-                  <a:schemeClr val="bg1">
-                    <a:lumMod val="65000"/>
-                  </a:schemeClr>
-                </a:solidFill>
-                <a:latin typeface="Monaco"/>
-                <a:cs typeface="Monaco"/>
-              </a:rPr>
-              <a:t>78.1</a:t>
-            </a:r>
-          </a:p>
-          <a:p>
-            <a:pPr lvl="1"/>
-            <a:r>
-              <a:rPr lang="en-US" dirty="0">
-                <a:solidFill>
-                  <a:schemeClr val="bg1">
-                    <a:lumMod val="65000"/>
-                  </a:schemeClr>
-                </a:solidFill>
-                <a:latin typeface="Monaco"/>
-                <a:cs typeface="Monaco"/>
-              </a:rPr>
-              <a:t>81.4</a:t>
-            </a:r>
-          </a:p>
-          <a:p>
-            <a:pPr lvl="1"/>
-            <a:r>
-              <a:rPr lang="en-US" dirty="0">
-                <a:solidFill>
-                  <a:schemeClr val="bg1">
-                    <a:lumMod val="65000"/>
-                  </a:schemeClr>
-                </a:solidFill>
-                <a:latin typeface="Monaco"/>
-                <a:cs typeface="Monaco"/>
-              </a:rPr>
-              <a:t>91.3</a:t>
-            </a:r>
-          </a:p>
-          <a:p>
-            <a:pPr lvl="1"/>
-            <a:r>
-              <a:rPr lang="en-US" dirty="0">
-                <a:solidFill>
-                  <a:schemeClr val="bg1">
-                    <a:lumMod val="65000"/>
-                  </a:schemeClr>
-                </a:solidFill>
-                <a:latin typeface="Monaco"/>
-                <a:cs typeface="Monaco"/>
-              </a:rPr>
-              <a:t>62.7</a:t>
-            </a:r>
-          </a:p>
-          <a:p>
-            <a:pPr lvl="1"/>
-            <a:r>
-              <a:rPr lang="en-US" dirty="0">
-                <a:solidFill>
-                  <a:schemeClr val="bg1">
-                    <a:lumMod val="65000"/>
-                  </a:schemeClr>
-                </a:solidFill>
-                <a:latin typeface="Monaco"/>
-                <a:cs typeface="Monaco"/>
-              </a:rPr>
-              <a:t>86.9</a:t>
-            </a:r>
-          </a:p>
-          <a:p>
-            <a:pPr lvl="1"/>
-            <a:r>
-              <a:rPr lang="en-US" dirty="0" smtClean="0">
-                <a:solidFill>
-                  <a:schemeClr val="bg1">
-                    <a:lumMod val="65000"/>
-                  </a:schemeClr>
-                </a:solidFill>
-                <a:latin typeface="Monaco"/>
-                <a:cs typeface="Monaco"/>
-              </a:rPr>
-              <a:t>72.6</a:t>
-            </a:r>
-            <a:r>
-              <a:rPr lang="en-US" dirty="0" smtClean="0">
-                <a:latin typeface="Monaco"/>
-                <a:cs typeface="Monaco"/>
-              </a:rPr>
-              <a:t>	</a:t>
+              <a:t>price = {"banana" : 0.79, "apple": 1.02, "bell pepper": 2.39}</a:t>
+            </a:r>
+          </a:p>
+          <a:p>
+            <a:r>
+              <a:rPr lang="en-US" dirty="0" smtClean="0">
+                <a:latin typeface="Monaco"/>
+                <a:cs typeface="Monaco"/>
+              </a:rPr>
+              <a:t>for item in price:</a:t>
+            </a:r>
+          </a:p>
+          <a:p>
+            <a:r>
+              <a:rPr lang="en-US" dirty="0" smtClean="0">
+                <a:latin typeface="Monaco"/>
+                <a:cs typeface="Monaco"/>
+              </a:rPr>
+              <a:t>	print item</a:t>
             </a:r>
           </a:p>
         </p:txBody>
@@ -15946,7 +15789,7 @@
     </p:spTree>
     <p:extLst>
       <p:ext uri="{BB962C8B-B14F-4D97-AF65-F5344CB8AC3E}">
-        <p14:creationId xmlns:p14="http://schemas.microsoft.com/office/powerpoint/2010/main" val="3675497712"/>
+        <p14:creationId xmlns:p14="http://schemas.microsoft.com/office/powerpoint/2010/main" val="3288283213"/>
       </p:ext>
     </p:extLst>
   </p:cSld>
@@ -16317,7 +16160,7 @@
           <a:p>
             <a:r>
               <a:rPr lang="en-US" dirty="0" smtClean="0"/>
-              <a:t>looping over strings</a:t>
+              <a:t>looping over dictionaries</a:t>
             </a:r>
             <a:endParaRPr lang="en-US" dirty="0"/>
           </a:p>
@@ -16331,8 +16174,8 @@
         </p:nvSpPr>
         <p:spPr>
           <a:xfrm>
-            <a:off x="2342661" y="2036922"/>
-            <a:ext cx="3221201" cy="2585323"/>
+            <a:off x="205154" y="2036922"/>
+            <a:ext cx="8733691" cy="2031325"/>
           </a:xfrm>
           <a:prstGeom prst="rect">
             <a:avLst/>
@@ -16350,28 +16193,26 @@
                 <a:latin typeface="Monaco"/>
                 <a:cs typeface="Monaco"/>
               </a:rPr>
-              <a:t>for s in "python":</a:t>
-            </a:r>
-          </a:p>
-          <a:p>
-            <a:r>
-              <a:rPr lang="en-US" dirty="0" smtClean="0">
-                <a:latin typeface="Monaco"/>
-                <a:cs typeface="Monaco"/>
-              </a:rPr>
-              <a:t>	print </a:t>
-            </a:r>
-            <a:r>
-              <a:rPr lang="en-US" dirty="0">
-                <a:latin typeface="Monaco"/>
-                <a:cs typeface="Monaco"/>
-              </a:rPr>
-              <a:t>s</a:t>
-            </a:r>
-            <a:endParaRPr lang="en-US" dirty="0" smtClean="0">
-              <a:latin typeface="Monaco"/>
-              <a:cs typeface="Monaco"/>
-            </a:endParaRPr>
+              <a:t>price = {"banana" : 0.79, "apple": 1.02, "bell pepper": 2.39}</a:t>
+            </a:r>
+          </a:p>
+          <a:p>
+            <a:r>
+              <a:rPr lang="en-US" dirty="0" smtClean="0">
+                <a:latin typeface="Monaco"/>
+                <a:cs typeface="Monaco"/>
+              </a:rPr>
+              <a:t>for item in price:</a:t>
+            </a:r>
+          </a:p>
+          <a:p>
+            <a:r>
+              <a:rPr lang="en-US" dirty="0" smtClean="0">
+                <a:latin typeface="Monaco"/>
+                <a:cs typeface="Monaco"/>
+              </a:rPr>
+              <a:t>	print item</a:t>
+            </a:r>
           </a:p>
           <a:p>
             <a:endParaRPr lang="en-US" dirty="0">
@@ -16390,7 +16231,7 @@
                 <a:latin typeface="Monaco"/>
                 <a:cs typeface="Monaco"/>
               </a:rPr>
-              <a:t>	p</a:t>
+              <a:t>	bell pepper</a:t>
             </a:r>
             <a:endParaRPr lang="en-US" dirty="0">
               <a:solidFill>
@@ -16405,7 +16246,7 @@
           <a:p>
             <a:pPr lvl="1"/>
             <a:r>
-              <a:rPr lang="en-US" dirty="0">
+              <a:rPr lang="en-US" dirty="0" smtClean="0">
                 <a:solidFill>
                   <a:schemeClr val="bg1">
                     <a:lumMod val="65000"/>
@@ -16414,22 +16255,7 @@
                 <a:latin typeface="Monaco"/>
                 <a:cs typeface="Monaco"/>
               </a:rPr>
-              <a:t>y</a:t>
-            </a:r>
-          </a:p>
-          <a:p>
-            <a:pPr lvl="1"/>
-            <a:r>
-              <a:rPr lang="en-US" dirty="0" smtClean="0">
-                <a:solidFill>
-                  <a:schemeClr val="bg1">
-                    <a:lumMod val="65000"/>
-                  </a:schemeClr>
-                </a:solidFill>
-                <a:latin typeface="Monaco"/>
-                <a:cs typeface="Monaco"/>
-              </a:rPr>
-              <a:t>t</a:t>
+              <a:t>banana</a:t>
             </a:r>
             <a:endParaRPr lang="en-US" dirty="0">
               <a:solidFill>
@@ -16444,7 +16270,7 @@
           <a:p>
             <a:pPr lvl="1"/>
             <a:r>
-              <a:rPr lang="en-US" dirty="0">
+              <a:rPr lang="en-US" dirty="0" smtClean="0">
                 <a:solidFill>
                   <a:schemeClr val="bg1">
                     <a:lumMod val="65000"/>
@@ -16453,37 +16279,7 @@
                 <a:latin typeface="Monaco"/>
                 <a:cs typeface="Monaco"/>
               </a:rPr>
-              <a:t>h</a:t>
-            </a:r>
-          </a:p>
-          <a:p>
-            <a:pPr lvl="1"/>
-            <a:r>
-              <a:rPr lang="en-US" dirty="0">
-                <a:solidFill>
-                  <a:schemeClr val="bg1">
-                    <a:lumMod val="65000"/>
-                  </a:schemeClr>
-                </a:solidFill>
-                <a:latin typeface="Monaco"/>
-                <a:cs typeface="Monaco"/>
-              </a:rPr>
-              <a:t>o</a:t>
-            </a:r>
-          </a:p>
-          <a:p>
-            <a:pPr lvl="1"/>
-            <a:r>
-              <a:rPr lang="en-US" dirty="0" smtClean="0">
-                <a:solidFill>
-                  <a:schemeClr val="bg1">
-                    <a:lumMod val="65000"/>
-                  </a:schemeClr>
-                </a:solidFill>
-                <a:latin typeface="Monaco"/>
-                <a:cs typeface="Monaco"/>
-              </a:rPr>
-              <a:t>n</a:t>
+              <a:t>apple</a:t>
             </a:r>
             <a:endParaRPr lang="en-US" dirty="0" smtClean="0">
               <a:latin typeface="Monaco"/>
@@ -16492,10 +16288,48 @@
           </a:p>
         </p:txBody>
       </p:sp>
+      <p:sp>
+        <p:nvSpPr>
+          <p:cNvPr id="3" name="TextBox 2"/>
+          <p:cNvSpPr txBox="1"/>
+          <p:nvPr/>
+        </p:nvSpPr>
+        <p:spPr>
+          <a:xfrm>
+            <a:off x="2481385" y="3482093"/>
+            <a:ext cx="3751385" cy="369332"/>
+          </a:xfrm>
+          <a:prstGeom prst="rect">
+            <a:avLst/>
+          </a:prstGeom>
+          <a:noFill/>
+        </p:spPr>
+        <p:txBody>
+          <a:bodyPr wrap="square" rtlCol="0">
+            <a:spAutoFit/>
+          </a:bodyPr>
+          <a:lstStyle/>
+          <a:p>
+            <a:r>
+              <a:rPr lang="en-US" dirty="0" smtClean="0">
+                <a:solidFill>
+                  <a:schemeClr val="accent5"/>
+                </a:solidFill>
+              </a:rPr>
+              <a:t>What are we actually looping over?</a:t>
+            </a:r>
+            <a:endParaRPr lang="en-US" dirty="0">
+              <a:solidFill>
+                <a:schemeClr val="accent5"/>
+              </a:solidFill>
+            </a:endParaRPr>
+          </a:p>
+        </p:txBody>
+      </p:sp>
     </p:spTree>
     <p:extLst>
       <p:ext uri="{BB962C8B-B14F-4D97-AF65-F5344CB8AC3E}">
-        <p14:creationId xmlns:p14="http://schemas.microsoft.com/office/powerpoint/2010/main" val="2782538499"/>
+        <p14:creationId xmlns:p14="http://schemas.microsoft.com/office/powerpoint/2010/main" val="2360658973"/>
       </p:ext>
     </p:extLst>
   </p:cSld>
@@ -16554,7 +16388,7 @@
         <p:spPr>
           <a:xfrm>
             <a:off x="205154" y="2036922"/>
-            <a:ext cx="8733691" cy="923330"/>
+            <a:ext cx="8733691" cy="2308324"/>
           </a:xfrm>
           <a:prstGeom prst="rect">
             <a:avLst/>
@@ -16590,15 +16424,103 @@
                 <a:latin typeface="Monaco"/>
                 <a:cs typeface="Monaco"/>
               </a:rPr>
-              <a:t>	print item</a:t>
-            </a:r>
+              <a:t>	# Print the key *and* value</a:t>
+            </a:r>
+          </a:p>
+          <a:p>
+            <a:r>
+              <a:rPr lang="en-US" dirty="0">
+                <a:latin typeface="Monaco"/>
+                <a:cs typeface="Monaco"/>
+              </a:rPr>
+              <a:t>	</a:t>
+            </a:r>
+            <a:r>
+              <a:rPr lang="en-US" dirty="0" smtClean="0">
+                <a:latin typeface="Monaco"/>
+                <a:cs typeface="Monaco"/>
+              </a:rPr>
+              <a:t>print item, price[item]</a:t>
+            </a:r>
+          </a:p>
+          <a:p>
+            <a:endParaRPr lang="en-US" dirty="0">
+              <a:latin typeface="Monaco"/>
+              <a:cs typeface="Monaco"/>
+            </a:endParaRPr>
+          </a:p>
+          <a:p>
+            <a:r>
+              <a:rPr lang="en-US" dirty="0" smtClean="0">
+                <a:solidFill>
+                  <a:schemeClr val="bg1">
+                    <a:lumMod val="65000"/>
+                  </a:schemeClr>
+                </a:solidFill>
+                <a:latin typeface="Monaco"/>
+                <a:cs typeface="Monaco"/>
+              </a:rPr>
+              <a:t>	bell pepper, 2.39</a:t>
+            </a:r>
+            <a:endParaRPr lang="en-US" dirty="0">
+              <a:solidFill>
+                <a:schemeClr val="bg1">
+                  <a:lumMod val="65000"/>
+                </a:schemeClr>
+              </a:solidFill>
+              <a:latin typeface="Monaco"/>
+              <a:cs typeface="Monaco"/>
+            </a:endParaRPr>
+          </a:p>
+          <a:p>
+            <a:pPr lvl="1"/>
+            <a:r>
+              <a:rPr lang="en-US" dirty="0" smtClean="0">
+                <a:solidFill>
+                  <a:schemeClr val="bg1">
+                    <a:lumMod val="65000"/>
+                  </a:schemeClr>
+                </a:solidFill>
+                <a:latin typeface="Monaco"/>
+                <a:cs typeface="Monaco"/>
+              </a:rPr>
+              <a:t>banana, 0.79</a:t>
+            </a:r>
+            <a:endParaRPr lang="en-US" dirty="0">
+              <a:solidFill>
+                <a:schemeClr val="bg1">
+                  <a:lumMod val="65000"/>
+                </a:schemeClr>
+              </a:solidFill>
+              <a:latin typeface="Monaco"/>
+              <a:cs typeface="Monaco"/>
+            </a:endParaRPr>
+          </a:p>
+          <a:p>
+            <a:pPr lvl="1"/>
+            <a:r>
+              <a:rPr lang="en-US" dirty="0" smtClean="0">
+                <a:solidFill>
+                  <a:schemeClr val="bg1">
+                    <a:lumMod val="65000"/>
+                  </a:schemeClr>
+                </a:solidFill>
+                <a:latin typeface="Monaco"/>
+                <a:cs typeface="Monaco"/>
+              </a:rPr>
+              <a:t>apple, 1.02</a:t>
+            </a:r>
+            <a:endParaRPr lang="en-US" dirty="0" smtClean="0">
+              <a:latin typeface="Monaco"/>
+              <a:cs typeface="Monaco"/>
+            </a:endParaRPr>
           </a:p>
         </p:txBody>
       </p:sp>
     </p:spTree>
     <p:extLst>
       <p:ext uri="{BB962C8B-B14F-4D97-AF65-F5344CB8AC3E}">
-        <p14:creationId xmlns:p14="http://schemas.microsoft.com/office/powerpoint/2010/main" val="3288283213"/>
+        <p14:creationId xmlns:p14="http://schemas.microsoft.com/office/powerpoint/2010/main" val="1259606957"/>
       </p:ext>
     </p:extLst>
   </p:cSld>
@@ -16642,7 +16564,7 @@
           <a:p>
             <a:r>
               <a:rPr lang="en-US" dirty="0" smtClean="0"/>
-              <a:t>looping over dictionaries</a:t>
+              <a:t>using if and for together</a:t>
             </a:r>
             <a:endParaRPr lang="en-US" dirty="0"/>
           </a:p>
@@ -16656,8 +16578,8 @@
         </p:nvSpPr>
         <p:spPr>
           <a:xfrm>
-            <a:off x="205154" y="2036922"/>
-            <a:ext cx="8733691" cy="2031325"/>
+            <a:off x="294255" y="1517496"/>
+            <a:ext cx="7476412" cy="6001644"/>
           </a:xfrm>
           <a:prstGeom prst="rect">
             <a:avLst/>
@@ -16671,40 +16593,248 @@
           <a:lstStyle/>
           <a:p>
             <a:r>
-              <a:rPr lang="en-US" dirty="0" smtClean="0">
-                <a:latin typeface="Monaco"/>
-                <a:cs typeface="Monaco"/>
-              </a:rPr>
-              <a:t>price = {"banana" : 0.79, "apple": 1.02, "bell pepper": 2.39}</a:t>
-            </a:r>
-          </a:p>
-          <a:p>
-            <a:r>
-              <a:rPr lang="en-US" dirty="0" smtClean="0">
-                <a:latin typeface="Monaco"/>
-                <a:cs typeface="Monaco"/>
-              </a:rPr>
-              <a:t>for item in price:</a:t>
-            </a:r>
-          </a:p>
-          <a:p>
-            <a:r>
-              <a:rPr lang="en-US" dirty="0" smtClean="0">
-                <a:latin typeface="Monaco"/>
-                <a:cs typeface="Monaco"/>
-              </a:rPr>
-              <a:t>	print item</a:t>
-            </a:r>
-          </a:p>
-          <a:p>
-            <a:endParaRPr lang="en-US" dirty="0">
+              <a:rPr lang="en-US" sz="1600" dirty="0" smtClean="0">
+                <a:latin typeface="Monaco"/>
+                <a:cs typeface="Monaco"/>
+              </a:rPr>
+              <a:t># List of grades</a:t>
+            </a:r>
+          </a:p>
+          <a:p>
+            <a:r>
+              <a:rPr lang="en-US" sz="1600" dirty="0" smtClean="0">
+                <a:latin typeface="Monaco"/>
+                <a:cs typeface="Monaco"/>
+              </a:rPr>
+              <a:t>grades = [88, 71, 74, 83, 57, 79, 66]</a:t>
+            </a:r>
+          </a:p>
+          <a:p>
+            <a:endParaRPr lang="en-US" sz="1600" dirty="0">
               <a:latin typeface="Monaco"/>
               <a:cs typeface="Monaco"/>
             </a:endParaRPr>
           </a:p>
           <a:p>
             <a:r>
-              <a:rPr lang="en-US" dirty="0" smtClean="0">
+              <a:rPr lang="en-US" sz="1600" dirty="0" smtClean="0">
+                <a:latin typeface="Monaco"/>
+                <a:cs typeface="Monaco"/>
+              </a:rPr>
+              <a:t># Empty list of letter</a:t>
+            </a:r>
+          </a:p>
+          <a:p>
+            <a:r>
+              <a:rPr lang="en-US" sz="1600" dirty="0" smtClean="0">
+                <a:latin typeface="Monaco"/>
+                <a:cs typeface="Monaco"/>
+              </a:rPr>
+              <a:t>letter_grades = []</a:t>
+            </a:r>
+          </a:p>
+          <a:p>
+            <a:endParaRPr lang="en-US" sz="1600" dirty="0" smtClean="0">
+              <a:latin typeface="Monaco"/>
+              <a:cs typeface="Monaco"/>
+            </a:endParaRPr>
+          </a:p>
+          <a:p>
+            <a:r>
+              <a:rPr lang="en-US" sz="1600" dirty="0" smtClean="0">
+                <a:latin typeface="Monaco"/>
+                <a:cs typeface="Monaco"/>
+              </a:rPr>
+              <a:t># Determine the letter grade</a:t>
+            </a:r>
+          </a:p>
+          <a:p>
+            <a:r>
+              <a:rPr lang="en-US" sz="1600" dirty="0" smtClean="0">
+                <a:latin typeface="Monaco"/>
+                <a:cs typeface="Monaco"/>
+              </a:rPr>
+              <a:t>for grade in grades:</a:t>
+            </a:r>
+          </a:p>
+          <a:p>
+            <a:r>
+              <a:rPr lang="en-US" sz="1600" dirty="0">
+                <a:latin typeface="Monaco"/>
+                <a:cs typeface="Monaco"/>
+              </a:rPr>
+              <a:t>	</a:t>
+            </a:r>
+            <a:r>
+              <a:rPr lang="en-US" sz="1600" dirty="0" smtClean="0">
+                <a:latin typeface="Monaco"/>
+                <a:cs typeface="Monaco"/>
+              </a:rPr>
+              <a:t>if grade &gt;= 90:</a:t>
+            </a:r>
+          </a:p>
+          <a:p>
+            <a:r>
+              <a:rPr lang="en-US" sz="1600" dirty="0">
+                <a:latin typeface="Monaco"/>
+                <a:cs typeface="Monaco"/>
+              </a:rPr>
+              <a:t>	</a:t>
+            </a:r>
+            <a:r>
+              <a:rPr lang="en-US" sz="1600" dirty="0" smtClean="0">
+                <a:latin typeface="Monaco"/>
+                <a:cs typeface="Monaco"/>
+              </a:rPr>
+              <a:t>	letter_grades.append("A")</a:t>
+            </a:r>
+          </a:p>
+          <a:p>
+            <a:r>
+              <a:rPr lang="en-US" sz="1600" dirty="0">
+                <a:latin typeface="Monaco"/>
+                <a:cs typeface="Monaco"/>
+              </a:rPr>
+              <a:t>	</a:t>
+            </a:r>
+            <a:r>
+              <a:rPr lang="en-US" sz="1600" dirty="0" smtClean="0">
+                <a:latin typeface="Monaco"/>
+                <a:cs typeface="Monaco"/>
+              </a:rPr>
+              <a:t>elif grade &gt;= 80:</a:t>
+            </a:r>
+          </a:p>
+          <a:p>
+            <a:r>
+              <a:rPr lang="en-US" sz="1600" dirty="0">
+                <a:latin typeface="Monaco"/>
+                <a:cs typeface="Monaco"/>
+              </a:rPr>
+              <a:t>		</a:t>
+            </a:r>
+            <a:r>
+              <a:rPr lang="en-US" sz="1600" dirty="0" smtClean="0">
+                <a:latin typeface="Monaco"/>
+                <a:cs typeface="Monaco"/>
+              </a:rPr>
+              <a:t>letter_grades.append("B")</a:t>
+            </a:r>
+          </a:p>
+          <a:p>
+            <a:r>
+              <a:rPr lang="en-US" sz="1600" dirty="0">
+                <a:latin typeface="Monaco"/>
+                <a:cs typeface="Monaco"/>
+              </a:rPr>
+              <a:t>	</a:t>
+            </a:r>
+            <a:r>
+              <a:rPr lang="en-US" sz="1600" dirty="0" smtClean="0">
+                <a:latin typeface="Monaco"/>
+                <a:cs typeface="Monaco"/>
+              </a:rPr>
+              <a:t>elif grade &gt;= 70:</a:t>
+            </a:r>
+          </a:p>
+          <a:p>
+            <a:r>
+              <a:rPr lang="en-US" sz="1600" dirty="0">
+                <a:latin typeface="Monaco"/>
+                <a:cs typeface="Monaco"/>
+              </a:rPr>
+              <a:t>		</a:t>
+            </a:r>
+            <a:r>
+              <a:rPr lang="en-US" sz="1600" dirty="0" smtClean="0">
+                <a:latin typeface="Monaco"/>
+                <a:cs typeface="Monaco"/>
+              </a:rPr>
+              <a:t>letter_grades.append("C")</a:t>
+            </a:r>
+          </a:p>
+          <a:p>
+            <a:r>
+              <a:rPr lang="en-US" sz="1600" dirty="0">
+                <a:latin typeface="Monaco"/>
+                <a:cs typeface="Monaco"/>
+              </a:rPr>
+              <a:t>	</a:t>
+            </a:r>
+            <a:r>
+              <a:rPr lang="en-US" sz="1600" dirty="0" smtClean="0">
+                <a:latin typeface="Monaco"/>
+                <a:cs typeface="Monaco"/>
+              </a:rPr>
+              <a:t>elif grade &gt;= 60:</a:t>
+            </a:r>
+          </a:p>
+          <a:p>
+            <a:r>
+              <a:rPr lang="en-US" sz="1600" dirty="0">
+                <a:latin typeface="Monaco"/>
+                <a:cs typeface="Monaco"/>
+              </a:rPr>
+              <a:t>		</a:t>
+            </a:r>
+            <a:r>
+              <a:rPr lang="en-US" sz="1600" dirty="0" smtClean="0">
+                <a:latin typeface="Monaco"/>
+                <a:cs typeface="Monaco"/>
+              </a:rPr>
+              <a:t>letter_grades.append("D")</a:t>
+            </a:r>
+          </a:p>
+          <a:p>
+            <a:r>
+              <a:rPr lang="en-US" sz="1600" dirty="0">
+                <a:latin typeface="Monaco"/>
+                <a:cs typeface="Monaco"/>
+              </a:rPr>
+              <a:t>	</a:t>
+            </a:r>
+            <a:r>
+              <a:rPr lang="en-US" sz="1600" dirty="0" smtClean="0">
+                <a:latin typeface="Monaco"/>
+                <a:cs typeface="Monaco"/>
+              </a:rPr>
+              <a:t>else:</a:t>
+            </a:r>
+          </a:p>
+          <a:p>
+            <a:r>
+              <a:rPr lang="en-US" sz="1600" dirty="0">
+                <a:latin typeface="Monaco"/>
+                <a:cs typeface="Monaco"/>
+              </a:rPr>
+              <a:t>		</a:t>
+            </a:r>
+            <a:r>
+              <a:rPr lang="en-US" sz="1600" dirty="0" smtClean="0">
+                <a:latin typeface="Monaco"/>
+                <a:cs typeface="Monaco"/>
+              </a:rPr>
+              <a:t>letter_grades.append("F")</a:t>
+            </a:r>
+          </a:p>
+          <a:p>
+            <a:endParaRPr lang="en-US" sz="1600" dirty="0" smtClean="0">
+              <a:latin typeface="Monaco"/>
+              <a:cs typeface="Monaco"/>
+            </a:endParaRPr>
+          </a:p>
+          <a:p>
+            <a:r>
+              <a:rPr lang="en-US" sz="1600" dirty="0" smtClean="0">
+                <a:latin typeface="Monaco"/>
+                <a:cs typeface="Monaco"/>
+              </a:rPr>
+              <a:t>print letter_grades</a:t>
+            </a:r>
+          </a:p>
+          <a:p>
+            <a:r>
+              <a:rPr lang="en-US" sz="1600" dirty="0">
                 <a:solidFill>
                   <a:schemeClr val="bg1">
                     <a:lumMod val="65000"/>
@@ -16713,9 +16843,21 @@
                 <a:latin typeface="Monaco"/>
                 <a:cs typeface="Monaco"/>
               </a:rPr>
-              <a:t>	bell pepper</a:t>
-            </a:r>
-            <a:endParaRPr lang="en-US" dirty="0">
+              <a:t>	</a:t>
+            </a:r>
+            <a:r>
+              <a:rPr lang="fr-FR" sz="1600" dirty="0">
+                <a:solidFill>
+                  <a:schemeClr val="bg1">
+                    <a:lumMod val="65000"/>
+                  </a:schemeClr>
+                </a:solidFill>
+                <a:latin typeface="Monaco"/>
+                <a:cs typeface="Monaco"/>
+              </a:rPr>
+              <a:t>['B', 'C', 'C', 'B', 'F', 'C', 'D']</a:t>
+            </a:r>
+            <a:endParaRPr lang="en-US" sz="1600" dirty="0" smtClean="0">
               <a:solidFill>
                 <a:schemeClr val="bg1">
                   <a:lumMod val="65000"/>
@@ -16726,92 +16868,46 @@
             </a:endParaRPr>
           </a:p>
           <a:p>
-            <a:pPr lvl="1"/>
-            <a:r>
-              <a:rPr lang="en-US" dirty="0" smtClean="0">
-                <a:solidFill>
-                  <a:schemeClr val="bg1">
-                    <a:lumMod val="65000"/>
-                  </a:schemeClr>
-                </a:solidFill>
-                <a:latin typeface="Monaco"/>
-                <a:cs typeface="Monaco"/>
-              </a:rPr>
-              <a:t>banana</a:t>
-            </a:r>
-            <a:endParaRPr lang="en-US" dirty="0">
-              <a:solidFill>
-                <a:schemeClr val="bg1">
-                  <a:lumMod val="65000"/>
-                </a:schemeClr>
-              </a:solidFill>
+            <a:r>
+              <a:rPr lang="en-US" sz="1600" dirty="0">
+                <a:latin typeface="Monaco"/>
+                <a:cs typeface="Monaco"/>
+              </a:rPr>
+              <a:t>	</a:t>
+            </a:r>
+            <a:endParaRPr lang="en-US" sz="1600" dirty="0" smtClean="0">
               <a:latin typeface="Monaco"/>
               <a:cs typeface="Monaco"/>
             </a:endParaRPr>
           </a:p>
           <a:p>
-            <a:pPr lvl="1"/>
-            <a:r>
-              <a:rPr lang="en-US" dirty="0" smtClean="0">
-                <a:solidFill>
-                  <a:schemeClr val="bg1">
-                    <a:lumMod val="65000"/>
-                  </a:schemeClr>
-                </a:solidFill>
-                <a:latin typeface="Monaco"/>
-                <a:cs typeface="Monaco"/>
-              </a:rPr>
-              <a:t>apple</a:t>
-            </a:r>
-            <a:endParaRPr lang="en-US" dirty="0" smtClean="0">
+            <a:r>
+              <a:rPr lang="en-US" sz="1600" dirty="0" smtClean="0">
+                <a:latin typeface="Monaco"/>
+                <a:cs typeface="Monaco"/>
+              </a:rPr>
+              <a:t>	</a:t>
+            </a:r>
+          </a:p>
+          <a:p>
+            <a:r>
+              <a:rPr lang="en-US" sz="1600" dirty="0">
+                <a:latin typeface="Monaco"/>
+                <a:cs typeface="Monaco"/>
+              </a:rPr>
+              <a:t>	</a:t>
+            </a:r>
+            <a:endParaRPr lang="en-US" sz="1600" dirty="0" smtClean="0">
               <a:latin typeface="Monaco"/>
               <a:cs typeface="Monaco"/>
             </a:endParaRPr>
           </a:p>
         </p:txBody>
       </p:sp>
-      <p:sp>
-        <p:nvSpPr>
-          <p:cNvPr id="3" name="TextBox 2"/>
-          <p:cNvSpPr txBox="1"/>
-          <p:nvPr/>
-        </p:nvSpPr>
-        <p:spPr>
-          <a:xfrm>
-            <a:off x="2481385" y="3482093"/>
-            <a:ext cx="3751385" cy="369332"/>
-          </a:xfrm>
-          <a:prstGeom prst="rect">
-            <a:avLst/>
-          </a:prstGeom>
-          <a:noFill/>
-        </p:spPr>
-        <p:txBody>
-          <a:bodyPr wrap="square" rtlCol="0">
-            <a:spAutoFit/>
-          </a:bodyPr>
-          <a:lstStyle/>
-          <a:p>
-            <a:r>
-              <a:rPr lang="en-US" dirty="0" smtClean="0">
-                <a:solidFill>
-                  <a:schemeClr val="accent5"/>
-                </a:solidFill>
-              </a:rPr>
-              <a:t>What are we actually looping over?</a:t>
-            </a:r>
-            <a:endParaRPr lang="en-US" dirty="0">
-              <a:solidFill>
-                <a:schemeClr val="accent5"/>
-              </a:solidFill>
-            </a:endParaRPr>
-          </a:p>
-        </p:txBody>
-      </p:sp>
     </p:spTree>
     <p:extLst>
       <p:ext uri="{BB962C8B-B14F-4D97-AF65-F5344CB8AC3E}">
-        <p14:creationId xmlns:p14="http://schemas.microsoft.com/office/powerpoint/2010/main" val="2360658973"/>
+        <p14:creationId xmlns:p14="http://schemas.microsoft.com/office/powerpoint/2010/main" val="246246496"/>
       </p:ext>
     </p:extLst>
   </p:cSld>
@@ -16855,584 +16951,6 @@
           <a:p>
             <a:r>
               <a:rPr lang="en-US" dirty="0" smtClean="0"/>
-              <a:t>looping over dictionaries</a:t>
-            </a:r>
-            <a:endParaRPr lang="en-US" dirty="0"/>
-          </a:p>
-        </p:txBody>
-      </p:sp>
-      <p:sp>
-        <p:nvSpPr>
-          <p:cNvPr id="4" name="TextBox 3"/>
-          <p:cNvSpPr txBox="1"/>
-          <p:nvPr/>
-        </p:nvSpPr>
-        <p:spPr>
-          <a:xfrm>
-            <a:off x="205154" y="2036922"/>
-            <a:ext cx="8733691" cy="2308324"/>
-          </a:xfrm>
-          <a:prstGeom prst="rect">
-            <a:avLst/>
-          </a:prstGeom>
-          <a:noFill/>
-        </p:spPr>
-        <p:txBody>
-          <a:bodyPr wrap="square" rtlCol="0">
-            <a:spAutoFit/>
-          </a:bodyPr>
-          <a:lstStyle/>
-          <a:p>
-            <a:r>
-              <a:rPr lang="en-US" dirty="0" smtClean="0">
-                <a:latin typeface="Monaco"/>
-                <a:cs typeface="Monaco"/>
-              </a:rPr>
-              <a:t>price = {"banana" : 0.79, "apple": 1.02, "bell pepper": 2.39}</a:t>
-            </a:r>
-          </a:p>
-          <a:p>
-            <a:r>
-              <a:rPr lang="en-US" dirty="0" smtClean="0">
-                <a:latin typeface="Monaco"/>
-                <a:cs typeface="Monaco"/>
-              </a:rPr>
-              <a:t>for item in price:</a:t>
-            </a:r>
-          </a:p>
-          <a:p>
-            <a:r>
-              <a:rPr lang="en-US" dirty="0" smtClean="0">
-                <a:latin typeface="Monaco"/>
-                <a:cs typeface="Monaco"/>
-              </a:rPr>
-              <a:t>	# Print the key *and* value</a:t>
-            </a:r>
-          </a:p>
-          <a:p>
-            <a:r>
-              <a:rPr lang="en-US" dirty="0">
-                <a:latin typeface="Monaco"/>
-                <a:cs typeface="Monaco"/>
-              </a:rPr>
-              <a:t>	</a:t>
-            </a:r>
-            <a:r>
-              <a:rPr lang="en-US" dirty="0" smtClean="0">
-                <a:latin typeface="Monaco"/>
-                <a:cs typeface="Monaco"/>
-              </a:rPr>
-              <a:t>print item, price[item]</a:t>
-            </a:r>
-          </a:p>
-          <a:p>
-            <a:endParaRPr lang="en-US" dirty="0">
-              <a:latin typeface="Monaco"/>
-              <a:cs typeface="Monaco"/>
-            </a:endParaRPr>
-          </a:p>
-          <a:p>
-            <a:r>
-              <a:rPr lang="en-US" dirty="0" smtClean="0">
-                <a:solidFill>
-                  <a:schemeClr val="bg1">
-                    <a:lumMod val="65000"/>
-                  </a:schemeClr>
-                </a:solidFill>
-                <a:latin typeface="Monaco"/>
-                <a:cs typeface="Monaco"/>
-              </a:rPr>
-              <a:t>	bell pepper, 2.39</a:t>
-            </a:r>
-            <a:endParaRPr lang="en-US" dirty="0">
-              <a:solidFill>
-                <a:schemeClr val="bg1">
-                  <a:lumMod val="65000"/>
-                </a:schemeClr>
-              </a:solidFill>
-              <a:latin typeface="Monaco"/>
-              <a:cs typeface="Monaco"/>
-            </a:endParaRPr>
-          </a:p>
-          <a:p>
-            <a:pPr lvl="1"/>
-            <a:r>
-              <a:rPr lang="en-US" dirty="0" smtClean="0">
-                <a:solidFill>
-                  <a:schemeClr val="bg1">
-                    <a:lumMod val="65000"/>
-                  </a:schemeClr>
-                </a:solidFill>
-                <a:latin typeface="Monaco"/>
-                <a:cs typeface="Monaco"/>
-              </a:rPr>
-              <a:t>banana, 0.79</a:t>
-            </a:r>
-            <a:endParaRPr lang="en-US" dirty="0">
-              <a:solidFill>
-                <a:schemeClr val="bg1">
-                  <a:lumMod val="65000"/>
-                </a:schemeClr>
-              </a:solidFill>
-              <a:latin typeface="Monaco"/>
-              <a:cs typeface="Monaco"/>
-            </a:endParaRPr>
-          </a:p>
-          <a:p>
-            <a:pPr lvl="1"/>
-            <a:r>
-              <a:rPr lang="en-US" dirty="0" smtClean="0">
-                <a:solidFill>
-                  <a:schemeClr val="bg1">
-                    <a:lumMod val="65000"/>
-                  </a:schemeClr>
-                </a:solidFill>
-                <a:latin typeface="Monaco"/>
-                <a:cs typeface="Monaco"/>
-              </a:rPr>
-              <a:t>apple, 1.02</a:t>
-            </a:r>
-            <a:endParaRPr lang="en-US" dirty="0" smtClean="0">
-              <a:latin typeface="Monaco"/>
-              <a:cs typeface="Monaco"/>
-            </a:endParaRPr>
-          </a:p>
-        </p:txBody>
-      </p:sp>
-    </p:spTree>
-    <p:extLst>
-      <p:ext uri="{BB962C8B-B14F-4D97-AF65-F5344CB8AC3E}">
-        <p14:creationId xmlns:p14="http://schemas.microsoft.com/office/powerpoint/2010/main" val="1259606957"/>
-      </p:ext>
-    </p:extLst>
-  </p:cSld>
-  <p:clrMapOvr>
-    <a:masterClrMapping/>
-  </p:clrMapOvr>
-</p:sld>
-</file>
-
-<file path=ppt/slides/slide54.xml><?xml version="1.0" encoding="utf-8"?>
-<p:sld xmlns:a="http://schemas.openxmlformats.org/drawingml/2006/main" xmlns:r="http://schemas.openxmlformats.org/officeDocument/2006/relationships" xmlns:p="http://schemas.openxmlformats.org/presentationml/2006/main">
-  <p:cSld>
-    <p:spTree>
-      <p:nvGrpSpPr>
-        <p:cNvPr id="1" name=""/>
-        <p:cNvGrpSpPr/>
-        <p:nvPr/>
-      </p:nvGrpSpPr>
-      <p:grpSpPr>
-        <a:xfrm>
-          <a:off x="0" y="0"/>
-          <a:ext cx="0" cy="0"/>
-          <a:chOff x="0" y="0"/>
-          <a:chExt cx="0" cy="0"/>
-        </a:xfrm>
-      </p:grpSpPr>
-      <p:sp>
-        <p:nvSpPr>
-          <p:cNvPr id="2" name="Title 1"/>
-          <p:cNvSpPr>
-            <a:spLocks noGrp="1"/>
-          </p:cNvSpPr>
-          <p:nvPr>
-            <p:ph type="title"/>
-          </p:nvPr>
-        </p:nvSpPr>
-        <p:spPr/>
-        <p:txBody>
-          <a:bodyPr/>
-          <a:lstStyle/>
-          <a:p>
-            <a:r>
-              <a:rPr lang="en-US" dirty="0" smtClean="0"/>
-              <a:t>using if and for together</a:t>
-            </a:r>
-            <a:endParaRPr lang="en-US" dirty="0"/>
-          </a:p>
-        </p:txBody>
-      </p:sp>
-      <p:sp>
-        <p:nvSpPr>
-          <p:cNvPr id="4" name="TextBox 3"/>
-          <p:cNvSpPr txBox="1"/>
-          <p:nvPr/>
-        </p:nvSpPr>
-        <p:spPr>
-          <a:xfrm>
-            <a:off x="294255" y="1517496"/>
-            <a:ext cx="7476412" cy="6001644"/>
-          </a:xfrm>
-          <a:prstGeom prst="rect">
-            <a:avLst/>
-          </a:prstGeom>
-          <a:noFill/>
-        </p:spPr>
-        <p:txBody>
-          <a:bodyPr wrap="square" rtlCol="0">
-            <a:spAutoFit/>
-          </a:bodyPr>
-          <a:lstStyle/>
-          <a:p>
-            <a:r>
-              <a:rPr lang="en-US" sz="1600" dirty="0" smtClean="0">
-                <a:latin typeface="Monaco"/>
-                <a:cs typeface="Monaco"/>
-              </a:rPr>
-              <a:t># List of grades</a:t>
-            </a:r>
-          </a:p>
-          <a:p>
-            <a:r>
-              <a:rPr lang="en-US" sz="1600" dirty="0" smtClean="0">
-                <a:latin typeface="Monaco"/>
-                <a:cs typeface="Monaco"/>
-              </a:rPr>
-              <a:t>grades = [88, 71, 74, 83, 57, 79, 66]</a:t>
-            </a:r>
-          </a:p>
-          <a:p>
-            <a:endParaRPr lang="en-US" sz="1600" dirty="0">
-              <a:latin typeface="Monaco"/>
-              <a:cs typeface="Monaco"/>
-            </a:endParaRPr>
-          </a:p>
-          <a:p>
-            <a:r>
-              <a:rPr lang="en-US" sz="1600" dirty="0" smtClean="0">
-                <a:latin typeface="Monaco"/>
-                <a:cs typeface="Monaco"/>
-              </a:rPr>
-              <a:t># Empty list of letter</a:t>
-            </a:r>
-          </a:p>
-          <a:p>
-            <a:r>
-              <a:rPr lang="en-US" sz="1600" dirty="0" smtClean="0">
-                <a:latin typeface="Monaco"/>
-                <a:cs typeface="Monaco"/>
-              </a:rPr>
-              <a:t>letter_grades = []</a:t>
-            </a:r>
-          </a:p>
-          <a:p>
-            <a:endParaRPr lang="en-US" sz="1600" dirty="0" smtClean="0">
-              <a:latin typeface="Monaco"/>
-              <a:cs typeface="Monaco"/>
-            </a:endParaRPr>
-          </a:p>
-          <a:p>
-            <a:r>
-              <a:rPr lang="en-US" sz="1600" dirty="0" smtClean="0">
-                <a:latin typeface="Monaco"/>
-                <a:cs typeface="Monaco"/>
-              </a:rPr>
-              <a:t># Determine the letter grade</a:t>
-            </a:r>
-          </a:p>
-          <a:p>
-            <a:r>
-              <a:rPr lang="en-US" sz="1600" dirty="0" smtClean="0">
-                <a:latin typeface="Monaco"/>
-                <a:cs typeface="Monaco"/>
-              </a:rPr>
-              <a:t>for grade in grades:</a:t>
-            </a:r>
-          </a:p>
-          <a:p>
-            <a:r>
-              <a:rPr lang="en-US" sz="1600" dirty="0">
-                <a:latin typeface="Monaco"/>
-                <a:cs typeface="Monaco"/>
-              </a:rPr>
-              <a:t>	</a:t>
-            </a:r>
-            <a:r>
-              <a:rPr lang="en-US" sz="1600" dirty="0" smtClean="0">
-                <a:latin typeface="Monaco"/>
-                <a:cs typeface="Monaco"/>
-              </a:rPr>
-              <a:t>if grade &gt;= 90:</a:t>
-            </a:r>
-          </a:p>
-          <a:p>
-            <a:r>
-              <a:rPr lang="en-US" sz="1600" dirty="0">
-                <a:latin typeface="Monaco"/>
-                <a:cs typeface="Monaco"/>
-              </a:rPr>
-              <a:t>	</a:t>
-            </a:r>
-            <a:r>
-              <a:rPr lang="en-US" sz="1600" dirty="0" smtClean="0">
-                <a:latin typeface="Monaco"/>
-                <a:cs typeface="Monaco"/>
-              </a:rPr>
-              <a:t>	letter_grades.append("A")</a:t>
-            </a:r>
-          </a:p>
-          <a:p>
-            <a:r>
-              <a:rPr lang="en-US" sz="1600" dirty="0">
-                <a:latin typeface="Monaco"/>
-                <a:cs typeface="Monaco"/>
-              </a:rPr>
-              <a:t>	</a:t>
-            </a:r>
-            <a:r>
-              <a:rPr lang="en-US" sz="1600" dirty="0" smtClean="0">
-                <a:latin typeface="Monaco"/>
-                <a:cs typeface="Monaco"/>
-              </a:rPr>
-              <a:t>elif grade &gt;= 80:</a:t>
-            </a:r>
-          </a:p>
-          <a:p>
-            <a:r>
-              <a:rPr lang="en-US" sz="1600" dirty="0">
-                <a:latin typeface="Monaco"/>
-                <a:cs typeface="Monaco"/>
-              </a:rPr>
-              <a:t>		</a:t>
-            </a:r>
-            <a:r>
-              <a:rPr lang="en-US" sz="1600" dirty="0" smtClean="0">
-                <a:latin typeface="Monaco"/>
-                <a:cs typeface="Monaco"/>
-              </a:rPr>
-              <a:t>letter_grades.append("B")</a:t>
-            </a:r>
-          </a:p>
-          <a:p>
-            <a:r>
-              <a:rPr lang="en-US" sz="1600" dirty="0">
-                <a:latin typeface="Monaco"/>
-                <a:cs typeface="Monaco"/>
-              </a:rPr>
-              <a:t>	</a:t>
-            </a:r>
-            <a:r>
-              <a:rPr lang="en-US" sz="1600" dirty="0" smtClean="0">
-                <a:latin typeface="Monaco"/>
-                <a:cs typeface="Monaco"/>
-              </a:rPr>
-              <a:t>elif grade &gt;= 70:</a:t>
-            </a:r>
-          </a:p>
-          <a:p>
-            <a:r>
-              <a:rPr lang="en-US" sz="1600" dirty="0">
-                <a:latin typeface="Monaco"/>
-                <a:cs typeface="Monaco"/>
-              </a:rPr>
-              <a:t>		</a:t>
-            </a:r>
-            <a:r>
-              <a:rPr lang="en-US" sz="1600" dirty="0" smtClean="0">
-                <a:latin typeface="Monaco"/>
-                <a:cs typeface="Monaco"/>
-              </a:rPr>
-              <a:t>letter_grades.append("C")</a:t>
-            </a:r>
-          </a:p>
-          <a:p>
-            <a:r>
-              <a:rPr lang="en-US" sz="1600" dirty="0">
-                <a:latin typeface="Monaco"/>
-                <a:cs typeface="Monaco"/>
-              </a:rPr>
-              <a:t>	</a:t>
-            </a:r>
-            <a:r>
-              <a:rPr lang="en-US" sz="1600" dirty="0" smtClean="0">
-                <a:latin typeface="Monaco"/>
-                <a:cs typeface="Monaco"/>
-              </a:rPr>
-              <a:t>elif grade &gt;= 60:</a:t>
-            </a:r>
-          </a:p>
-          <a:p>
-            <a:r>
-              <a:rPr lang="en-US" sz="1600" dirty="0">
-                <a:latin typeface="Monaco"/>
-                <a:cs typeface="Monaco"/>
-              </a:rPr>
-              <a:t>		</a:t>
-            </a:r>
-            <a:r>
-              <a:rPr lang="en-US" sz="1600" dirty="0" smtClean="0">
-                <a:latin typeface="Monaco"/>
-                <a:cs typeface="Monaco"/>
-              </a:rPr>
-              <a:t>letter_grades.append("D")</a:t>
-            </a:r>
-          </a:p>
-          <a:p>
-            <a:r>
-              <a:rPr lang="en-US" sz="1600" dirty="0">
-                <a:latin typeface="Monaco"/>
-                <a:cs typeface="Monaco"/>
-              </a:rPr>
-              <a:t>	</a:t>
-            </a:r>
-            <a:r>
-              <a:rPr lang="en-US" sz="1600" dirty="0" smtClean="0">
-                <a:latin typeface="Monaco"/>
-                <a:cs typeface="Monaco"/>
-              </a:rPr>
-              <a:t>else:</a:t>
-            </a:r>
-          </a:p>
-          <a:p>
-            <a:r>
-              <a:rPr lang="en-US" sz="1600" dirty="0">
-                <a:latin typeface="Monaco"/>
-                <a:cs typeface="Monaco"/>
-              </a:rPr>
-              <a:t>		</a:t>
-            </a:r>
-            <a:r>
-              <a:rPr lang="en-US" sz="1600" dirty="0" smtClean="0">
-                <a:latin typeface="Monaco"/>
-                <a:cs typeface="Monaco"/>
-              </a:rPr>
-              <a:t>letter_grades.append("F")</a:t>
-            </a:r>
-          </a:p>
-          <a:p>
-            <a:endParaRPr lang="en-US" sz="1600" dirty="0" smtClean="0">
-              <a:latin typeface="Monaco"/>
-              <a:cs typeface="Monaco"/>
-            </a:endParaRPr>
-          </a:p>
-          <a:p>
-            <a:r>
-              <a:rPr lang="en-US" sz="1600" dirty="0" smtClean="0">
-                <a:latin typeface="Monaco"/>
-                <a:cs typeface="Monaco"/>
-              </a:rPr>
-              <a:t>print letter_grades</a:t>
-            </a:r>
-          </a:p>
-          <a:p>
-            <a:r>
-              <a:rPr lang="en-US" sz="1600" dirty="0">
-                <a:solidFill>
-                  <a:schemeClr val="bg1">
-                    <a:lumMod val="65000"/>
-                  </a:schemeClr>
-                </a:solidFill>
-                <a:latin typeface="Monaco"/>
-                <a:cs typeface="Monaco"/>
-              </a:rPr>
-              <a:t>	</a:t>
-            </a:r>
-            <a:r>
-              <a:rPr lang="fr-FR" sz="1600" dirty="0">
-                <a:solidFill>
-                  <a:schemeClr val="bg1">
-                    <a:lumMod val="65000"/>
-                  </a:schemeClr>
-                </a:solidFill>
-                <a:latin typeface="Monaco"/>
-                <a:cs typeface="Monaco"/>
-              </a:rPr>
-              <a:t>['B', 'C', 'C', 'B', 'F', 'C', 'D']</a:t>
-            </a:r>
-            <a:endParaRPr lang="en-US" sz="1600" dirty="0" smtClean="0">
-              <a:solidFill>
-                <a:schemeClr val="bg1">
-                  <a:lumMod val="65000"/>
-                </a:schemeClr>
-              </a:solidFill>
-              <a:latin typeface="Monaco"/>
-              <a:cs typeface="Monaco"/>
-            </a:endParaRPr>
-          </a:p>
-          <a:p>
-            <a:r>
-              <a:rPr lang="en-US" sz="1600" dirty="0">
-                <a:latin typeface="Monaco"/>
-                <a:cs typeface="Monaco"/>
-              </a:rPr>
-              <a:t>	</a:t>
-            </a:r>
-            <a:endParaRPr lang="en-US" sz="1600" dirty="0" smtClean="0">
-              <a:latin typeface="Monaco"/>
-              <a:cs typeface="Monaco"/>
-            </a:endParaRPr>
-          </a:p>
-          <a:p>
-            <a:r>
-              <a:rPr lang="en-US" sz="1600" dirty="0" smtClean="0">
-                <a:latin typeface="Monaco"/>
-                <a:cs typeface="Monaco"/>
-              </a:rPr>
-              <a:t>	</a:t>
-            </a:r>
-          </a:p>
-          <a:p>
-            <a:r>
-              <a:rPr lang="en-US" sz="1600" dirty="0">
-                <a:latin typeface="Monaco"/>
-                <a:cs typeface="Monaco"/>
-              </a:rPr>
-              <a:t>	</a:t>
-            </a:r>
-            <a:endParaRPr lang="en-US" sz="1600" dirty="0" smtClean="0">
-              <a:latin typeface="Monaco"/>
-              <a:cs typeface="Monaco"/>
-            </a:endParaRPr>
-          </a:p>
-        </p:txBody>
-      </p:sp>
-    </p:spTree>
-    <p:extLst>
-      <p:ext uri="{BB962C8B-B14F-4D97-AF65-F5344CB8AC3E}">
-        <p14:creationId xmlns:p14="http://schemas.microsoft.com/office/powerpoint/2010/main" val="246246496"/>
-      </p:ext>
-    </p:extLst>
-  </p:cSld>
-  <p:clrMapOvr>
-    <a:masterClrMapping/>
-  </p:clrMapOvr>
-</p:sld>
-</file>
-
-<file path=ppt/slides/slide55.xml><?xml version="1.0" encoding="utf-8"?>
-<p:sld xmlns:a="http://schemas.openxmlformats.org/drawingml/2006/main" xmlns:r="http://schemas.openxmlformats.org/officeDocument/2006/relationships" xmlns:p="http://schemas.openxmlformats.org/presentationml/2006/main">
-  <p:cSld>
-    <p:spTree>
-      <p:nvGrpSpPr>
-        <p:cNvPr id="1" name=""/>
-        <p:cNvGrpSpPr/>
-        <p:nvPr/>
-      </p:nvGrpSpPr>
-      <p:grpSpPr>
-        <a:xfrm>
-          <a:off x="0" y="0"/>
-          <a:ext cx="0" cy="0"/>
-          <a:chOff x="0" y="0"/>
-          <a:chExt cx="0" cy="0"/>
-        </a:xfrm>
-      </p:grpSpPr>
-      <p:sp>
-        <p:nvSpPr>
-          <p:cNvPr id="2" name="Title 1"/>
-          <p:cNvSpPr>
-            <a:spLocks noGrp="1"/>
-          </p:cNvSpPr>
-          <p:nvPr>
-            <p:ph type="title"/>
-          </p:nvPr>
-        </p:nvSpPr>
-        <p:spPr/>
-        <p:txBody>
-          <a:bodyPr/>
-          <a:lstStyle/>
-          <a:p>
-            <a:r>
-              <a:rPr lang="en-US" dirty="0" smtClean="0"/>
               <a:t>controlling the loops even more</a:t>
             </a:r>
             <a:endParaRPr lang="en-US" dirty="0"/>
@@ -17551,7 +17069,7 @@
 </p:sld>
 </file>
 
-<file path=ppt/slides/slide56.xml><?xml version="1.0" encoding="utf-8"?>
+<file path=ppt/slides/slide54.xml><?xml version="1.0" encoding="utf-8"?>
 <p:sld xmlns:a="http://schemas.openxmlformats.org/drawingml/2006/main" xmlns:r="http://schemas.openxmlformats.org/officeDocument/2006/relationships" xmlns:p="http://schemas.openxmlformats.org/presentationml/2006/main">
   <p:cSld>
     <p:spTree>
@@ -18030,7 +17548,7 @@
 </p:sld>
 </file>
 
-<file path=ppt/slides/slide57.xml><?xml version="1.0" encoding="utf-8"?>
+<file path=ppt/slides/slide55.xml><?xml version="1.0" encoding="utf-8"?>
 <p:sld xmlns:a="http://schemas.openxmlformats.org/drawingml/2006/main" xmlns:r="http://schemas.openxmlformats.org/officeDocument/2006/relationships" xmlns:p="http://schemas.openxmlformats.org/presentationml/2006/main">
   <p:cSld>
     <p:spTree>
@@ -18556,7 +18074,7 @@
 </p:sld>
 </file>
 
-<file path=ppt/slides/slide58.xml><?xml version="1.0" encoding="utf-8"?>
+<file path=ppt/slides/slide56.xml><?xml version="1.0" encoding="utf-8"?>
 <p:sld xmlns:a="http://schemas.openxmlformats.org/drawingml/2006/main" xmlns:r="http://schemas.openxmlformats.org/officeDocument/2006/relationships" xmlns:p="http://schemas.openxmlformats.org/presentationml/2006/main">
   <p:cSld>
     <p:spTree>
@@ -19120,7 +18638,7 @@
 </p:sld>
 </file>
 
-<file path=ppt/slides/slide59.xml><?xml version="1.0" encoding="utf-8"?>
+<file path=ppt/slides/slide57.xml><?xml version="1.0" encoding="utf-8"?>
 <p:sld xmlns:a="http://schemas.openxmlformats.org/drawingml/2006/main" xmlns:r="http://schemas.openxmlformats.org/officeDocument/2006/relationships" xmlns:p="http://schemas.openxmlformats.org/presentationml/2006/main">
   <p:cSld>
     <p:spTree>
